--- a/trunk/preliminary/Working/presentations/KeyStone_Connectivity_Priority.pptx
+++ b/trunk/preliminary/Working/presentations/KeyStone_Connectivity_Priority.pptx
@@ -5,10 +5,10 @@
     <p:sldMasterId id="2147483648" r:id="rId1"/>
   </p:sldMasterIdLst>
   <p:notesMasterIdLst>
-    <p:notesMasterId r:id="rId52"/>
+    <p:notesMasterId r:id="rId57"/>
   </p:notesMasterIdLst>
   <p:handoutMasterIdLst>
-    <p:handoutMasterId r:id="rId53"/>
+    <p:handoutMasterId r:id="rId58"/>
   </p:handoutMasterIdLst>
   <p:sldIdLst>
     <p:sldId id="265" r:id="rId2"/>
@@ -48,24 +48,29 @@
     <p:sldId id="298" r:id="rId36"/>
     <p:sldId id="299" r:id="rId37"/>
     <p:sldId id="300" r:id="rId38"/>
-    <p:sldId id="301" r:id="rId39"/>
-    <p:sldId id="302" r:id="rId40"/>
-    <p:sldId id="303" r:id="rId41"/>
-    <p:sldId id="304" r:id="rId42"/>
-    <p:sldId id="305" r:id="rId43"/>
-    <p:sldId id="306" r:id="rId44"/>
-    <p:sldId id="307" r:id="rId45"/>
-    <p:sldId id="308" r:id="rId46"/>
-    <p:sldId id="309" r:id="rId47"/>
-    <p:sldId id="310" r:id="rId48"/>
-    <p:sldId id="311" r:id="rId49"/>
-    <p:sldId id="312" r:id="rId50"/>
-    <p:sldId id="313" r:id="rId51"/>
+    <p:sldId id="318" r:id="rId39"/>
+    <p:sldId id="319" r:id="rId40"/>
+    <p:sldId id="320" r:id="rId41"/>
+    <p:sldId id="321" r:id="rId42"/>
+    <p:sldId id="317" r:id="rId43"/>
+    <p:sldId id="301" r:id="rId44"/>
+    <p:sldId id="302" r:id="rId45"/>
+    <p:sldId id="303" r:id="rId46"/>
+    <p:sldId id="304" r:id="rId47"/>
+    <p:sldId id="305" r:id="rId48"/>
+    <p:sldId id="306" r:id="rId49"/>
+    <p:sldId id="307" r:id="rId50"/>
+    <p:sldId id="308" r:id="rId51"/>
+    <p:sldId id="309" r:id="rId52"/>
+    <p:sldId id="310" r:id="rId53"/>
+    <p:sldId id="311" r:id="rId54"/>
+    <p:sldId id="312" r:id="rId55"/>
+    <p:sldId id="313" r:id="rId56"/>
   </p:sldIdLst>
   <p:sldSz cx="9144000" cy="6858000" type="screen4x3"/>
   <p:notesSz cx="7010400" cy="9296400"/>
   <p:custDataLst>
-    <p:tags r:id="rId54"/>
+    <p:tags r:id="rId59"/>
   </p:custDataLst>
   <p:defaultTextStyle>
     <a:defPPr>
@@ -259,7 +264,7 @@
             </a:lvl1pPr>
           </a:lstStyle>
           <a:p>
-            <a:endParaRPr lang="en-US"/>
+            <a:endParaRPr lang="en-US" dirty="0"/>
           </a:p>
         </p:txBody>
       </p:sp>
@@ -302,7 +307,7 @@
             </a:lvl1pPr>
           </a:lstStyle>
           <a:p>
-            <a:endParaRPr lang="en-US"/>
+            <a:endParaRPr lang="en-US" dirty="0"/>
           </a:p>
         </p:txBody>
       </p:sp>
@@ -345,7 +350,7 @@
             </a:lvl1pPr>
           </a:lstStyle>
           <a:p>
-            <a:endParaRPr lang="en-US"/>
+            <a:endParaRPr lang="en-US" dirty="0"/>
           </a:p>
         </p:txBody>
       </p:sp>
@@ -393,7 +398,7 @@
               <a:pPr/>
               <a:t>‹#›</a:t>
             </a:fld>
-            <a:endParaRPr lang="en-US"/>
+            <a:endParaRPr lang="en-US" dirty="0"/>
           </a:p>
         </p:txBody>
       </p:sp>
@@ -467,7 +472,7 @@
             </a:lvl1pPr>
           </a:lstStyle>
           <a:p>
-            <a:endParaRPr lang="en-US"/>
+            <a:endParaRPr lang="en-US" dirty="0"/>
           </a:p>
         </p:txBody>
       </p:sp>
@@ -510,7 +515,7 @@
             </a:lvl1pPr>
           </a:lstStyle>
           <a:p>
-            <a:endParaRPr lang="en-US"/>
+            <a:endParaRPr lang="en-US" dirty="0"/>
           </a:p>
         </p:txBody>
       </p:sp>
@@ -653,7 +658,7 @@
             </a:lvl1pPr>
           </a:lstStyle>
           <a:p>
-            <a:endParaRPr lang="en-US"/>
+            <a:endParaRPr lang="en-US" dirty="0"/>
           </a:p>
         </p:txBody>
       </p:sp>
@@ -701,7 +706,7 @@
               <a:pPr/>
               <a:t>‹#›</a:t>
             </a:fld>
-            <a:endParaRPr lang="en-US"/>
+            <a:endParaRPr lang="en-US" dirty="0"/>
           </a:p>
         </p:txBody>
       </p:sp>
@@ -902,14 +907,14 @@
         <p:spPr>
           <a:extLst>
             <a:ext uri="{909E8E84-426E-40DD-AFC4-6F175D3DCCD1}">
-              <a14:hiddenFill xmlns="" xmlns:a14="http://schemas.microsoft.com/office/drawing/2010/main">
+              <a14:hiddenFill xmlns:a14="http://schemas.microsoft.com/office/drawing/2010/main" xmlns="">
                 <a:solidFill>
                   <a:schemeClr val="accent1"/>
                 </a:solidFill>
               </a14:hiddenFill>
             </a:ext>
             <a:ext uri="{91240B29-F687-4F45-9708-019B960494DF}">
-              <a14:hiddenLine xmlns="" xmlns:a14="http://schemas.microsoft.com/office/drawing/2010/main" w="9525">
+              <a14:hiddenLine xmlns:a14="http://schemas.microsoft.com/office/drawing/2010/main" xmlns="" w="9525">
                 <a:solidFill>
                   <a:schemeClr val="tx1"/>
                 </a:solidFill>
@@ -919,7 +924,7 @@
               </a14:hiddenLine>
             </a:ext>
             <a:ext uri="{AF507438-7753-43E0-B8FC-AC1667EBCBE1}">
-              <a14:hiddenEffects xmlns="" xmlns:a14="http://schemas.microsoft.com/office/drawing/2010/main">
+              <a14:hiddenEffects xmlns:a14="http://schemas.microsoft.com/office/drawing/2010/main" xmlns="">
                 <a:effectLst>
                   <a:outerShdw dist="35921" dir="2700000" algn="ctr" rotWithShape="0">
                     <a:schemeClr val="bg2"/>
@@ -1117,14 +1122,14 @@
         <p:spPr>
           <a:extLst>
             <a:ext uri="{909E8E84-426E-40DD-AFC4-6F175D3DCCD1}">
-              <a14:hiddenFill xmlns="" xmlns:a14="http://schemas.microsoft.com/office/drawing/2010/main">
+              <a14:hiddenFill xmlns:a14="http://schemas.microsoft.com/office/drawing/2010/main" xmlns="">
                 <a:solidFill>
                   <a:schemeClr val="accent1"/>
                 </a:solidFill>
               </a14:hiddenFill>
             </a:ext>
             <a:ext uri="{91240B29-F687-4F45-9708-019B960494DF}">
-              <a14:hiddenLine xmlns="" xmlns:a14="http://schemas.microsoft.com/office/drawing/2010/main" w="9525">
+              <a14:hiddenLine xmlns:a14="http://schemas.microsoft.com/office/drawing/2010/main" xmlns="" w="9525">
                 <a:solidFill>
                   <a:schemeClr val="tx1"/>
                 </a:solidFill>
@@ -1134,7 +1139,7 @@
               </a14:hiddenLine>
             </a:ext>
             <a:ext uri="{AF507438-7753-43E0-B8FC-AC1667EBCBE1}">
-              <a14:hiddenEffects xmlns="" xmlns:a14="http://schemas.microsoft.com/office/drawing/2010/main">
+              <a14:hiddenEffects xmlns:a14="http://schemas.microsoft.com/office/drawing/2010/main" xmlns="">
                 <a:effectLst>
                   <a:outerShdw dist="35921" dir="2700000" algn="ctr" rotWithShape="0">
                     <a:schemeClr val="bg2"/>
@@ -1235,14 +1240,14 @@
         <p:spPr>
           <a:extLst>
             <a:ext uri="{909E8E84-426E-40DD-AFC4-6F175D3DCCD1}">
-              <a14:hiddenFill xmlns="" xmlns:a14="http://schemas.microsoft.com/office/drawing/2010/main">
+              <a14:hiddenFill xmlns:a14="http://schemas.microsoft.com/office/drawing/2010/main" xmlns="">
                 <a:solidFill>
                   <a:schemeClr val="accent1"/>
                 </a:solidFill>
               </a14:hiddenFill>
             </a:ext>
             <a:ext uri="{91240B29-F687-4F45-9708-019B960494DF}">
-              <a14:hiddenLine xmlns="" xmlns:a14="http://schemas.microsoft.com/office/drawing/2010/main" w="9525">
+              <a14:hiddenLine xmlns:a14="http://schemas.microsoft.com/office/drawing/2010/main" xmlns="" w="9525">
                 <a:solidFill>
                   <a:schemeClr val="tx1"/>
                 </a:solidFill>
@@ -1252,7 +1257,7 @@
               </a14:hiddenLine>
             </a:ext>
             <a:ext uri="{AF507438-7753-43E0-B8FC-AC1667EBCBE1}">
-              <a14:hiddenEffects xmlns="" xmlns:a14="http://schemas.microsoft.com/office/drawing/2010/main">
+              <a14:hiddenEffects xmlns:a14="http://schemas.microsoft.com/office/drawing/2010/main" xmlns="">
                 <a:effectLst>
                   <a:outerShdw dist="35921" dir="2700000" algn="ctr" rotWithShape="0">
                     <a:schemeClr val="bg2"/>
@@ -1353,14 +1358,14 @@
         <p:spPr>
           <a:extLst>
             <a:ext uri="{909E8E84-426E-40DD-AFC4-6F175D3DCCD1}">
-              <a14:hiddenFill xmlns="" xmlns:a14="http://schemas.microsoft.com/office/drawing/2010/main">
+              <a14:hiddenFill xmlns:a14="http://schemas.microsoft.com/office/drawing/2010/main" xmlns="">
                 <a:solidFill>
                   <a:schemeClr val="accent1"/>
                 </a:solidFill>
               </a14:hiddenFill>
             </a:ext>
             <a:ext uri="{91240B29-F687-4F45-9708-019B960494DF}">
-              <a14:hiddenLine xmlns="" xmlns:a14="http://schemas.microsoft.com/office/drawing/2010/main" w="9525">
+              <a14:hiddenLine xmlns:a14="http://schemas.microsoft.com/office/drawing/2010/main" xmlns="" w="9525">
                 <a:solidFill>
                   <a:schemeClr val="tx1"/>
                 </a:solidFill>
@@ -1370,7 +1375,7 @@
               </a14:hiddenLine>
             </a:ext>
             <a:ext uri="{AF507438-7753-43E0-B8FC-AC1667EBCBE1}">
-              <a14:hiddenEffects xmlns="" xmlns:a14="http://schemas.microsoft.com/office/drawing/2010/main">
+              <a14:hiddenEffects xmlns:a14="http://schemas.microsoft.com/office/drawing/2010/main" xmlns="">
                 <a:effectLst>
                   <a:outerShdw dist="35921" dir="2700000" algn="ctr" rotWithShape="0">
                     <a:schemeClr val="bg2"/>
@@ -1471,14 +1476,14 @@
         <p:spPr>
           <a:extLst>
             <a:ext uri="{909E8E84-426E-40DD-AFC4-6F175D3DCCD1}">
-              <a14:hiddenFill xmlns="" xmlns:a14="http://schemas.microsoft.com/office/drawing/2010/main">
+              <a14:hiddenFill xmlns:a14="http://schemas.microsoft.com/office/drawing/2010/main" xmlns="">
                 <a:solidFill>
                   <a:schemeClr val="accent1"/>
                 </a:solidFill>
               </a14:hiddenFill>
             </a:ext>
             <a:ext uri="{91240B29-F687-4F45-9708-019B960494DF}">
-              <a14:hiddenLine xmlns="" xmlns:a14="http://schemas.microsoft.com/office/drawing/2010/main" w="9525">
+              <a14:hiddenLine xmlns:a14="http://schemas.microsoft.com/office/drawing/2010/main" xmlns="" w="9525">
                 <a:solidFill>
                   <a:schemeClr val="tx1"/>
                 </a:solidFill>
@@ -1488,7 +1493,7 @@
               </a14:hiddenLine>
             </a:ext>
             <a:ext uri="{AF507438-7753-43E0-B8FC-AC1667EBCBE1}">
-              <a14:hiddenEffects xmlns="" xmlns:a14="http://schemas.microsoft.com/office/drawing/2010/main">
+              <a14:hiddenEffects xmlns:a14="http://schemas.microsoft.com/office/drawing/2010/main" xmlns="">
                 <a:effectLst>
                   <a:outerShdw dist="35921" dir="2700000" algn="ctr" rotWithShape="0">
                     <a:schemeClr val="bg2"/>
@@ -1589,14 +1594,14 @@
         <p:spPr>
           <a:extLst>
             <a:ext uri="{909E8E84-426E-40DD-AFC4-6F175D3DCCD1}">
-              <a14:hiddenFill xmlns="" xmlns:a14="http://schemas.microsoft.com/office/drawing/2010/main">
+              <a14:hiddenFill xmlns:a14="http://schemas.microsoft.com/office/drawing/2010/main" xmlns="">
                 <a:solidFill>
                   <a:schemeClr val="accent1"/>
                 </a:solidFill>
               </a14:hiddenFill>
             </a:ext>
             <a:ext uri="{91240B29-F687-4F45-9708-019B960494DF}">
-              <a14:hiddenLine xmlns="" xmlns:a14="http://schemas.microsoft.com/office/drawing/2010/main" w="9525">
+              <a14:hiddenLine xmlns:a14="http://schemas.microsoft.com/office/drawing/2010/main" xmlns="" w="9525">
                 <a:solidFill>
                   <a:schemeClr val="tx1"/>
                 </a:solidFill>
@@ -1606,7 +1611,7 @@
               </a14:hiddenLine>
             </a:ext>
             <a:ext uri="{AF507438-7753-43E0-B8FC-AC1667EBCBE1}">
-              <a14:hiddenEffects xmlns="" xmlns:a14="http://schemas.microsoft.com/office/drawing/2010/main">
+              <a14:hiddenEffects xmlns:a14="http://schemas.microsoft.com/office/drawing/2010/main" xmlns="">
                 <a:effectLst>
                   <a:outerShdw dist="35921" dir="2700000" algn="ctr" rotWithShape="0">
                     <a:schemeClr val="bg2"/>
@@ -1707,14 +1712,14 @@
         <p:spPr>
           <a:extLst>
             <a:ext uri="{909E8E84-426E-40DD-AFC4-6F175D3DCCD1}">
-              <a14:hiddenFill xmlns="" xmlns:a14="http://schemas.microsoft.com/office/drawing/2010/main">
+              <a14:hiddenFill xmlns:a14="http://schemas.microsoft.com/office/drawing/2010/main" xmlns="">
                 <a:solidFill>
                   <a:schemeClr val="accent1"/>
                 </a:solidFill>
               </a14:hiddenFill>
             </a:ext>
             <a:ext uri="{91240B29-F687-4F45-9708-019B960494DF}">
-              <a14:hiddenLine xmlns="" xmlns:a14="http://schemas.microsoft.com/office/drawing/2010/main" w="9525">
+              <a14:hiddenLine xmlns:a14="http://schemas.microsoft.com/office/drawing/2010/main" xmlns="" w="9525">
                 <a:solidFill>
                   <a:schemeClr val="tx1"/>
                 </a:solidFill>
@@ -1724,7 +1729,7 @@
               </a14:hiddenLine>
             </a:ext>
             <a:ext uri="{AF507438-7753-43E0-B8FC-AC1667EBCBE1}">
-              <a14:hiddenEffects xmlns="" xmlns:a14="http://schemas.microsoft.com/office/drawing/2010/main">
+              <a14:hiddenEffects xmlns:a14="http://schemas.microsoft.com/office/drawing/2010/main" xmlns="">
                 <a:effectLst>
                   <a:outerShdw dist="35921" dir="2700000" algn="ctr" rotWithShape="0">
                     <a:schemeClr val="bg2"/>
@@ -1825,14 +1830,14 @@
         <p:spPr>
           <a:extLst>
             <a:ext uri="{909E8E84-426E-40DD-AFC4-6F175D3DCCD1}">
-              <a14:hiddenFill xmlns="" xmlns:a14="http://schemas.microsoft.com/office/drawing/2010/main">
+              <a14:hiddenFill xmlns:a14="http://schemas.microsoft.com/office/drawing/2010/main" xmlns="">
                 <a:solidFill>
                   <a:schemeClr val="accent1"/>
                 </a:solidFill>
               </a14:hiddenFill>
             </a:ext>
             <a:ext uri="{91240B29-F687-4F45-9708-019B960494DF}">
-              <a14:hiddenLine xmlns="" xmlns:a14="http://schemas.microsoft.com/office/drawing/2010/main" w="9525">
+              <a14:hiddenLine xmlns:a14="http://schemas.microsoft.com/office/drawing/2010/main" xmlns="" w="9525">
                 <a:solidFill>
                   <a:schemeClr val="tx1"/>
                 </a:solidFill>
@@ -1842,7 +1847,7 @@
               </a14:hiddenLine>
             </a:ext>
             <a:ext uri="{AF507438-7753-43E0-B8FC-AC1667EBCBE1}">
-              <a14:hiddenEffects xmlns="" xmlns:a14="http://schemas.microsoft.com/office/drawing/2010/main">
+              <a14:hiddenEffects xmlns:a14="http://schemas.microsoft.com/office/drawing/2010/main" xmlns="">
                 <a:effectLst>
                   <a:outerShdw dist="35921" dir="2700000" algn="ctr" rotWithShape="0">
                     <a:schemeClr val="bg2"/>
@@ -1961,14 +1966,14 @@
         <p:spPr>
           <a:extLst>
             <a:ext uri="{909E8E84-426E-40DD-AFC4-6F175D3DCCD1}">
-              <a14:hiddenFill xmlns="" xmlns:a14="http://schemas.microsoft.com/office/drawing/2010/main">
+              <a14:hiddenFill xmlns:a14="http://schemas.microsoft.com/office/drawing/2010/main" xmlns="">
                 <a:solidFill>
                   <a:schemeClr val="accent1"/>
                 </a:solidFill>
               </a14:hiddenFill>
             </a:ext>
             <a:ext uri="{91240B29-F687-4F45-9708-019B960494DF}">
-              <a14:hiddenLine xmlns="" xmlns:a14="http://schemas.microsoft.com/office/drawing/2010/main" w="9525">
+              <a14:hiddenLine xmlns:a14="http://schemas.microsoft.com/office/drawing/2010/main" xmlns="" w="9525">
                 <a:solidFill>
                   <a:schemeClr val="tx1"/>
                 </a:solidFill>
@@ -1978,7 +1983,7 @@
               </a14:hiddenLine>
             </a:ext>
             <a:ext uri="{AF507438-7753-43E0-B8FC-AC1667EBCBE1}">
-              <a14:hiddenEffects xmlns="" xmlns:a14="http://schemas.microsoft.com/office/drawing/2010/main">
+              <a14:hiddenEffects xmlns:a14="http://schemas.microsoft.com/office/drawing/2010/main" xmlns="">
                 <a:effectLst>
                   <a:outerShdw dist="35921" dir="2700000" algn="ctr" rotWithShape="0">
                     <a:schemeClr val="bg2"/>
@@ -2079,14 +2084,14 @@
         <p:spPr>
           <a:extLst>
             <a:ext uri="{909E8E84-426E-40DD-AFC4-6F175D3DCCD1}">
-              <a14:hiddenFill xmlns="" xmlns:a14="http://schemas.microsoft.com/office/drawing/2010/main">
+              <a14:hiddenFill xmlns:a14="http://schemas.microsoft.com/office/drawing/2010/main" xmlns="">
                 <a:solidFill>
                   <a:schemeClr val="accent1"/>
                 </a:solidFill>
               </a14:hiddenFill>
             </a:ext>
             <a:ext uri="{91240B29-F687-4F45-9708-019B960494DF}">
-              <a14:hiddenLine xmlns="" xmlns:a14="http://schemas.microsoft.com/office/drawing/2010/main" w="9525">
+              <a14:hiddenLine xmlns:a14="http://schemas.microsoft.com/office/drawing/2010/main" xmlns="" w="9525">
                 <a:solidFill>
                   <a:schemeClr val="tx1"/>
                 </a:solidFill>
@@ -2096,7 +2101,7 @@
               </a14:hiddenLine>
             </a:ext>
             <a:ext uri="{AF507438-7753-43E0-B8FC-AC1667EBCBE1}">
-              <a14:hiddenEffects xmlns="" xmlns:a14="http://schemas.microsoft.com/office/drawing/2010/main">
+              <a14:hiddenEffects xmlns:a14="http://schemas.microsoft.com/office/drawing/2010/main" xmlns="">
                 <a:effectLst>
                   <a:outerShdw dist="35921" dir="2700000" algn="ctr" rotWithShape="0">
                     <a:schemeClr val="bg2"/>
@@ -2197,14 +2202,14 @@
         <p:spPr>
           <a:extLst>
             <a:ext uri="{909E8E84-426E-40DD-AFC4-6F175D3DCCD1}">
-              <a14:hiddenFill xmlns="" xmlns:a14="http://schemas.microsoft.com/office/drawing/2010/main">
+              <a14:hiddenFill xmlns:a14="http://schemas.microsoft.com/office/drawing/2010/main" xmlns="">
                 <a:solidFill>
                   <a:schemeClr val="accent1"/>
                 </a:solidFill>
               </a14:hiddenFill>
             </a:ext>
             <a:ext uri="{91240B29-F687-4F45-9708-019B960494DF}">
-              <a14:hiddenLine xmlns="" xmlns:a14="http://schemas.microsoft.com/office/drawing/2010/main" w="9525">
+              <a14:hiddenLine xmlns:a14="http://schemas.microsoft.com/office/drawing/2010/main" xmlns="" w="9525">
                 <a:solidFill>
                   <a:schemeClr val="tx1"/>
                 </a:solidFill>
@@ -2214,7 +2219,7 @@
               </a14:hiddenLine>
             </a:ext>
             <a:ext uri="{AF507438-7753-43E0-B8FC-AC1667EBCBE1}">
-              <a14:hiddenEffects xmlns="" xmlns:a14="http://schemas.microsoft.com/office/drawing/2010/main">
+              <a14:hiddenEffects xmlns:a14="http://schemas.microsoft.com/office/drawing/2010/main" xmlns="">
                 <a:effectLst>
                   <a:outerShdw dist="35921" dir="2700000" algn="ctr" rotWithShape="0">
                     <a:schemeClr val="bg2"/>
@@ -2315,14 +2320,14 @@
         <p:spPr>
           <a:extLst>
             <a:ext uri="{909E8E84-426E-40DD-AFC4-6F175D3DCCD1}">
-              <a14:hiddenFill xmlns="" xmlns:a14="http://schemas.microsoft.com/office/drawing/2010/main">
+              <a14:hiddenFill xmlns:a14="http://schemas.microsoft.com/office/drawing/2010/main" xmlns="">
                 <a:solidFill>
                   <a:schemeClr val="accent1"/>
                 </a:solidFill>
               </a14:hiddenFill>
             </a:ext>
             <a:ext uri="{91240B29-F687-4F45-9708-019B960494DF}">
-              <a14:hiddenLine xmlns="" xmlns:a14="http://schemas.microsoft.com/office/drawing/2010/main" w="9525">
+              <a14:hiddenLine xmlns:a14="http://schemas.microsoft.com/office/drawing/2010/main" xmlns="" w="9525">
                 <a:solidFill>
                   <a:schemeClr val="tx1"/>
                 </a:solidFill>
@@ -2332,7 +2337,7 @@
               </a14:hiddenLine>
             </a:ext>
             <a:ext uri="{AF507438-7753-43E0-B8FC-AC1667EBCBE1}">
-              <a14:hiddenEffects xmlns="" xmlns:a14="http://schemas.microsoft.com/office/drawing/2010/main">
+              <a14:hiddenEffects xmlns:a14="http://schemas.microsoft.com/office/drawing/2010/main" xmlns="">
                 <a:effectLst>
                   <a:outerShdw dist="35921" dir="2700000" algn="ctr" rotWithShape="0">
                     <a:schemeClr val="bg2"/>
@@ -2433,14 +2438,14 @@
         <p:spPr>
           <a:extLst>
             <a:ext uri="{909E8E84-426E-40DD-AFC4-6F175D3DCCD1}">
-              <a14:hiddenFill xmlns="" xmlns:a14="http://schemas.microsoft.com/office/drawing/2010/main">
+              <a14:hiddenFill xmlns:a14="http://schemas.microsoft.com/office/drawing/2010/main" xmlns="">
                 <a:solidFill>
                   <a:schemeClr val="accent1"/>
                 </a:solidFill>
               </a14:hiddenFill>
             </a:ext>
             <a:ext uri="{91240B29-F687-4F45-9708-019B960494DF}">
-              <a14:hiddenLine xmlns="" xmlns:a14="http://schemas.microsoft.com/office/drawing/2010/main" w="9525">
+              <a14:hiddenLine xmlns:a14="http://schemas.microsoft.com/office/drawing/2010/main" xmlns="" w="9525">
                 <a:solidFill>
                   <a:schemeClr val="tx1"/>
                 </a:solidFill>
@@ -2450,7 +2455,7 @@
               </a14:hiddenLine>
             </a:ext>
             <a:ext uri="{AF507438-7753-43E0-B8FC-AC1667EBCBE1}">
-              <a14:hiddenEffects xmlns="" xmlns:a14="http://schemas.microsoft.com/office/drawing/2010/main">
+              <a14:hiddenEffects xmlns:a14="http://schemas.microsoft.com/office/drawing/2010/main" xmlns="">
                 <a:effectLst>
                   <a:outerShdw dist="35921" dir="2700000" algn="ctr" rotWithShape="0">
                     <a:schemeClr val="bg2"/>
@@ -2551,14 +2556,14 @@
         <p:spPr>
           <a:extLst>
             <a:ext uri="{909E8E84-426E-40DD-AFC4-6F175D3DCCD1}">
-              <a14:hiddenFill xmlns="" xmlns:a14="http://schemas.microsoft.com/office/drawing/2010/main">
+              <a14:hiddenFill xmlns:a14="http://schemas.microsoft.com/office/drawing/2010/main" xmlns="">
                 <a:solidFill>
                   <a:schemeClr val="accent1"/>
                 </a:solidFill>
               </a14:hiddenFill>
             </a:ext>
             <a:ext uri="{91240B29-F687-4F45-9708-019B960494DF}">
-              <a14:hiddenLine xmlns="" xmlns:a14="http://schemas.microsoft.com/office/drawing/2010/main" w="9525">
+              <a14:hiddenLine xmlns:a14="http://schemas.microsoft.com/office/drawing/2010/main" xmlns="" w="9525">
                 <a:solidFill>
                   <a:schemeClr val="tx1"/>
                 </a:solidFill>
@@ -2568,7 +2573,7 @@
               </a14:hiddenLine>
             </a:ext>
             <a:ext uri="{AF507438-7753-43E0-B8FC-AC1667EBCBE1}">
-              <a14:hiddenEffects xmlns="" xmlns:a14="http://schemas.microsoft.com/office/drawing/2010/main">
+              <a14:hiddenEffects xmlns:a14="http://schemas.microsoft.com/office/drawing/2010/main" xmlns="">
                 <a:effectLst>
                   <a:outerShdw dist="35921" dir="2700000" algn="ctr" rotWithShape="0">
                     <a:schemeClr val="bg2"/>
@@ -2722,7 +2727,7 @@
               <a:pPr/>
               <a:t>‹#›</a:t>
             </a:fld>
-            <a:endParaRPr lang="en-US"/>
+            <a:endParaRPr lang="en-US" dirty="0"/>
           </a:p>
         </p:txBody>
       </p:sp>
@@ -2777,7 +2782,7 @@
               <a:pPr/>
               <a:t>‹#›</a:t>
             </a:fld>
-            <a:endParaRPr lang="en-US"/>
+            <a:endParaRPr lang="en-US" dirty="0"/>
           </a:p>
         </p:txBody>
       </p:sp>
@@ -3038,7 +3043,7 @@
               <a:pPr/>
               <a:t>‹#›</a:t>
             </a:fld>
-            <a:endParaRPr lang="en-US"/>
+            <a:endParaRPr lang="en-US" dirty="0"/>
           </a:p>
         </p:txBody>
       </p:sp>
@@ -3164,7 +3169,7 @@
           </a:lstStyle>
           <a:p>
             <a:pPr lvl="0"/>
-            <a:endParaRPr lang="en-US" noProof="0" smtClean="0"/>
+            <a:endParaRPr lang="en-US" noProof="0" dirty="0" smtClean="0"/>
           </a:p>
         </p:txBody>
       </p:sp>
@@ -3262,7 +3267,7 @@
               <a:pPr/>
               <a:t>‹#›</a:t>
             </a:fld>
-            <a:endParaRPr lang="en-US"/>
+            <a:endParaRPr lang="en-US" dirty="0"/>
           </a:p>
         </p:txBody>
       </p:sp>
@@ -3431,7 +3436,7 @@
               <a:pPr/>
               <a:t>‹#›</a:t>
             </a:fld>
-            <a:endParaRPr lang="en-US"/>
+            <a:endParaRPr lang="en-US" dirty="0"/>
           </a:p>
         </p:txBody>
       </p:sp>
@@ -3610,7 +3615,7 @@
               <a:pPr/>
               <a:t>‹#›</a:t>
             </a:fld>
-            <a:endParaRPr lang="en-US"/>
+            <a:endParaRPr lang="en-US" dirty="0"/>
           </a:p>
         </p:txBody>
       </p:sp>
@@ -3715,7 +3720,7 @@
           <a:lstStyle/>
           <a:p>
             <a:pPr algn="ctr"/>
-            <a:endParaRPr lang="en-US"/>
+            <a:endParaRPr lang="en-US" dirty="0"/>
           </a:p>
         </p:txBody>
       </p:sp>
@@ -3852,7 +3857,7 @@
               <a:pPr/>
               <a:t>‹#›</a:t>
             </a:fld>
-            <a:endParaRPr lang="en-US"/>
+            <a:endParaRPr lang="en-US" dirty="0"/>
           </a:p>
         </p:txBody>
       </p:sp>
@@ -3955,7 +3960,7 @@
           <a:lstStyle/>
           <a:p>
             <a:pPr algn="ctr"/>
-            <a:endParaRPr lang="en-US">
+            <a:endParaRPr lang="en-US" dirty="0">
               <a:solidFill>
                 <a:srgbClr val="FFFFFF"/>
               </a:solidFill>
@@ -4007,7 +4012,7 @@
           <a:lstStyle/>
           <a:p>
             <a:pPr algn="ctr"/>
-            <a:endParaRPr lang="en-US"/>
+            <a:endParaRPr lang="en-US" dirty="0"/>
           </a:p>
         </p:txBody>
       </p:sp>
@@ -4247,7 +4252,7 @@
           <a:lstStyle/>
           <a:p>
             <a:pPr algn="ctr"/>
-            <a:endParaRPr lang="en-US">
+            <a:endParaRPr lang="en-US" dirty="0">
               <a:solidFill>
                 <a:srgbClr val="FFFFFF"/>
               </a:solidFill>
@@ -4299,7 +4304,7 @@
           <a:lstStyle/>
           <a:p>
             <a:pPr algn="ctr"/>
-            <a:endParaRPr lang="en-US"/>
+            <a:endParaRPr lang="en-US" dirty="0"/>
           </a:p>
         </p:txBody>
       </p:sp>
@@ -4436,7 +4441,7 @@
               <a:pPr/>
               <a:t>‹#›</a:t>
             </a:fld>
-            <a:endParaRPr lang="en-US"/>
+            <a:endParaRPr lang="en-US" dirty="0"/>
           </a:p>
         </p:txBody>
       </p:sp>
@@ -4612,7 +4617,7 @@
               <a:pPr/>
               <a:t>‹#›</a:t>
             </a:fld>
-            <a:endParaRPr lang="en-US"/>
+            <a:endParaRPr lang="en-US" dirty="0"/>
           </a:p>
         </p:txBody>
       </p:sp>
@@ -4774,7 +4779,7 @@
               <a:pPr/>
               <a:t>‹#›</a:t>
             </a:fld>
-            <a:endParaRPr lang="en-US"/>
+            <a:endParaRPr lang="en-US" dirty="0"/>
           </a:p>
         </p:txBody>
       </p:sp>
@@ -5106,7 +5111,7 @@
               <a:pPr/>
               <a:t>‹#›</a:t>
             </a:fld>
-            <a:endParaRPr lang="en-US"/>
+            <a:endParaRPr lang="en-US" dirty="0"/>
           </a:p>
         </p:txBody>
       </p:sp>
@@ -5533,7 +5538,7 @@
               <a:pPr/>
               <a:t>‹#›</a:t>
             </a:fld>
-            <a:endParaRPr lang="en-US"/>
+            <a:endParaRPr lang="en-US" dirty="0"/>
           </a:p>
         </p:txBody>
       </p:sp>
@@ -5619,7 +5624,7 @@
               <a:pPr/>
               <a:t>‹#›</a:t>
             </a:fld>
-            <a:endParaRPr lang="en-US"/>
+            <a:endParaRPr lang="en-US" dirty="0"/>
           </a:p>
         </p:txBody>
       </p:sp>
@@ -5698,7 +5703,7 @@
           <a:lstStyle/>
           <a:p>
             <a:pPr algn="ctr"/>
-            <a:endParaRPr lang="en-US">
+            <a:endParaRPr lang="en-US" dirty="0">
               <a:solidFill>
                 <a:srgbClr val="FFFFFF"/>
               </a:solidFill>
@@ -5748,7 +5753,7 @@
           <a:lstStyle/>
           <a:p>
             <a:pPr algn="ctr"/>
-            <a:endParaRPr lang="en-US">
+            <a:endParaRPr lang="en-US" dirty="0">
               <a:solidFill>
                 <a:srgbClr val="FFFFFF"/>
               </a:solidFill>
@@ -5800,7 +5805,7 @@
           <a:lstStyle/>
           <a:p>
             <a:pPr algn="ctr"/>
-            <a:endParaRPr lang="en-US"/>
+            <a:endParaRPr lang="en-US" dirty="0"/>
           </a:p>
         </p:txBody>
       </p:sp>
@@ -5992,7 +5997,7 @@
               <a:pPr/>
               <a:t>‹#›</a:t>
             </a:fld>
-            <a:endParaRPr lang="en-US"/>
+            <a:endParaRPr lang="en-US" dirty="0"/>
           </a:p>
         </p:txBody>
       </p:sp>
@@ -6495,11 +6500,7 @@
           <a:p>
             <a:r>
               <a:rPr lang="en-US" dirty="0" smtClean="0"/>
-              <a:t>Literature Number: </a:t>
-            </a:r>
-            <a:r>
-              <a:rPr lang="en-US" dirty="0" err="1" smtClean="0"/>
-              <a:t>SPRPxxx</a:t>
+              <a:t>Literature Number: SPRPxxx</a:t>
             </a:r>
             <a:endParaRPr lang="en-US" dirty="0"/>
           </a:p>
@@ -6527,7 +6528,7 @@
               <a:pPr/>
               <a:t>1</a:t>
             </a:fld>
-            <a:endParaRPr lang="en-US"/>
+            <a:endParaRPr lang="en-US" dirty="0"/>
           </a:p>
         </p:txBody>
       </p:sp>
@@ -6729,7 +6730,7 @@
               <a:pPr/>
               <a:t>10</a:t>
             </a:fld>
-            <a:endParaRPr lang="en-US"/>
+            <a:endParaRPr lang="en-US" dirty="0"/>
           </a:p>
         </p:txBody>
       </p:sp>
@@ -6845,7 +6846,7 @@
               <a:pPr/>
               <a:t>11</a:t>
             </a:fld>
-            <a:endParaRPr lang="en-US"/>
+            <a:endParaRPr lang="en-US" dirty="0"/>
           </a:p>
         </p:txBody>
       </p:sp>
@@ -6963,7 +6964,7 @@
               <a:pPr/>
               <a:t>12</a:t>
             </a:fld>
-            <a:endParaRPr lang="en-US"/>
+            <a:endParaRPr lang="en-US" dirty="0"/>
           </a:p>
         </p:txBody>
       </p:sp>
@@ -7081,7 +7082,7 @@
               <a:pPr/>
               <a:t>13</a:t>
             </a:fld>
-            <a:endParaRPr lang="en-US"/>
+            <a:endParaRPr lang="en-US" dirty="0"/>
           </a:p>
         </p:txBody>
       </p:sp>
@@ -7199,7 +7200,7 @@
               <a:pPr/>
               <a:t>14</a:t>
             </a:fld>
-            <a:endParaRPr lang="en-US"/>
+            <a:endParaRPr lang="en-US" dirty="0"/>
           </a:p>
         </p:txBody>
       </p:sp>
@@ -7315,7 +7316,7 @@
               <a:pPr/>
               <a:t>15</a:t>
             </a:fld>
-            <a:endParaRPr lang="en-US"/>
+            <a:endParaRPr lang="en-US" dirty="0"/>
           </a:p>
         </p:txBody>
       </p:sp>
@@ -7396,14 +7397,14 @@
         <p:spPr>
           <a:extLst>
             <a:ext uri="{909E8E84-426E-40DD-AFC4-6F175D3DCCD1}">
-              <a14:hiddenFill xmlns="" xmlns:a14="http://schemas.microsoft.com/office/drawing/2010/main">
+              <a14:hiddenFill xmlns:a14="http://schemas.microsoft.com/office/drawing/2010/main" xmlns="">
                 <a:solidFill>
                   <a:schemeClr val="accent1"/>
                 </a:solidFill>
               </a14:hiddenFill>
             </a:ext>
             <a:ext uri="{91240B29-F687-4F45-9708-019B960494DF}">
-              <a14:hiddenLine xmlns="" xmlns:a14="http://schemas.microsoft.com/office/drawing/2010/main" w="9525">
+              <a14:hiddenLine xmlns:a14="http://schemas.microsoft.com/office/drawing/2010/main" xmlns="" w="9525">
                 <a:solidFill>
                   <a:schemeClr val="tx1"/>
                 </a:solidFill>
@@ -7413,7 +7414,7 @@
               </a14:hiddenLine>
             </a:ext>
             <a:ext uri="{AF507438-7753-43E0-B8FC-AC1667EBCBE1}">
-              <a14:hiddenEffects xmlns="" xmlns:a14="http://schemas.microsoft.com/office/drawing/2010/main">
+              <a14:hiddenEffects xmlns:a14="http://schemas.microsoft.com/office/drawing/2010/main" xmlns="">
                 <a:effectLst>
                   <a:outerShdw dist="35921" dir="2700000" algn="ctr" rotWithShape="0">
                     <a:schemeClr val="bg2"/>
@@ -7963,14 +7964,14 @@
         <p:spPr>
           <a:extLst>
             <a:ext uri="{909E8E84-426E-40DD-AFC4-6F175D3DCCD1}">
-              <a14:hiddenFill xmlns="" xmlns:a14="http://schemas.microsoft.com/office/drawing/2010/main">
+              <a14:hiddenFill xmlns:a14="http://schemas.microsoft.com/office/drawing/2010/main" xmlns="">
                 <a:solidFill>
                   <a:schemeClr val="accent1"/>
                 </a:solidFill>
               </a14:hiddenFill>
             </a:ext>
             <a:ext uri="{91240B29-F687-4F45-9708-019B960494DF}">
-              <a14:hiddenLine xmlns="" xmlns:a14="http://schemas.microsoft.com/office/drawing/2010/main" w="9525">
+              <a14:hiddenLine xmlns:a14="http://schemas.microsoft.com/office/drawing/2010/main" xmlns="" w="9525">
                 <a:solidFill>
                   <a:schemeClr val="tx1"/>
                 </a:solidFill>
@@ -7980,7 +7981,7 @@
               </a14:hiddenLine>
             </a:ext>
             <a:ext uri="{AF507438-7753-43E0-B8FC-AC1667EBCBE1}">
-              <a14:hiddenEffects xmlns="" xmlns:a14="http://schemas.microsoft.com/office/drawing/2010/main">
+              <a14:hiddenEffects xmlns:a14="http://schemas.microsoft.com/office/drawing/2010/main" xmlns="">
                 <a:effectLst>
                   <a:outerShdw dist="35921" dir="2700000" algn="ctr" rotWithShape="0">
                     <a:schemeClr val="bg2"/>
@@ -8290,14 +8291,14 @@
         <p:spPr>
           <a:extLst>
             <a:ext uri="{909E8E84-426E-40DD-AFC4-6F175D3DCCD1}">
-              <a14:hiddenFill xmlns="" xmlns:a14="http://schemas.microsoft.com/office/drawing/2010/main">
+              <a14:hiddenFill xmlns:a14="http://schemas.microsoft.com/office/drawing/2010/main" xmlns="">
                 <a:solidFill>
                   <a:schemeClr val="accent1"/>
                 </a:solidFill>
               </a14:hiddenFill>
             </a:ext>
             <a:ext uri="{91240B29-F687-4F45-9708-019B960494DF}">
-              <a14:hiddenLine xmlns="" xmlns:a14="http://schemas.microsoft.com/office/drawing/2010/main" w="9525">
+              <a14:hiddenLine xmlns:a14="http://schemas.microsoft.com/office/drawing/2010/main" xmlns="" w="9525">
                 <a:solidFill>
                   <a:schemeClr val="tx1"/>
                 </a:solidFill>
@@ -8307,7 +8308,7 @@
               </a14:hiddenLine>
             </a:ext>
             <a:ext uri="{AF507438-7753-43E0-B8FC-AC1667EBCBE1}">
-              <a14:hiddenEffects xmlns="" xmlns:a14="http://schemas.microsoft.com/office/drawing/2010/main">
+              <a14:hiddenEffects xmlns:a14="http://schemas.microsoft.com/office/drawing/2010/main" xmlns="">
                 <a:effectLst>
                   <a:outerShdw dist="35921" dir="2700000" algn="ctr" rotWithShape="0">
                     <a:schemeClr val="bg2"/>
@@ -8555,14 +8556,14 @@
         <p:spPr>
           <a:extLst>
             <a:ext uri="{909E8E84-426E-40DD-AFC4-6F175D3DCCD1}">
-              <a14:hiddenFill xmlns="" xmlns:a14="http://schemas.microsoft.com/office/drawing/2010/main">
+              <a14:hiddenFill xmlns:a14="http://schemas.microsoft.com/office/drawing/2010/main" xmlns="">
                 <a:solidFill>
                   <a:schemeClr val="accent1"/>
                 </a:solidFill>
               </a14:hiddenFill>
             </a:ext>
             <a:ext uri="{91240B29-F687-4F45-9708-019B960494DF}">
-              <a14:hiddenLine xmlns="" xmlns:a14="http://schemas.microsoft.com/office/drawing/2010/main" w="9525">
+              <a14:hiddenLine xmlns:a14="http://schemas.microsoft.com/office/drawing/2010/main" xmlns="" w="9525">
                 <a:solidFill>
                   <a:schemeClr val="tx1"/>
                 </a:solidFill>
@@ -8572,7 +8573,7 @@
               </a14:hiddenLine>
             </a:ext>
             <a:ext uri="{AF507438-7753-43E0-B8FC-AC1667EBCBE1}">
-              <a14:hiddenEffects xmlns="" xmlns:a14="http://schemas.microsoft.com/office/drawing/2010/main">
+              <a14:hiddenEffects xmlns:a14="http://schemas.microsoft.com/office/drawing/2010/main" xmlns="">
                 <a:effectLst>
                   <a:outerShdw dist="35921" dir="2700000" algn="ctr" rotWithShape="0">
                     <a:schemeClr val="bg2"/>
@@ -8986,7 +8987,7 @@
               <a:pPr/>
               <a:t>2</a:t>
             </a:fld>
-            <a:endParaRPr lang="en-US"/>
+            <a:endParaRPr lang="en-US" dirty="0"/>
           </a:p>
         </p:txBody>
       </p:sp>
@@ -9104,7 +9105,15 @@
             </a:pPr>
             <a:r>
               <a:rPr lang="en-US" sz="1600" dirty="0" smtClean="0"/>
-              <a:t>Each register defines either PRI or MAXWAIT or both. The PRI field will declare the priority for that requestor. MAXWAIT is explained below. A register may or may not have a PRI field, but it will always have the MAXWAIT field. </a:t>
+              <a:t>Each register defines either PRI or MAXWAIT or both. The PRI field will declare the priority for that requestor</a:t>
+            </a:r>
+            <a:r>
+              <a:rPr lang="en-US" sz="1600" dirty="0" smtClean="0"/>
+              <a:t>. UPRI is for urgent priority (see later) </a:t>
+            </a:r>
+            <a:r>
+              <a:rPr lang="en-US" sz="1600" dirty="0" smtClean="0"/>
+              <a:t>MAXWAIT is explained below. A register may or may not have a PRI field, but it will always have the MAXWAIT field. </a:t>
             </a:r>
           </a:p>
           <a:p>
@@ -9235,14 +9244,14 @@
         <p:spPr>
           <a:extLst>
             <a:ext uri="{909E8E84-426E-40DD-AFC4-6F175D3DCCD1}">
-              <a14:hiddenFill xmlns="" xmlns:a14="http://schemas.microsoft.com/office/drawing/2010/main">
+              <a14:hiddenFill xmlns:a14="http://schemas.microsoft.com/office/drawing/2010/main" xmlns="">
                 <a:solidFill>
                   <a:schemeClr val="accent1"/>
                 </a:solidFill>
               </a14:hiddenFill>
             </a:ext>
             <a:ext uri="{91240B29-F687-4F45-9708-019B960494DF}">
-              <a14:hiddenLine xmlns="" xmlns:a14="http://schemas.microsoft.com/office/drawing/2010/main" w="9525">
+              <a14:hiddenLine xmlns:a14="http://schemas.microsoft.com/office/drawing/2010/main" xmlns="" w="9525">
                 <a:solidFill>
                   <a:schemeClr val="tx1"/>
                 </a:solidFill>
@@ -9252,7 +9261,7 @@
               </a14:hiddenLine>
             </a:ext>
             <a:ext uri="{AF507438-7753-43E0-B8FC-AC1667EBCBE1}">
-              <a14:hiddenEffects xmlns="" xmlns:a14="http://schemas.microsoft.com/office/drawing/2010/main">
+              <a14:hiddenEffects xmlns:a14="http://schemas.microsoft.com/office/drawing/2010/main" xmlns="">
                 <a:effectLst>
                   <a:outerShdw dist="35921" dir="2700000" algn="ctr" rotWithShape="0">
                     <a:schemeClr val="bg2"/>
@@ -9482,14 +9491,14 @@
         <p:spPr>
           <a:extLst>
             <a:ext uri="{909E8E84-426E-40DD-AFC4-6F175D3DCCD1}">
-              <a14:hiddenFill xmlns="" xmlns:a14="http://schemas.microsoft.com/office/drawing/2010/main">
+              <a14:hiddenFill xmlns:a14="http://schemas.microsoft.com/office/drawing/2010/main" xmlns="">
                 <a:solidFill>
                   <a:schemeClr val="accent1"/>
                 </a:solidFill>
               </a14:hiddenFill>
             </a:ext>
             <a:ext uri="{91240B29-F687-4F45-9708-019B960494DF}">
-              <a14:hiddenLine xmlns="" xmlns:a14="http://schemas.microsoft.com/office/drawing/2010/main" w="9525">
+              <a14:hiddenLine xmlns:a14="http://schemas.microsoft.com/office/drawing/2010/main" xmlns="" w="9525">
                 <a:solidFill>
                   <a:schemeClr val="tx1"/>
                 </a:solidFill>
@@ -9499,7 +9508,7 @@
               </a14:hiddenLine>
             </a:ext>
             <a:ext uri="{AF507438-7753-43E0-B8FC-AC1667EBCBE1}">
-              <a14:hiddenEffects xmlns="" xmlns:a14="http://schemas.microsoft.com/office/drawing/2010/main">
+              <a14:hiddenEffects xmlns:a14="http://schemas.microsoft.com/office/drawing/2010/main" xmlns="">
                 <a:effectLst>
                   <a:outerShdw dist="35921" dir="2700000" algn="ctr" rotWithShape="0">
                     <a:schemeClr val="bg2"/>
@@ -9749,7 +9758,11 @@
             </a:pPr>
             <a:r>
               <a:rPr lang="en-US" sz="2200" dirty="0" smtClean="0"/>
-              <a:t>WAITMAX is only for block transfers</a:t>
+              <a:t>MAXWAIT </a:t>
+            </a:r>
+            <a:r>
+              <a:rPr lang="en-US" sz="2200" dirty="0" smtClean="0"/>
+              <a:t>is only for block transfers</a:t>
             </a:r>
           </a:p>
           <a:p>
@@ -9774,14 +9787,14 @@
         <p:spPr>
           <a:extLst>
             <a:ext uri="{909E8E84-426E-40DD-AFC4-6F175D3DCCD1}">
-              <a14:hiddenFill xmlns="" xmlns:a14="http://schemas.microsoft.com/office/drawing/2010/main">
+              <a14:hiddenFill xmlns:a14="http://schemas.microsoft.com/office/drawing/2010/main" xmlns="">
                 <a:solidFill>
                   <a:schemeClr val="accent1"/>
                 </a:solidFill>
               </a14:hiddenFill>
             </a:ext>
             <a:ext uri="{91240B29-F687-4F45-9708-019B960494DF}">
-              <a14:hiddenLine xmlns="" xmlns:a14="http://schemas.microsoft.com/office/drawing/2010/main" w="9525">
+              <a14:hiddenLine xmlns:a14="http://schemas.microsoft.com/office/drawing/2010/main" xmlns="" w="9525">
                 <a:solidFill>
                   <a:schemeClr val="tx1"/>
                 </a:solidFill>
@@ -9791,7 +9804,7 @@
               </a14:hiddenLine>
             </a:ext>
             <a:ext uri="{AF507438-7753-43E0-B8FC-AC1667EBCBE1}">
-              <a14:hiddenEffects xmlns="" xmlns:a14="http://schemas.microsoft.com/office/drawing/2010/main">
+              <a14:hiddenEffects xmlns:a14="http://schemas.microsoft.com/office/drawing/2010/main" xmlns="">
                 <a:effectLst>
                   <a:outerShdw dist="35921" dir="2700000" algn="ctr" rotWithShape="0">
                     <a:schemeClr val="bg2"/>
@@ -9968,14 +9981,14 @@
         <p:spPr>
           <a:extLst>
             <a:ext uri="{909E8E84-426E-40DD-AFC4-6F175D3DCCD1}">
-              <a14:hiddenFill xmlns="" xmlns:a14="http://schemas.microsoft.com/office/drawing/2010/main">
+              <a14:hiddenFill xmlns:a14="http://schemas.microsoft.com/office/drawing/2010/main" xmlns="">
                 <a:solidFill>
                   <a:schemeClr val="accent1"/>
                 </a:solidFill>
               </a14:hiddenFill>
             </a:ext>
             <a:ext uri="{91240B29-F687-4F45-9708-019B960494DF}">
-              <a14:hiddenLine xmlns="" xmlns:a14="http://schemas.microsoft.com/office/drawing/2010/main" w="9525">
+              <a14:hiddenLine xmlns:a14="http://schemas.microsoft.com/office/drawing/2010/main" xmlns="" w="9525">
                 <a:solidFill>
                   <a:schemeClr val="tx1"/>
                 </a:solidFill>
@@ -9985,7 +9998,7 @@
               </a14:hiddenLine>
             </a:ext>
             <a:ext uri="{AF507438-7753-43E0-B8FC-AC1667EBCBE1}">
-              <a14:hiddenEffects xmlns="" xmlns:a14="http://schemas.microsoft.com/office/drawing/2010/main">
+              <a14:hiddenEffects xmlns:a14="http://schemas.microsoft.com/office/drawing/2010/main" xmlns="">
                 <a:effectLst>
                   <a:outerShdw dist="35921" dir="2700000" algn="ctr" rotWithShape="0">
                     <a:schemeClr val="bg2"/>
@@ -10129,14 +10142,14 @@
         <p:spPr>
           <a:extLst>
             <a:ext uri="{909E8E84-426E-40DD-AFC4-6F175D3DCCD1}">
-              <a14:hiddenFill xmlns="" xmlns:a14="http://schemas.microsoft.com/office/drawing/2010/main">
+              <a14:hiddenFill xmlns:a14="http://schemas.microsoft.com/office/drawing/2010/main" xmlns="">
                 <a:solidFill>
                   <a:schemeClr val="accent1"/>
                 </a:solidFill>
               </a14:hiddenFill>
             </a:ext>
             <a:ext uri="{91240B29-F687-4F45-9708-019B960494DF}">
-              <a14:hiddenLine xmlns="" xmlns:a14="http://schemas.microsoft.com/office/drawing/2010/main" w="9525">
+              <a14:hiddenLine xmlns:a14="http://schemas.microsoft.com/office/drawing/2010/main" xmlns="" w="9525">
                 <a:solidFill>
                   <a:schemeClr val="tx1"/>
                 </a:solidFill>
@@ -10146,7 +10159,7 @@
               </a14:hiddenLine>
             </a:ext>
             <a:ext uri="{AF507438-7753-43E0-B8FC-AC1667EBCBE1}">
-              <a14:hiddenEffects xmlns="" xmlns:a14="http://schemas.microsoft.com/office/drawing/2010/main">
+              <a14:hiddenEffects xmlns:a14="http://schemas.microsoft.com/office/drawing/2010/main" xmlns="">
                 <a:effectLst>
                   <a:outerShdw dist="35921" dir="2700000" algn="ctr" rotWithShape="0">
                     <a:schemeClr val="bg2"/>
@@ -10278,7 +10291,7 @@
               <a:pPr/>
               <a:t>25</a:t>
             </a:fld>
-            <a:endParaRPr lang="en-US"/>
+            <a:endParaRPr lang="en-US" dirty="0"/>
           </a:p>
         </p:txBody>
       </p:sp>
@@ -10432,7 +10445,7 @@
               <a:pPr/>
               <a:t>26</a:t>
             </a:fld>
-            <a:endParaRPr lang="en-US"/>
+            <a:endParaRPr lang="en-US" dirty="0"/>
           </a:p>
         </p:txBody>
       </p:sp>
@@ -10550,7 +10563,7 @@
               <a:pPr/>
               <a:t>27</a:t>
             </a:fld>
-            <a:endParaRPr lang="en-US"/>
+            <a:endParaRPr lang="en-US" dirty="0"/>
           </a:p>
         </p:txBody>
       </p:sp>
@@ -10668,7 +10681,7 @@
               <a:pPr/>
               <a:t>28</a:t>
             </a:fld>
-            <a:endParaRPr lang="en-US"/>
+            <a:endParaRPr lang="en-US" dirty="0"/>
           </a:p>
         </p:txBody>
       </p:sp>
@@ -10828,14 +10841,14 @@
         <p:spPr>
           <a:extLst>
             <a:ext uri="{909E8E84-426E-40DD-AFC4-6F175D3DCCD1}">
-              <a14:hiddenFill xmlns="" xmlns:a14="http://schemas.microsoft.com/office/drawing/2010/main">
+              <a14:hiddenFill xmlns:a14="http://schemas.microsoft.com/office/drawing/2010/main" xmlns="">
                 <a:solidFill>
                   <a:schemeClr val="accent1"/>
                 </a:solidFill>
               </a14:hiddenFill>
             </a:ext>
             <a:ext uri="{91240B29-F687-4F45-9708-019B960494DF}">
-              <a14:hiddenLine xmlns="" xmlns:a14="http://schemas.microsoft.com/office/drawing/2010/main" w="9525">
+              <a14:hiddenLine xmlns:a14="http://schemas.microsoft.com/office/drawing/2010/main" xmlns="" w="9525">
                 <a:solidFill>
                   <a:schemeClr val="tx1"/>
                 </a:solidFill>
@@ -10845,7 +10858,7 @@
               </a14:hiddenLine>
             </a:ext>
             <a:ext uri="{AF507438-7753-43E0-B8FC-AC1667EBCBE1}">
-              <a14:hiddenEffects xmlns="" xmlns:a14="http://schemas.microsoft.com/office/drawing/2010/main">
+              <a14:hiddenEffects xmlns:a14="http://schemas.microsoft.com/office/drawing/2010/main" xmlns="">
                 <a:effectLst>
                   <a:outerShdw dist="35921" dir="2700000" algn="ctr" rotWithShape="0">
                     <a:schemeClr val="bg2"/>
@@ -10977,7 +10990,7 @@
               <a:pPr/>
               <a:t>3</a:t>
             </a:fld>
-            <a:endParaRPr lang="en-US"/>
+            <a:endParaRPr lang="en-US" dirty="0"/>
           </a:p>
         </p:txBody>
       </p:sp>
@@ -11058,14 +11071,14 @@
         <p:spPr>
           <a:extLst>
             <a:ext uri="{909E8E84-426E-40DD-AFC4-6F175D3DCCD1}">
-              <a14:hiddenFill xmlns="" xmlns:a14="http://schemas.microsoft.com/office/drawing/2010/main">
+              <a14:hiddenFill xmlns:a14="http://schemas.microsoft.com/office/drawing/2010/main" xmlns="">
                 <a:solidFill>
                   <a:schemeClr val="accent1"/>
                 </a:solidFill>
               </a14:hiddenFill>
             </a:ext>
             <a:ext uri="{91240B29-F687-4F45-9708-019B960494DF}">
-              <a14:hiddenLine xmlns="" xmlns:a14="http://schemas.microsoft.com/office/drawing/2010/main" w="9525">
+              <a14:hiddenLine xmlns:a14="http://schemas.microsoft.com/office/drawing/2010/main" xmlns="" w="9525">
                 <a:solidFill>
                   <a:schemeClr val="tx1"/>
                 </a:solidFill>
@@ -11075,7 +11088,7 @@
               </a14:hiddenLine>
             </a:ext>
             <a:ext uri="{AF507438-7753-43E0-B8FC-AC1667EBCBE1}">
-              <a14:hiddenEffects xmlns="" xmlns:a14="http://schemas.microsoft.com/office/drawing/2010/main">
+              <a14:hiddenEffects xmlns:a14="http://schemas.microsoft.com/office/drawing/2010/main" xmlns="">
                 <a:effectLst>
                   <a:outerShdw dist="35921" dir="2700000" algn="ctr" rotWithShape="0">
                     <a:schemeClr val="bg2"/>
@@ -11238,14 +11251,14 @@
         <p:spPr>
           <a:extLst>
             <a:ext uri="{909E8E84-426E-40DD-AFC4-6F175D3DCCD1}">
-              <a14:hiddenFill xmlns="" xmlns:a14="http://schemas.microsoft.com/office/drawing/2010/main">
+              <a14:hiddenFill xmlns:a14="http://schemas.microsoft.com/office/drawing/2010/main" xmlns="">
                 <a:solidFill>
                   <a:schemeClr val="accent1"/>
                 </a:solidFill>
               </a14:hiddenFill>
             </a:ext>
             <a:ext uri="{91240B29-F687-4F45-9708-019B960494DF}">
-              <a14:hiddenLine xmlns="" xmlns:a14="http://schemas.microsoft.com/office/drawing/2010/main" w="9525">
+              <a14:hiddenLine xmlns:a14="http://schemas.microsoft.com/office/drawing/2010/main" xmlns="" w="9525">
                 <a:solidFill>
                   <a:schemeClr val="tx1"/>
                 </a:solidFill>
@@ -11255,7 +11268,7 @@
               </a14:hiddenLine>
             </a:ext>
             <a:ext uri="{AF507438-7753-43E0-B8FC-AC1667EBCBE1}">
-              <a14:hiddenEffects xmlns="" xmlns:a14="http://schemas.microsoft.com/office/drawing/2010/main">
+              <a14:hiddenEffects xmlns:a14="http://schemas.microsoft.com/office/drawing/2010/main" xmlns="">
                 <a:effectLst>
                   <a:outerShdw dist="35921" dir="2700000" algn="ctr" rotWithShape="0">
                     <a:schemeClr val="bg2"/>
@@ -11476,14 +11489,14 @@
         <p:spPr>
           <a:extLst>
             <a:ext uri="{909E8E84-426E-40DD-AFC4-6F175D3DCCD1}">
-              <a14:hiddenFill xmlns="" xmlns:a14="http://schemas.microsoft.com/office/drawing/2010/main">
+              <a14:hiddenFill xmlns:a14="http://schemas.microsoft.com/office/drawing/2010/main" xmlns="">
                 <a:solidFill>
                   <a:schemeClr val="accent1"/>
                 </a:solidFill>
               </a14:hiddenFill>
             </a:ext>
             <a:ext uri="{91240B29-F687-4F45-9708-019B960494DF}">
-              <a14:hiddenLine xmlns="" xmlns:a14="http://schemas.microsoft.com/office/drawing/2010/main" w="9525">
+              <a14:hiddenLine xmlns:a14="http://schemas.microsoft.com/office/drawing/2010/main" xmlns="" w="9525">
                 <a:solidFill>
                   <a:schemeClr val="tx1"/>
                 </a:solidFill>
@@ -11493,7 +11506,7 @@
               </a14:hiddenLine>
             </a:ext>
             <a:ext uri="{AF507438-7753-43E0-B8FC-AC1667EBCBE1}">
-              <a14:hiddenEffects xmlns="" xmlns:a14="http://schemas.microsoft.com/office/drawing/2010/main">
+              <a14:hiddenEffects xmlns:a14="http://schemas.microsoft.com/office/drawing/2010/main" xmlns="">
                 <a:effectLst>
                   <a:outerShdw dist="35921" dir="2700000" algn="ctr" rotWithShape="0">
                     <a:schemeClr val="bg2"/>
@@ -11738,14 +11751,14 @@
         <p:spPr>
           <a:extLst>
             <a:ext uri="{909E8E84-426E-40DD-AFC4-6F175D3DCCD1}">
-              <a14:hiddenFill xmlns="" xmlns:a14="http://schemas.microsoft.com/office/drawing/2010/main">
+              <a14:hiddenFill xmlns:a14="http://schemas.microsoft.com/office/drawing/2010/main" xmlns="">
                 <a:solidFill>
                   <a:schemeClr val="accent1"/>
                 </a:solidFill>
               </a14:hiddenFill>
             </a:ext>
             <a:ext uri="{91240B29-F687-4F45-9708-019B960494DF}">
-              <a14:hiddenLine xmlns="" xmlns:a14="http://schemas.microsoft.com/office/drawing/2010/main" w="9525">
+              <a14:hiddenLine xmlns:a14="http://schemas.microsoft.com/office/drawing/2010/main" xmlns="" w="9525">
                 <a:solidFill>
                   <a:schemeClr val="tx1"/>
                 </a:solidFill>
@@ -11755,7 +11768,7 @@
               </a14:hiddenLine>
             </a:ext>
             <a:ext uri="{AF507438-7753-43E0-B8FC-AC1667EBCBE1}">
-              <a14:hiddenEffects xmlns="" xmlns:a14="http://schemas.microsoft.com/office/drawing/2010/main">
+              <a14:hiddenEffects xmlns:a14="http://schemas.microsoft.com/office/drawing/2010/main" xmlns="">
                 <a:effectLst>
                   <a:outerShdw dist="35921" dir="2700000" algn="ctr" rotWithShape="0">
                     <a:schemeClr val="bg2"/>
@@ -11880,11 +11893,7 @@
             </a:pPr>
             <a:r>
               <a:rPr lang="en-US" sz="2800" dirty="0" smtClean="0"/>
-              <a:t>10 </a:t>
-            </a:r>
-            <a:r>
-              <a:rPr lang="en-US" sz="2800" dirty="0" smtClean="0"/>
-              <a:t>registers, one for each core, and two (one for SMS and one for SES) from the Teranet</a:t>
+              <a:t>10 registers, one for each core, and two (one for SMS and one for SES) from the Teranet</a:t>
             </a:r>
           </a:p>
           <a:p>
@@ -11896,11 +11905,11 @@
               <a:t>Register </a:t>
             </a:r>
             <a:r>
-              <a:rPr lang="en-US" sz="2400" dirty="0" err="1" smtClean="0"/>
+              <a:rPr lang="en-US" sz="2400" dirty="0" smtClean="0"/>
               <a:t>SBNDC</a:t>
             </a:r>
             <a:r>
-              <a:rPr lang="en-US" sz="2400" i="1" dirty="0" err="1" smtClean="0"/>
+              <a:rPr lang="en-US" sz="2400" i="1" dirty="0" smtClean="0"/>
               <a:t>n</a:t>
             </a:r>
             <a:r>
@@ -11945,7 +11954,7 @@
               <a:pPr/>
               <a:t>34</a:t>
             </a:fld>
-            <a:endParaRPr lang="en-US"/>
+            <a:endParaRPr lang="en-US" dirty="0"/>
           </a:p>
         </p:txBody>
       </p:sp>
@@ -12005,15 +12014,7 @@
           <a:p>
             <a:r>
               <a:rPr lang="en-US" sz="3600" dirty="0" smtClean="0"/>
-              <a:t>MSMC Starvation Bound Register (</a:t>
-            </a:r>
-            <a:r>
-              <a:rPr lang="en-US" sz="3600" dirty="0" err="1" smtClean="0"/>
-              <a:t>SBNDCn</a:t>
-            </a:r>
-            <a:r>
-              <a:rPr lang="en-US" sz="3600" dirty="0" smtClean="0"/>
-              <a:t>)</a:t>
+              <a:t>MSMC Starvation Bound Register (SBNDCn)</a:t>
             </a:r>
             <a:endParaRPr lang="en-US" sz="3600" dirty="0"/>
           </a:p>
@@ -12071,7 +12072,7 @@
               <a:pPr/>
               <a:t>35</a:t>
             </a:fld>
-            <a:endParaRPr lang="en-US"/>
+            <a:endParaRPr lang="en-US" dirty="0"/>
           </a:p>
         </p:txBody>
       </p:sp>
@@ -12181,15 +12182,7 @@
             </a:pPr>
             <a:r>
               <a:rPr lang="en-US" sz="2800" dirty="0" smtClean="0"/>
-              <a:t>9</a:t>
-            </a:r>
-            <a:r>
-              <a:rPr lang="en-US" sz="2800" dirty="0" smtClean="0"/>
-              <a:t> </a:t>
-            </a:r>
-            <a:r>
-              <a:rPr lang="en-US" sz="2800" dirty="0" smtClean="0"/>
-              <a:t>registers, one for each core, one for SES from the Teranet. Values are multiplied by 16 for the DDR.</a:t>
+              <a:t>9 registers, one for each core, one for SES from the Teranet. Values are multiplied by 16 for the DDR.</a:t>
             </a:r>
           </a:p>
           <a:p>
@@ -12210,11 +12203,11 @@
               <a:t>Register </a:t>
             </a:r>
             <a:r>
-              <a:rPr lang="en-US" sz="2400" dirty="0" err="1" smtClean="0"/>
+              <a:rPr lang="en-US" sz="2400" dirty="0" smtClean="0"/>
               <a:t>SBNDC</a:t>
             </a:r>
             <a:r>
-              <a:rPr lang="en-US" sz="2400" i="1" dirty="0" err="1" smtClean="0"/>
+              <a:rPr lang="en-US" sz="2400" i="1" dirty="0" smtClean="0"/>
               <a:t>n</a:t>
             </a:r>
             <a:r>
@@ -12265,14 +12258,14 @@
         <p:spPr>
           <a:extLst>
             <a:ext uri="{909E8E84-426E-40DD-AFC4-6F175D3DCCD1}">
-              <a14:hiddenFill xmlns="" xmlns:a14="http://schemas.microsoft.com/office/drawing/2010/main">
+              <a14:hiddenFill xmlns:a14="http://schemas.microsoft.com/office/drawing/2010/main" xmlns="">
                 <a:solidFill>
                   <a:schemeClr val="accent1"/>
                 </a:solidFill>
               </a14:hiddenFill>
             </a:ext>
             <a:ext uri="{91240B29-F687-4F45-9708-019B960494DF}">
-              <a14:hiddenLine xmlns="" xmlns:a14="http://schemas.microsoft.com/office/drawing/2010/main" w="9525">
+              <a14:hiddenLine xmlns:a14="http://schemas.microsoft.com/office/drawing/2010/main" xmlns="" w="9525">
                 <a:solidFill>
                   <a:schemeClr val="tx1"/>
                 </a:solidFill>
@@ -12282,7 +12275,7 @@
               </a14:hiddenLine>
             </a:ext>
             <a:ext uri="{AF507438-7753-43E0-B8FC-AC1667EBCBE1}">
-              <a14:hiddenEffects xmlns="" xmlns:a14="http://schemas.microsoft.com/office/drawing/2010/main">
+              <a14:hiddenEffects xmlns:a14="http://schemas.microsoft.com/office/drawing/2010/main" xmlns="">
                 <a:effectLst>
                   <a:outerShdw dist="35921" dir="2700000" algn="ctr" rotWithShape="0">
                     <a:schemeClr val="bg2"/>
@@ -12366,87 +12359,9 @@
           <a:p>
             <a:r>
               <a:rPr lang="en-US" sz="3600" dirty="0" smtClean="0"/>
-              <a:t>DDR EMIF Bandwidth Management: </a:t>
-            </a:r>
-            <a:br>
-              <a:rPr lang="en-US" sz="3600" dirty="0" smtClean="0"/>
-            </a:br>
-            <a:r>
-              <a:rPr lang="en-US" sz="3600" dirty="0" smtClean="0"/>
-              <a:t>Level 2  - DDR Arbitration</a:t>
-            </a:r>
-          </a:p>
-        </p:txBody>
-      </p:sp>
-      <p:sp>
-        <p:nvSpPr>
-          <p:cNvPr id="3" name="Content Placeholder 2"/>
-          <p:cNvSpPr>
-            <a:spLocks noGrp="1"/>
-          </p:cNvSpPr>
-          <p:nvPr>
-            <p:ph idx="1"/>
-          </p:nvPr>
-        </p:nvSpPr>
-        <p:spPr>
-          <a:xfrm>
-            <a:off x="276225" y="1262780"/>
-            <a:ext cx="8467725" cy="4056495"/>
-          </a:xfrm>
-        </p:spPr>
-        <p:txBody>
-          <a:bodyPr>
-            <a:spAutoFit/>
-          </a:bodyPr>
-          <a:lstStyle/>
-          <a:p>
-            <a:pPr>
-              <a:defRPr/>
-            </a:pPr>
-            <a:r>
-              <a:rPr lang="en-US" dirty="0" smtClean="0"/>
-              <a:t>The DDR3 memory controller performs command reordering and scheduling. Command reordering takes place within the command FIFO.</a:t>
-            </a:r>
-          </a:p>
-          <a:p>
-            <a:pPr>
-              <a:defRPr/>
-            </a:pPr>
-            <a:r>
-              <a:rPr lang="en-US" dirty="0" smtClean="0"/>
-              <a:t>The DDR3 memory controller examines all the commands stored in the command FIFO to schedule commands to the external memory. </a:t>
-            </a:r>
-          </a:p>
-          <a:p>
-            <a:pPr>
-              <a:defRPr/>
-            </a:pPr>
-            <a:r>
-              <a:rPr lang="en-US" dirty="0" smtClean="0"/>
-              <a:t>For each master, the DDR3 memory controller reorders the commands based on the following rules:</a:t>
-            </a:r>
-          </a:p>
-          <a:p>
-            <a:pPr marL="804862" lvl="1" indent="-457200">
-              <a:buFont typeface="+mj-lt"/>
-              <a:buAutoNum type="arabicPeriod"/>
-              <a:defRPr/>
-            </a:pPr>
-            <a:r>
-              <a:rPr lang="en-US" dirty="0" smtClean="0"/>
-              <a:t>The DDR3 controller will advance a read command before an older write command from the same master if the read is to a different block address (2048 bytes) and the read priority is equal to or greater than the write priority.</a:t>
-            </a:r>
-          </a:p>
-          <a:p>
-            <a:pPr marL="804862" lvl="1" indent="-457200">
-              <a:buFont typeface="+mj-lt"/>
-              <a:buAutoNum type="arabicPeriod"/>
-              <a:defRPr/>
-            </a:pPr>
-            <a:r>
-              <a:rPr lang="en-US" dirty="0" smtClean="0"/>
-              <a:t>The DDR3 controller will block a read command, regardless of the master or priority if that read command is to the same block address (2048 bytes) as an older write command.</a:t>
-            </a:r>
+              <a:t>DDR Arbitration Algorithm (1)</a:t>
+            </a:r>
+            <a:endParaRPr lang="en-US" sz="3600" dirty="0" smtClean="0"/>
           </a:p>
         </p:txBody>
       </p:sp>
@@ -12463,14 +12378,14 @@
         <p:spPr>
           <a:extLst>
             <a:ext uri="{909E8E84-426E-40DD-AFC4-6F175D3DCCD1}">
-              <a14:hiddenFill xmlns:a14="http://schemas.microsoft.com/office/drawing/2010/main" xmlns="">
+              <a14:hiddenFill xmlns="" xmlns:a14="http://schemas.microsoft.com/office/drawing/2010/main">
                 <a:solidFill>
                   <a:schemeClr val="accent1"/>
                 </a:solidFill>
               </a14:hiddenFill>
             </a:ext>
             <a:ext uri="{91240B29-F687-4F45-9708-019B960494DF}">
-              <a14:hiddenLine xmlns:a14="http://schemas.microsoft.com/office/drawing/2010/main" xmlns="" w="9525">
+              <a14:hiddenLine xmlns="" xmlns:a14="http://schemas.microsoft.com/office/drawing/2010/main" w="9525">
                 <a:solidFill>
                   <a:schemeClr val="tx1"/>
                 </a:solidFill>
@@ -12480,7 +12395,7 @@
               </a14:hiddenLine>
             </a:ext>
             <a:ext uri="{AF507438-7753-43E0-B8FC-AC1667EBCBE1}">
-              <a14:hiddenEffects xmlns:a14="http://schemas.microsoft.com/office/drawing/2010/main" xmlns="">
+              <a14:hiddenEffects xmlns="" xmlns:a14="http://schemas.microsoft.com/office/drawing/2010/main">
                 <a:effectLst>
                   <a:outerShdw dist="35921" dir="2700000" algn="ctr" rotWithShape="0">
                     <a:schemeClr val="bg2"/>
@@ -12508,6 +12423,38 @@
           </a:p>
         </p:txBody>
       </p:sp>
+      <p:pic>
+        <p:nvPicPr>
+          <p:cNvPr id="1026" name="Picture 2"/>
+          <p:cNvPicPr>
+            <a:picLocks noChangeAspect="1" noChangeArrowheads="1"/>
+          </p:cNvPicPr>
+          <p:nvPr/>
+        </p:nvPicPr>
+        <p:blipFill>
+          <a:blip r:embed="rId2" cstate="print"/>
+          <a:srcRect/>
+          <a:stretch>
+            <a:fillRect/>
+          </a:stretch>
+        </p:blipFill>
+        <p:spPr bwMode="auto">
+          <a:xfrm>
+            <a:off x="2353901" y="1164063"/>
+            <a:ext cx="5375637" cy="5489150"/>
+          </a:xfrm>
+          <a:prstGeom prst="rect">
+            <a:avLst/>
+          </a:prstGeom>
+          <a:noFill/>
+          <a:ln w="9525">
+            <a:noFill/>
+            <a:miter lim="800000"/>
+            <a:headEnd/>
+            <a:tailEnd/>
+          </a:ln>
+        </p:spPr>
+      </p:pic>
     </p:spTree>
   </p:cSld>
   <p:clrMapOvr>
@@ -12542,7 +12489,7 @@
       </p:grpSpPr>
       <p:sp>
         <p:nvSpPr>
-          <p:cNvPr id="52226" name="Title 1"/>
+          <p:cNvPr id="51202" name="Title 1"/>
           <p:cNvSpPr>
             <a:spLocks noGrp="1"/>
           </p:cNvSpPr>
@@ -12550,118 +12497,97 @@
             <p:ph type="title"/>
           </p:nvPr>
         </p:nvSpPr>
-        <p:spPr/>
+        <p:spPr>
+          <a:xfrm>
+            <a:off x="231775" y="142874"/>
+            <a:ext cx="8458200" cy="1185864"/>
+          </a:xfrm>
+        </p:spPr>
         <p:txBody>
           <a:bodyPr>
-            <a:normAutofit fontScale="90000"/>
+            <a:normAutofit/>
           </a:bodyPr>
           <a:lstStyle/>
           <a:p>
             <a:r>
+              <a:rPr lang="en-US" sz="3600" dirty="0" smtClean="0"/>
+              <a:t>DDR Arbitration Algorithm (2)</a:t>
+            </a:r>
+            <a:endParaRPr lang="en-US" sz="3600" dirty="0" smtClean="0"/>
+          </a:p>
+        </p:txBody>
+      </p:sp>
+      <p:sp>
+        <p:nvSpPr>
+          <p:cNvPr id="3" name="Content Placeholder 2"/>
+          <p:cNvSpPr>
+            <a:spLocks noGrp="1"/>
+          </p:cNvSpPr>
+          <p:nvPr>
+            <p:ph idx="1"/>
+          </p:nvPr>
+        </p:nvSpPr>
+        <p:spPr>
+          <a:xfrm>
+            <a:off x="276225" y="1262780"/>
+            <a:ext cx="8467725" cy="2759730"/>
+          </a:xfrm>
+        </p:spPr>
+        <p:txBody>
+          <a:bodyPr>
+            <a:spAutoFit/>
+          </a:bodyPr>
+          <a:lstStyle/>
+          <a:p>
+            <a:pPr>
+              <a:defRPr/>
+            </a:pPr>
+            <a:r>
               <a:rPr lang="en-US" dirty="0" smtClean="0"/>
-              <a:t>DDR3 Memory Controller Interface:</a:t>
-            </a:r>
-            <a:br>
+              <a:t>All commands are in the command FIFO</a:t>
+            </a:r>
+          </a:p>
+          <a:p>
+            <a:pPr>
+              <a:defRPr/>
+            </a:pPr>
+            <a:r>
               <a:rPr lang="en-US" dirty="0" smtClean="0"/>
-            </a:br>
+              <a:t>Data read into Register Read FIFO and Data Read FIFO</a:t>
+            </a:r>
+          </a:p>
+          <a:p>
+            <a:pPr>
+              <a:defRPr/>
+            </a:pPr>
             <a:r>
               <a:rPr lang="en-US" dirty="0" smtClean="0"/>
-              <a:t>Class of Service (</a:t>
-            </a:r>
-            <a:r>
-              <a:rPr lang="en-US" dirty="0" err="1" smtClean="0"/>
-              <a:t>CoS</a:t>
-            </a:r>
+              <a:t>Write Data FIFO stores the data to be written</a:t>
+            </a:r>
+          </a:p>
+          <a:p>
+            <a:pPr>
+              <a:defRPr/>
+            </a:pPr>
             <a:r>
               <a:rPr lang="en-US" dirty="0" smtClean="0"/>
-              <a:t>)</a:t>
-            </a:r>
-          </a:p>
-        </p:txBody>
-      </p:sp>
-      <p:sp>
-        <p:nvSpPr>
-          <p:cNvPr id="3" name="Content Placeholder 2"/>
-          <p:cNvSpPr>
-            <a:spLocks noGrp="1"/>
-          </p:cNvSpPr>
-          <p:nvPr>
-            <p:ph idx="1"/>
-          </p:nvPr>
-        </p:nvSpPr>
-        <p:spPr>
-          <a:xfrm>
-            <a:off x="333375" y="1185863"/>
-            <a:ext cx="8467725" cy="3462337"/>
-          </a:xfrm>
-        </p:spPr>
-        <p:txBody>
-          <a:bodyPr/>
-          <a:lstStyle/>
+              <a:t>Write Status FIFO – write status information</a:t>
+            </a:r>
+          </a:p>
           <a:p>
             <a:pPr>
               <a:defRPr/>
             </a:pPr>
             <a:r>
-              <a:rPr lang="en-US" sz="2400" dirty="0" smtClean="0"/>
-              <a:t>The commands in the Command FIFO can be mapped to two classes of service: 1 and 2. </a:t>
+              <a:rPr lang="en-US" dirty="0" smtClean="0"/>
+              <a:t>Read Command FIFO – stores the read transactions to be issued to the VBUSM interface</a:t>
             </a:r>
           </a:p>
           <a:p>
             <a:pPr>
               <a:defRPr/>
             </a:pPr>
-            <a:r>
-              <a:rPr lang="en-US" sz="2400" dirty="0" smtClean="0"/>
-              <a:t>The mapping of commands to a particular class of service can be done based on the priority or the master ID. </a:t>
-            </a:r>
-          </a:p>
-          <a:p>
-            <a:pPr>
-              <a:defRPr/>
-            </a:pPr>
-            <a:r>
-              <a:rPr lang="en-US" sz="2400" dirty="0" smtClean="0"/>
-              <a:t>The mapping based on priority can be done by setting the appropriate values in the Priority to Class of Service Mapping register (offset: 100h).</a:t>
-            </a:r>
-          </a:p>
-          <a:p>
-            <a:pPr>
-              <a:defRPr/>
-            </a:pPr>
-            <a:endParaRPr lang="en-US" sz="2400" dirty="0"/>
-          </a:p>
-          <a:p>
-            <a:pPr>
-              <a:defRPr/>
-            </a:pPr>
-            <a:endParaRPr lang="en-US" sz="1200" dirty="0" smtClean="0"/>
-          </a:p>
-          <a:p>
-            <a:pPr>
-              <a:defRPr/>
-            </a:pPr>
-            <a:endParaRPr lang="en-US" sz="1200" dirty="0"/>
-          </a:p>
-          <a:p>
-            <a:pPr>
-              <a:defRPr/>
-            </a:pPr>
-            <a:endParaRPr lang="en-US" sz="1200" dirty="0" smtClean="0"/>
-          </a:p>
-          <a:p>
-            <a:pPr>
-              <a:defRPr/>
-            </a:pPr>
-            <a:endParaRPr lang="en-US" sz="1200" dirty="0"/>
-          </a:p>
-          <a:p>
-            <a:pPr marL="0" indent="0">
-              <a:buFontTx/>
-              <a:buNone/>
-              <a:defRPr/>
-            </a:pPr>
-            <a:endParaRPr lang="en-US" sz="1200" dirty="0" smtClean="0"/>
+            <a:endParaRPr lang="en-US" dirty="0" smtClean="0"/>
           </a:p>
         </p:txBody>
       </p:sp>
@@ -12678,14 +12604,14 @@
         <p:spPr>
           <a:extLst>
             <a:ext uri="{909E8E84-426E-40DD-AFC4-6F175D3DCCD1}">
-              <a14:hiddenFill xmlns:a14="http://schemas.microsoft.com/office/drawing/2010/main" xmlns="">
+              <a14:hiddenFill xmlns="" xmlns:a14="http://schemas.microsoft.com/office/drawing/2010/main">
                 <a:solidFill>
                   <a:schemeClr val="accent1"/>
                 </a:solidFill>
               </a14:hiddenFill>
             </a:ext>
             <a:ext uri="{91240B29-F687-4F45-9708-019B960494DF}">
-              <a14:hiddenLine xmlns:a14="http://schemas.microsoft.com/office/drawing/2010/main" xmlns="" w="9525">
+              <a14:hiddenLine xmlns="" xmlns:a14="http://schemas.microsoft.com/office/drawing/2010/main" w="9525">
                 <a:solidFill>
                   <a:schemeClr val="tx1"/>
                 </a:solidFill>
@@ -12695,7 +12621,7 @@
               </a14:hiddenLine>
             </a:ext>
             <a:ext uri="{AF507438-7753-43E0-B8FC-AC1667EBCBE1}">
-              <a14:hiddenEffects xmlns:a14="http://schemas.microsoft.com/office/drawing/2010/main" xmlns="">
+              <a14:hiddenEffects xmlns="" xmlns:a14="http://schemas.microsoft.com/office/drawing/2010/main">
                 <a:effectLst>
                   <a:outerShdw dist="35921" dir="2700000" algn="ctr" rotWithShape="0">
                     <a:schemeClr val="bg2"/>
@@ -12712,7 +12638,7 @@
             <a:pPr>
               <a:defRPr/>
             </a:pPr>
-            <a:fld id="{7431EB45-CE06-4749-8E81-C66269997177}" type="slidenum">
+            <a:fld id="{6B40EC6E-15F7-4BE5-911A-53DB0D3A2486}" type="slidenum">
               <a:rPr lang="en-US" smtClean="0"/>
               <a:pPr>
                 <a:defRPr/>
@@ -12723,44 +12649,18 @@
           </a:p>
         </p:txBody>
       </p:sp>
-      <p:pic>
-        <p:nvPicPr>
-          <p:cNvPr id="52229" name="Picture 2"/>
-          <p:cNvPicPr>
-            <a:picLocks noChangeAspect="1" noChangeArrowheads="1"/>
-          </p:cNvPicPr>
-          <p:nvPr/>
-        </p:nvPicPr>
-        <p:blipFill>
-          <a:blip r:embed="rId2" cstate="print"/>
-          <a:srcRect/>
-          <a:stretch>
-            <a:fillRect/>
-          </a:stretch>
-        </p:blipFill>
-        <p:spPr bwMode="auto">
-          <a:xfrm>
-            <a:off x="478616" y="4136224"/>
-            <a:ext cx="8177960" cy="1917700"/>
-          </a:xfrm>
-          <a:prstGeom prst="rect">
-            <a:avLst/>
-          </a:prstGeom>
-          <a:noFill/>
-          <a:ln w="9525">
-            <a:noFill/>
-            <a:miter lim="800000"/>
-            <a:headEnd/>
-            <a:tailEnd/>
-          </a:ln>
-          <a:effectLst/>
-        </p:spPr>
-      </p:pic>
     </p:spTree>
   </p:cSld>
   <p:clrMapOvr>
     <a:masterClrMapping/>
   </p:clrMapOvr>
+  <p:timing>
+    <p:tnLst>
+      <p:par>
+        <p:cTn id="1" dur="indefinite" restart="never" nodeType="tmRoot"/>
+      </p:par>
+    </p:tnLst>
+  </p:timing>
 </p:sld>
 </file>
 
@@ -12783,7 +12683,7 @@
       </p:grpSpPr>
       <p:sp>
         <p:nvSpPr>
-          <p:cNvPr id="54274" name="Title 1"/>
+          <p:cNvPr id="51202" name="Title 1"/>
           <p:cNvSpPr>
             <a:spLocks noGrp="1"/>
           </p:cNvSpPr>
@@ -12793,182 +12693,112 @@
         </p:nvSpPr>
         <p:spPr>
           <a:xfrm>
-            <a:off x="457200" y="188910"/>
-            <a:ext cx="8229600" cy="868362"/>
+            <a:off x="231775" y="142874"/>
+            <a:ext cx="8458200" cy="1185864"/>
           </a:xfrm>
         </p:spPr>
         <p:txBody>
           <a:bodyPr>
-            <a:normAutofit fontScale="90000"/>
+            <a:normAutofit/>
           </a:bodyPr>
           <a:lstStyle/>
           <a:p>
             <a:r>
-              <a:rPr lang="en-US" sz="4000" dirty="0" smtClean="0"/>
-              <a:t>DDR3 Memory Controller Interface:</a:t>
-            </a:r>
-            <a:br>
-              <a:rPr lang="en-US" sz="4000" dirty="0" smtClean="0"/>
-            </a:br>
-            <a:r>
-              <a:rPr lang="en-US" sz="4000" dirty="0" smtClean="0"/>
-              <a:t>Mapping </a:t>
-            </a:r>
+              <a:rPr lang="en-US" sz="3600" dirty="0" smtClean="0"/>
+              <a:t>DDR Arbitration Algorithm (3)</a:t>
+            </a:r>
+            <a:endParaRPr lang="en-US" sz="3600" dirty="0" smtClean="0"/>
+          </a:p>
+        </p:txBody>
+      </p:sp>
+      <p:sp>
+        <p:nvSpPr>
+          <p:cNvPr id="3" name="Content Placeholder 2"/>
+          <p:cNvSpPr>
+            <a:spLocks noGrp="1"/>
+          </p:cNvSpPr>
+          <p:nvPr>
+            <p:ph idx="1"/>
+          </p:nvPr>
+        </p:nvSpPr>
+        <p:spPr>
+          <a:xfrm>
+            <a:off x="276225" y="1561545"/>
+            <a:ext cx="8467725" cy="3822585"/>
+          </a:xfrm>
+        </p:spPr>
+        <p:txBody>
+          <a:bodyPr>
+            <a:spAutoFit/>
+          </a:bodyPr>
+          <a:lstStyle/>
+          <a:p>
+            <a:pPr>
+              <a:defRPr/>
+            </a:pPr>
             <a:r>
               <a:rPr lang="en-US" dirty="0" smtClean="0"/>
-              <a:t>Master IDs to </a:t>
-            </a:r>
-            <a:r>
-              <a:rPr lang="en-US" dirty="0" err="1" smtClean="0"/>
-              <a:t>CoS</a:t>
-            </a:r>
-            <a:endParaRPr lang="en-US" dirty="0" smtClean="0"/>
-          </a:p>
-        </p:txBody>
-      </p:sp>
-      <p:sp>
-        <p:nvSpPr>
-          <p:cNvPr id="54275" name="Content Placeholder 2"/>
-          <p:cNvSpPr>
-            <a:spLocks noGrp="1"/>
-          </p:cNvSpPr>
-          <p:nvPr>
-            <p:ph idx="1"/>
-          </p:nvPr>
-        </p:nvSpPr>
-        <p:spPr>
-          <a:xfrm>
-            <a:off x="457200" y="1143000"/>
-            <a:ext cx="8229600" cy="4983163"/>
-          </a:xfrm>
-        </p:spPr>
-        <p:txBody>
-          <a:bodyPr/>
-          <a:lstStyle/>
-          <a:p>
-            <a:r>
-              <a:rPr lang="en-US" sz="2000" dirty="0" smtClean="0">
-                <a:solidFill>
-                  <a:srgbClr val="000000"/>
-                </a:solidFill>
-              </a:rPr>
-              <a:t>The mapping based on master ID can be done by setting the appropriate values of master ID and the masks in the Master ID to Class of Service Mapping registers:</a:t>
-            </a:r>
-          </a:p>
-          <a:p>
-            <a:pPr lvl="1"/>
-            <a:r>
-              <a:rPr lang="en-US" sz="2000" dirty="0" smtClean="0">
-                <a:solidFill>
-                  <a:srgbClr val="000000"/>
-                </a:solidFill>
-              </a:rPr>
-              <a:t>Master ID to Class-Of-Service Mapping 1 Register (offset: 104h)</a:t>
-            </a:r>
-          </a:p>
-          <a:p>
-            <a:pPr lvl="1"/>
-            <a:r>
-              <a:rPr lang="en-US" sz="2000" dirty="0" smtClean="0">
-                <a:solidFill>
-                  <a:srgbClr val="000000"/>
-                </a:solidFill>
-              </a:rPr>
-              <a:t>Master ID to Class-Of-Service Mapping 2 Register (offset: 108h)</a:t>
-            </a:r>
-          </a:p>
-          <a:p>
-            <a:r>
-              <a:rPr lang="en-US" sz="2000" dirty="0" smtClean="0">
-                <a:solidFill>
-                  <a:srgbClr val="000000"/>
-                </a:solidFill>
-              </a:rPr>
-              <a:t>There are three master ID and mask values that can be set for each class of service. In conjunction with the masks, each class of service can have a maximum of 144 master IDs mapped to it.</a:t>
-            </a:r>
-          </a:p>
-          <a:p>
-            <a:pPr lvl="1"/>
-            <a:r>
-              <a:rPr lang="en-US" sz="1800" dirty="0" smtClean="0">
-                <a:solidFill>
-                  <a:srgbClr val="000000"/>
-                </a:solidFill>
-              </a:rPr>
-              <a:t>For example, a master ID value of 0xFF along with a mask value of 0x3 will map all master IDs from 0xF8 to 0xFF to that particular class of service.</a:t>
-            </a:r>
-          </a:p>
-          <a:p>
-            <a:pPr lvl="1"/>
-            <a:r>
-              <a:rPr lang="en-US" sz="1800" dirty="0" smtClean="0">
-                <a:solidFill>
-                  <a:srgbClr val="000000"/>
-                </a:solidFill>
-              </a:rPr>
-              <a:t>By default all commands will be mapped to class of service 2.</a:t>
-            </a:r>
-          </a:p>
-          <a:p>
-            <a:r>
-              <a:rPr lang="en-US" sz="2000" dirty="0" smtClean="0">
-                <a:solidFill>
-                  <a:srgbClr val="000000"/>
-                </a:solidFill>
-              </a:rPr>
-              <a:t>Registers description is in the next slide</a:t>
-            </a:r>
-          </a:p>
-          <a:p>
-            <a:endParaRPr lang="en-US" sz="1200" dirty="0" smtClean="0">
-              <a:solidFill>
-                <a:srgbClr val="000000"/>
-              </a:solidFill>
-            </a:endParaRPr>
-          </a:p>
-          <a:p>
-            <a:endParaRPr lang="en-US" sz="1200" dirty="0" smtClean="0">
-              <a:solidFill>
-                <a:srgbClr val="000000"/>
-              </a:solidFill>
-            </a:endParaRPr>
-          </a:p>
-          <a:p>
-            <a:endParaRPr lang="en-US" sz="1200" dirty="0" smtClean="0">
-              <a:solidFill>
-                <a:srgbClr val="000000"/>
-              </a:solidFill>
-            </a:endParaRPr>
-          </a:p>
-          <a:p>
-            <a:endParaRPr lang="en-US" sz="1200" dirty="0" smtClean="0">
-              <a:solidFill>
-                <a:srgbClr val="000000"/>
-              </a:solidFill>
-            </a:endParaRPr>
-          </a:p>
-          <a:p>
-            <a:endParaRPr lang="en-US" sz="1200" dirty="0" smtClean="0">
-              <a:solidFill>
-                <a:srgbClr val="000000"/>
-              </a:solidFill>
-            </a:endParaRPr>
-          </a:p>
-          <a:p>
-            <a:endParaRPr lang="en-US" sz="1200" dirty="0" smtClean="0">
-              <a:solidFill>
-                <a:srgbClr val="000000"/>
-              </a:solidFill>
-            </a:endParaRPr>
-          </a:p>
-          <a:p>
-            <a:endParaRPr lang="en-US" sz="1200" dirty="0" smtClean="0">
-              <a:solidFill>
-                <a:srgbClr val="000000"/>
-              </a:solidFill>
-            </a:endParaRPr>
-          </a:p>
-          <a:p>
+              <a:t>EMIF looks at all the commands in the command FIFO and can change the order of issuing commands regardless of priority</a:t>
+            </a:r>
+          </a:p>
+          <a:p>
+            <a:pPr>
+              <a:defRPr/>
+            </a:pPr>
+            <a:r>
+              <a:rPr lang="en-US" dirty="0" smtClean="0"/>
+              <a:t>All commands with the same CMSTID will complete in order</a:t>
+            </a:r>
+          </a:p>
+          <a:p>
+            <a:pPr lvl="1">
+              <a:defRPr/>
+            </a:pPr>
+            <a:r>
+              <a:rPr lang="en-US" dirty="0" smtClean="0"/>
+              <a:t>Read command before write command if they are not to the same block (2kB) and the read priority is not lower than the write priority</a:t>
+            </a:r>
+          </a:p>
+          <a:p>
+            <a:pPr>
+              <a:defRPr/>
+            </a:pPr>
+            <a:r>
+              <a:rPr lang="en-US" dirty="0" smtClean="0"/>
+              <a:t>Command with different CMSTID can be reorder</a:t>
+            </a:r>
+          </a:p>
+          <a:p>
+            <a:pPr lvl="1">
+              <a:defRPr/>
+            </a:pPr>
+            <a:r>
+              <a:rPr lang="en-US" dirty="0" smtClean="0"/>
+              <a:t>Block read command if there is a write command to the same block (regardless of priority or CMSTID)</a:t>
+            </a:r>
+          </a:p>
+          <a:p>
+            <a:pPr>
+              <a:defRPr/>
+            </a:pPr>
+            <a:r>
+              <a:rPr lang="en-US" dirty="0" smtClean="0"/>
+              <a:t>Thus for each CMSTID there may be one pending read and one pending write</a:t>
+            </a:r>
+          </a:p>
+          <a:p>
+            <a:pPr lvl="1">
+              <a:defRPr/>
+            </a:pPr>
+            <a:r>
+              <a:rPr lang="en-US" dirty="0" smtClean="0"/>
+              <a:t>The EMIF select first the once that have open banks</a:t>
+            </a:r>
+          </a:p>
+          <a:p>
+            <a:pPr lvl="1">
+              <a:defRPr/>
+            </a:pPr>
             <a:endParaRPr lang="en-US" dirty="0" smtClean="0"/>
           </a:p>
         </p:txBody>
@@ -12986,14 +12816,14 @@
         <p:spPr>
           <a:extLst>
             <a:ext uri="{909E8E84-426E-40DD-AFC4-6F175D3DCCD1}">
-              <a14:hiddenFill xmlns:a14="http://schemas.microsoft.com/office/drawing/2010/main" xmlns="">
+              <a14:hiddenFill xmlns="" xmlns:a14="http://schemas.microsoft.com/office/drawing/2010/main">
                 <a:solidFill>
                   <a:schemeClr val="accent1"/>
                 </a:solidFill>
               </a14:hiddenFill>
             </a:ext>
             <a:ext uri="{91240B29-F687-4F45-9708-019B960494DF}">
-              <a14:hiddenLine xmlns:a14="http://schemas.microsoft.com/office/drawing/2010/main" xmlns="" w="9525">
+              <a14:hiddenLine xmlns="" xmlns:a14="http://schemas.microsoft.com/office/drawing/2010/main" w="9525">
                 <a:solidFill>
                   <a:schemeClr val="tx1"/>
                 </a:solidFill>
@@ -13003,7 +12833,7 @@
               </a14:hiddenLine>
             </a:ext>
             <a:ext uri="{AF507438-7753-43E0-B8FC-AC1667EBCBE1}">
-              <a14:hiddenEffects xmlns:a14="http://schemas.microsoft.com/office/drawing/2010/main" xmlns="">
+              <a14:hiddenEffects xmlns="" xmlns:a14="http://schemas.microsoft.com/office/drawing/2010/main">
                 <a:effectLst>
                   <a:outerShdw dist="35921" dir="2700000" algn="ctr" rotWithShape="0">
                     <a:schemeClr val="bg2"/>
@@ -13020,7 +12850,7 @@
             <a:pPr>
               <a:defRPr/>
             </a:pPr>
-            <a:fld id="{E5B56877-6032-41C7-8901-8F38814A0F5D}" type="slidenum">
+            <a:fld id="{6B40EC6E-15F7-4BE5-911A-53DB0D3A2486}" type="slidenum">
               <a:rPr lang="en-US" smtClean="0"/>
               <a:pPr>
                 <a:defRPr/>
@@ -13036,6 +12866,13 @@
   <p:clrMapOvr>
     <a:masterClrMapping/>
   </p:clrMapOvr>
+  <p:timing>
+    <p:tnLst>
+      <p:par>
+        <p:cTn id="1" dur="indefinite" restart="never" nodeType="tmRoot"/>
+      </p:par>
+    </p:tnLst>
+  </p:timing>
 </p:sld>
 </file>
 
@@ -13199,7 +13036,7 @@
               <a:pPr/>
               <a:t>4</a:t>
             </a:fld>
-            <a:endParaRPr lang="en-US"/>
+            <a:endParaRPr lang="en-US" dirty="0"/>
           </a:p>
         </p:txBody>
       </p:sp>
@@ -13237,7 +13074,7 @@
       </p:grpSpPr>
       <p:sp>
         <p:nvSpPr>
-          <p:cNvPr id="54274" name="Title 1"/>
+          <p:cNvPr id="51202" name="Title 1"/>
           <p:cNvSpPr>
             <a:spLocks noGrp="1"/>
           </p:cNvSpPr>
@@ -13247,31 +13084,100 @@
         </p:nvSpPr>
         <p:spPr>
           <a:xfrm>
-            <a:off x="457200" y="274638"/>
-            <a:ext cx="8229600" cy="868362"/>
+            <a:off x="231775" y="142874"/>
+            <a:ext cx="8458200" cy="1185864"/>
           </a:xfrm>
         </p:spPr>
         <p:txBody>
           <a:bodyPr>
-            <a:normAutofit fontScale="90000"/>
+            <a:normAutofit/>
           </a:bodyPr>
           <a:lstStyle/>
           <a:p>
             <a:r>
-              <a:rPr lang="en-US" sz="4000" dirty="0" smtClean="0"/>
-              <a:t>DDR3 Memory Controller Interface:</a:t>
-            </a:r>
-            <a:br>
-              <a:rPr lang="en-US" sz="4000" dirty="0" smtClean="0"/>
-            </a:br>
+              <a:rPr lang="en-US" sz="3600" dirty="0" smtClean="0"/>
+              <a:t>DDR Arbitration Algorithm (4)</a:t>
+            </a:r>
+            <a:endParaRPr lang="en-US" sz="3600" dirty="0" smtClean="0"/>
+          </a:p>
+        </p:txBody>
+      </p:sp>
+      <p:sp>
+        <p:nvSpPr>
+          <p:cNvPr id="3" name="Content Placeholder 2"/>
+          <p:cNvSpPr>
+            <a:spLocks noGrp="1"/>
+          </p:cNvSpPr>
+          <p:nvPr>
+            <p:ph idx="1"/>
+          </p:nvPr>
+        </p:nvSpPr>
+        <p:spPr>
+          <a:xfrm>
+            <a:off x="276225" y="1561545"/>
+            <a:ext cx="8467725" cy="3496342"/>
+          </a:xfrm>
+        </p:spPr>
+        <p:txBody>
+          <a:bodyPr>
+            <a:spAutoFit/>
+          </a:bodyPr>
+          <a:lstStyle/>
+          <a:p>
+            <a:pPr>
+              <a:defRPr/>
+            </a:pPr>
+            <a:r>
+              <a:rPr lang="en-US" dirty="0" smtClean="0"/>
+              <a:t>Switch between READ and Write depends on the </a:t>
+            </a:r>
+            <a:r>
+              <a:rPr lang="en-US" b="1" dirty="0" smtClean="0"/>
+              <a:t>READ WRITE EXECUTION THRESHOLD REGISTER</a:t>
+            </a:r>
+          </a:p>
+          <a:p>
+            <a:pPr lvl="1">
+              <a:defRPr/>
+            </a:pPr>
+            <a:r>
+              <a:rPr lang="en-US" dirty="0" smtClean="0"/>
+              <a:t>During Read session, counters counts how many reads were executed and when it reaches the threshold the EMIF switches to write</a:t>
+            </a:r>
+          </a:p>
+          <a:p>
+            <a:pPr lvl="1">
+              <a:defRPr/>
+            </a:pPr>
+            <a:r>
+              <a:rPr lang="en-US" dirty="0" smtClean="0"/>
+              <a:t>During write – the same process</a:t>
+            </a:r>
+          </a:p>
+          <a:p>
+            <a:pPr>
+              <a:defRPr/>
+            </a:pPr>
             <a:r>
               <a:rPr lang="en-US" dirty="0" err="1" smtClean="0"/>
-              <a:t>CoS</a:t>
+              <a:t>Reg_pr_old_count</a:t>
             </a:r>
             <a:r>
               <a:rPr lang="en-US" dirty="0" smtClean="0"/>
-              <a:t> Mapping Registers</a:t>
-            </a:r>
+              <a:t> is a counter that counts how long the Oldest command in the FIFO is waiting. When this counter expires, the EMIF raises the priority of the oldest command over all other commands</a:t>
+            </a:r>
+          </a:p>
+          <a:p>
+            <a:pPr>
+              <a:defRPr/>
+            </a:pPr>
+            <a:endParaRPr lang="en-US" dirty="0" smtClean="0"/>
+          </a:p>
+          <a:p>
+            <a:pPr>
+              <a:defRPr/>
+            </a:pPr>
+            <a:endParaRPr lang="en-US" dirty="0" smtClean="0"/>
           </a:p>
         </p:txBody>
       </p:sp>
@@ -13288,14 +13194,14 @@
         <p:spPr>
           <a:extLst>
             <a:ext uri="{909E8E84-426E-40DD-AFC4-6F175D3DCCD1}">
-              <a14:hiddenFill xmlns:a14="http://schemas.microsoft.com/office/drawing/2010/main" xmlns="">
+              <a14:hiddenFill xmlns="" xmlns:a14="http://schemas.microsoft.com/office/drawing/2010/main">
                 <a:solidFill>
                   <a:schemeClr val="accent1"/>
                 </a:solidFill>
               </a14:hiddenFill>
             </a:ext>
             <a:ext uri="{91240B29-F687-4F45-9708-019B960494DF}">
-              <a14:hiddenLine xmlns:a14="http://schemas.microsoft.com/office/drawing/2010/main" xmlns="" w="9525">
+              <a14:hiddenLine xmlns="" xmlns:a14="http://schemas.microsoft.com/office/drawing/2010/main" w="9525">
                 <a:solidFill>
                   <a:schemeClr val="tx1"/>
                 </a:solidFill>
@@ -13305,7 +13211,7 @@
               </a14:hiddenLine>
             </a:ext>
             <a:ext uri="{AF507438-7753-43E0-B8FC-AC1667EBCBE1}">
-              <a14:hiddenEffects xmlns:a14="http://schemas.microsoft.com/office/drawing/2010/main" xmlns="">
+              <a14:hiddenEffects xmlns="" xmlns:a14="http://schemas.microsoft.com/office/drawing/2010/main">
                 <a:effectLst>
                   <a:outerShdw dist="35921" dir="2700000" algn="ctr" rotWithShape="0">
                     <a:schemeClr val="bg2"/>
@@ -13322,12 +13228,1063 @@
             <a:pPr>
               <a:defRPr/>
             </a:pPr>
+            <a:fld id="{6B40EC6E-15F7-4BE5-911A-53DB0D3A2486}" type="slidenum">
+              <a:rPr lang="en-US" smtClean="0"/>
+              <a:pPr>
+                <a:defRPr/>
+              </a:pPr>
+              <a:t>40</a:t>
+            </a:fld>
+            <a:endParaRPr lang="en-US" dirty="0"/>
+          </a:p>
+        </p:txBody>
+      </p:sp>
+    </p:spTree>
+  </p:cSld>
+  <p:clrMapOvr>
+    <a:masterClrMapping/>
+  </p:clrMapOvr>
+  <p:timing>
+    <p:tnLst>
+      <p:par>
+        <p:cTn id="1" dur="indefinite" restart="never" nodeType="tmRoot"/>
+      </p:par>
+    </p:tnLst>
+  </p:timing>
+</p:sld>
+</file>
+
+<file path=ppt/slides/slide41.xml><?xml version="1.0" encoding="utf-8"?>
+<p:sld xmlns:a="http://schemas.openxmlformats.org/drawingml/2006/main" xmlns:r="http://schemas.openxmlformats.org/officeDocument/2006/relationships" xmlns:p="http://schemas.openxmlformats.org/presentationml/2006/main">
+  <p:cSld>
+    <p:spTree>
+      <p:nvGrpSpPr>
+        <p:cNvPr id="1" name=""/>
+        <p:cNvGrpSpPr/>
+        <p:nvPr/>
+      </p:nvGrpSpPr>
+      <p:grpSpPr>
+        <a:xfrm>
+          <a:off x="0" y="0"/>
+          <a:ext cx="0" cy="0"/>
+          <a:chOff x="0" y="0"/>
+          <a:chExt cx="0" cy="0"/>
+        </a:xfrm>
+      </p:grpSpPr>
+      <p:sp>
+        <p:nvSpPr>
+          <p:cNvPr id="51202" name="Title 1"/>
+          <p:cNvSpPr>
+            <a:spLocks noGrp="1"/>
+          </p:cNvSpPr>
+          <p:nvPr>
+            <p:ph type="title"/>
+          </p:nvPr>
+        </p:nvSpPr>
+        <p:spPr>
+          <a:xfrm>
+            <a:off x="231775" y="142874"/>
+            <a:ext cx="8458200" cy="1185864"/>
+          </a:xfrm>
+        </p:spPr>
+        <p:txBody>
+          <a:bodyPr>
+            <a:normAutofit/>
+          </a:bodyPr>
+          <a:lstStyle/>
+          <a:p>
+            <a:r>
+              <a:rPr lang="en-US" sz="3600" dirty="0" smtClean="0"/>
+              <a:t>DDR Arbitration Algorithm (5)</a:t>
+            </a:r>
+            <a:br>
+              <a:rPr lang="en-US" sz="3600" dirty="0" smtClean="0"/>
+            </a:br>
+            <a:r>
+              <a:rPr lang="en-US" sz="3600" dirty="0" smtClean="0"/>
+              <a:t>Class of Service</a:t>
+            </a:r>
+            <a:endParaRPr lang="en-US" sz="3600" dirty="0" smtClean="0"/>
+          </a:p>
+        </p:txBody>
+      </p:sp>
+      <p:sp>
+        <p:nvSpPr>
+          <p:cNvPr id="3" name="Content Placeholder 2"/>
+          <p:cNvSpPr>
+            <a:spLocks noGrp="1"/>
+          </p:cNvSpPr>
+          <p:nvPr>
+            <p:ph idx="1"/>
+          </p:nvPr>
+        </p:nvSpPr>
+        <p:spPr>
+          <a:xfrm>
+            <a:off x="276225" y="1561545"/>
+            <a:ext cx="8467725" cy="3424527"/>
+          </a:xfrm>
+        </p:spPr>
+        <p:txBody>
+          <a:bodyPr>
+            <a:spAutoFit/>
+          </a:bodyPr>
+          <a:lstStyle/>
+          <a:p>
+            <a:pPr>
+              <a:defRPr/>
+            </a:pPr>
+            <a:r>
+              <a:rPr lang="en-US" dirty="0" smtClean="0"/>
+              <a:t>Two classes of services – class 1 and class 2</a:t>
+            </a:r>
+          </a:p>
+          <a:p>
+            <a:pPr>
+              <a:defRPr/>
+            </a:pPr>
+            <a:r>
+              <a:rPr lang="en-US" dirty="0" smtClean="0"/>
+              <a:t>Mapping is done based on Priority or master ID</a:t>
+            </a:r>
+          </a:p>
+          <a:p>
+            <a:pPr>
+              <a:defRPr/>
+            </a:pPr>
+            <a:r>
+              <a:rPr lang="en-US" dirty="0" smtClean="0"/>
+              <a:t>Each class has an associated Latency Counter (</a:t>
+            </a:r>
+            <a:r>
+              <a:rPr lang="en-US" dirty="0" err="1" smtClean="0"/>
+              <a:t>reg_cos_count</a:t>
+            </a:r>
+            <a:r>
+              <a:rPr lang="en-US" dirty="0" smtClean="0"/>
+              <a:t>)</a:t>
+            </a:r>
+          </a:p>
+          <a:p>
+            <a:pPr>
+              <a:defRPr/>
+            </a:pPr>
+            <a:r>
+              <a:rPr lang="en-US" dirty="0" smtClean="0"/>
+              <a:t>When the latency for a command reaches the latency register for its class, the command will be execute next</a:t>
+            </a:r>
+          </a:p>
+          <a:p>
+            <a:pPr lvl="1">
+              <a:defRPr/>
+            </a:pPr>
+            <a:r>
+              <a:rPr lang="en-US" dirty="0" smtClean="0"/>
+              <a:t>Multiple commands expire – the higher priority will be executed</a:t>
+            </a:r>
+          </a:p>
+          <a:p>
+            <a:pPr lvl="1">
+              <a:defRPr/>
+            </a:pPr>
+            <a:r>
+              <a:rPr lang="en-US" dirty="0" smtClean="0"/>
+              <a:t>Exception to the role – the oldest command in the FIFO</a:t>
+            </a:r>
+          </a:p>
+          <a:p>
+            <a:pPr>
+              <a:defRPr/>
+            </a:pPr>
+            <a:endParaRPr lang="en-US" dirty="0" smtClean="0"/>
+          </a:p>
+          <a:p>
+            <a:pPr>
+              <a:defRPr/>
+            </a:pPr>
+            <a:endParaRPr lang="en-US" dirty="0" smtClean="0"/>
+          </a:p>
+        </p:txBody>
+      </p:sp>
+      <p:sp>
+        <p:nvSpPr>
+          <p:cNvPr id="4" name="Slide Number Placeholder 3"/>
+          <p:cNvSpPr>
+            <a:spLocks noGrp="1"/>
+          </p:cNvSpPr>
+          <p:nvPr>
+            <p:ph type="sldNum" sz="quarter" idx="10"/>
+          </p:nvPr>
+        </p:nvSpPr>
+        <p:spPr>
+          <a:extLst>
+            <a:ext uri="{909E8E84-426E-40DD-AFC4-6F175D3DCCD1}">
+              <a14:hiddenFill xmlns="" xmlns:a14="http://schemas.microsoft.com/office/drawing/2010/main">
+                <a:solidFill>
+                  <a:schemeClr val="accent1"/>
+                </a:solidFill>
+              </a14:hiddenFill>
+            </a:ext>
+            <a:ext uri="{91240B29-F687-4F45-9708-019B960494DF}">
+              <a14:hiddenLine xmlns="" xmlns:a14="http://schemas.microsoft.com/office/drawing/2010/main" w="9525">
+                <a:solidFill>
+                  <a:schemeClr val="tx1"/>
+                </a:solidFill>
+                <a:miter lim="800000"/>
+                <a:headEnd/>
+                <a:tailEnd/>
+              </a14:hiddenLine>
+            </a:ext>
+            <a:ext uri="{AF507438-7753-43E0-B8FC-AC1667EBCBE1}">
+              <a14:hiddenEffects xmlns="" xmlns:a14="http://schemas.microsoft.com/office/drawing/2010/main">
+                <a:effectLst>
+                  <a:outerShdw dist="35921" dir="2700000" algn="ctr" rotWithShape="0">
+                    <a:schemeClr val="bg2"/>
+                  </a:outerShdw>
+                </a:effectLst>
+              </a14:hiddenEffects>
+            </a:ext>
+          </a:extLst>
+        </p:spPr>
+        <p:txBody>
+          <a:bodyPr/>
+          <a:lstStyle/>
+          <a:p>
+            <a:pPr>
+              <a:defRPr/>
+            </a:pPr>
+            <a:fld id="{6B40EC6E-15F7-4BE5-911A-53DB0D3A2486}" type="slidenum">
+              <a:rPr lang="en-US" smtClean="0"/>
+              <a:pPr>
+                <a:defRPr/>
+              </a:pPr>
+              <a:t>41</a:t>
+            </a:fld>
+            <a:endParaRPr lang="en-US" dirty="0"/>
+          </a:p>
+        </p:txBody>
+      </p:sp>
+    </p:spTree>
+  </p:cSld>
+  <p:clrMapOvr>
+    <a:masterClrMapping/>
+  </p:clrMapOvr>
+  <p:timing>
+    <p:tnLst>
+      <p:par>
+        <p:cTn id="1" dur="indefinite" restart="never" nodeType="tmRoot"/>
+      </p:par>
+    </p:tnLst>
+  </p:timing>
+</p:sld>
+</file>
+
+<file path=ppt/slides/slide42.xml><?xml version="1.0" encoding="utf-8"?>
+<p:sld xmlns:a="http://schemas.openxmlformats.org/drawingml/2006/main" xmlns:r="http://schemas.openxmlformats.org/officeDocument/2006/relationships" xmlns:p="http://schemas.openxmlformats.org/presentationml/2006/main">
+  <p:cSld>
+    <p:spTree>
+      <p:nvGrpSpPr>
+        <p:cNvPr id="1" name=""/>
+        <p:cNvGrpSpPr/>
+        <p:nvPr/>
+      </p:nvGrpSpPr>
+      <p:grpSpPr>
+        <a:xfrm>
+          <a:off x="0" y="0"/>
+          <a:ext cx="0" cy="0"/>
+          <a:chOff x="0" y="0"/>
+          <a:chExt cx="0" cy="0"/>
+        </a:xfrm>
+      </p:grpSpPr>
+      <p:sp>
+        <p:nvSpPr>
+          <p:cNvPr id="51202" name="Title 1"/>
+          <p:cNvSpPr>
+            <a:spLocks noGrp="1"/>
+          </p:cNvSpPr>
+          <p:nvPr>
+            <p:ph type="title"/>
+          </p:nvPr>
+        </p:nvSpPr>
+        <p:spPr>
+          <a:xfrm>
+            <a:off x="231775" y="142874"/>
+            <a:ext cx="8458200" cy="1185864"/>
+          </a:xfrm>
+        </p:spPr>
+        <p:txBody>
+          <a:bodyPr>
+            <a:normAutofit/>
+          </a:bodyPr>
+          <a:lstStyle/>
+          <a:p>
+            <a:r>
+              <a:rPr lang="en-US" sz="3600" dirty="0" smtClean="0"/>
+              <a:t>DDR EMIF Bandwidth Management: </a:t>
+            </a:r>
+            <a:br>
+              <a:rPr lang="en-US" sz="3600" dirty="0" smtClean="0"/>
+            </a:br>
+            <a:r>
+              <a:rPr lang="en-US" sz="3600" dirty="0" smtClean="0"/>
+              <a:t>Level 2  - DDR Arbitration</a:t>
+            </a:r>
+          </a:p>
+        </p:txBody>
+      </p:sp>
+      <p:sp>
+        <p:nvSpPr>
+          <p:cNvPr id="3" name="Content Placeholder 2"/>
+          <p:cNvSpPr>
+            <a:spLocks noGrp="1"/>
+          </p:cNvSpPr>
+          <p:nvPr>
+            <p:ph idx="1"/>
+          </p:nvPr>
+        </p:nvSpPr>
+        <p:spPr>
+          <a:xfrm>
+            <a:off x="276225" y="1262780"/>
+            <a:ext cx="8467725" cy="4056495"/>
+          </a:xfrm>
+        </p:spPr>
+        <p:txBody>
+          <a:bodyPr>
+            <a:spAutoFit/>
+          </a:bodyPr>
+          <a:lstStyle/>
+          <a:p>
+            <a:pPr>
+              <a:defRPr/>
+            </a:pPr>
+            <a:r>
+              <a:rPr lang="en-US" dirty="0" smtClean="0"/>
+              <a:t>The DDR3 memory controller performs command reordering and scheduling. Command reordering takes place within the command FIFO.</a:t>
+            </a:r>
+          </a:p>
+          <a:p>
+            <a:pPr>
+              <a:defRPr/>
+            </a:pPr>
+            <a:r>
+              <a:rPr lang="en-US" dirty="0" smtClean="0"/>
+              <a:t>The DDR3 memory controller examines all the commands stored in the command FIFO to schedule commands to the external memory. </a:t>
+            </a:r>
+          </a:p>
+          <a:p>
+            <a:pPr>
+              <a:defRPr/>
+            </a:pPr>
+            <a:r>
+              <a:rPr lang="en-US" dirty="0" smtClean="0"/>
+              <a:t>For each master, the DDR3 memory controller reorders the commands based on the following rules:</a:t>
+            </a:r>
+          </a:p>
+          <a:p>
+            <a:pPr marL="804862" lvl="1" indent="-457200">
+              <a:buFont typeface="+mj-lt"/>
+              <a:buAutoNum type="arabicPeriod"/>
+              <a:defRPr/>
+            </a:pPr>
+            <a:r>
+              <a:rPr lang="en-US" dirty="0" smtClean="0"/>
+              <a:t>The DDR3 controller will advance a read command before an older write command from the same master if the read is to a different block address (2048 bytes) and the read priority is equal to or greater than the write priority.</a:t>
+            </a:r>
+          </a:p>
+          <a:p>
+            <a:pPr marL="804862" lvl="1" indent="-457200">
+              <a:buFont typeface="+mj-lt"/>
+              <a:buAutoNum type="arabicPeriod"/>
+              <a:defRPr/>
+            </a:pPr>
+            <a:r>
+              <a:rPr lang="en-US" dirty="0" smtClean="0"/>
+              <a:t>The DDR3 controller will block a read command, regardless of the master or priority if that read command is to the same block address (2048 bytes) as an older write command.</a:t>
+            </a:r>
+          </a:p>
+        </p:txBody>
+      </p:sp>
+      <p:sp>
+        <p:nvSpPr>
+          <p:cNvPr id="4" name="Slide Number Placeholder 3"/>
+          <p:cNvSpPr>
+            <a:spLocks noGrp="1"/>
+          </p:cNvSpPr>
+          <p:nvPr>
+            <p:ph type="sldNum" sz="quarter" idx="10"/>
+          </p:nvPr>
+        </p:nvSpPr>
+        <p:spPr>
+          <a:extLst>
+            <a:ext uri="{909E8E84-426E-40DD-AFC4-6F175D3DCCD1}">
+              <a14:hiddenFill xmlns="" xmlns:a14="http://schemas.microsoft.com/office/drawing/2010/main">
+                <a:solidFill>
+                  <a:schemeClr val="accent1"/>
+                </a:solidFill>
+              </a14:hiddenFill>
+            </a:ext>
+            <a:ext uri="{91240B29-F687-4F45-9708-019B960494DF}">
+              <a14:hiddenLine xmlns="" xmlns:a14="http://schemas.microsoft.com/office/drawing/2010/main" w="9525">
+                <a:solidFill>
+                  <a:schemeClr val="tx1"/>
+                </a:solidFill>
+                <a:miter lim="800000"/>
+                <a:headEnd/>
+                <a:tailEnd/>
+              </a14:hiddenLine>
+            </a:ext>
+            <a:ext uri="{AF507438-7753-43E0-B8FC-AC1667EBCBE1}">
+              <a14:hiddenEffects xmlns="" xmlns:a14="http://schemas.microsoft.com/office/drawing/2010/main">
+                <a:effectLst>
+                  <a:outerShdw dist="35921" dir="2700000" algn="ctr" rotWithShape="0">
+                    <a:schemeClr val="bg2"/>
+                  </a:outerShdw>
+                </a:effectLst>
+              </a14:hiddenEffects>
+            </a:ext>
+          </a:extLst>
+        </p:spPr>
+        <p:txBody>
+          <a:bodyPr/>
+          <a:lstStyle/>
+          <a:p>
+            <a:pPr>
+              <a:defRPr/>
+            </a:pPr>
+            <a:fld id="{6B40EC6E-15F7-4BE5-911A-53DB0D3A2486}" type="slidenum">
+              <a:rPr lang="en-US" smtClean="0"/>
+              <a:pPr>
+                <a:defRPr/>
+              </a:pPr>
+              <a:t>42</a:t>
+            </a:fld>
+            <a:endParaRPr lang="en-US" dirty="0"/>
+          </a:p>
+        </p:txBody>
+      </p:sp>
+    </p:spTree>
+  </p:cSld>
+  <p:clrMapOvr>
+    <a:masterClrMapping/>
+  </p:clrMapOvr>
+  <p:timing>
+    <p:tnLst>
+      <p:par>
+        <p:cTn id="1" dur="indefinite" restart="never" nodeType="tmRoot"/>
+      </p:par>
+    </p:tnLst>
+  </p:timing>
+</p:sld>
+</file>
+
+<file path=ppt/slides/slide43.xml><?xml version="1.0" encoding="utf-8"?>
+<p:sld xmlns:a="http://schemas.openxmlformats.org/drawingml/2006/main" xmlns:r="http://schemas.openxmlformats.org/officeDocument/2006/relationships" xmlns:p="http://schemas.openxmlformats.org/presentationml/2006/main">
+  <p:cSld>
+    <p:spTree>
+      <p:nvGrpSpPr>
+        <p:cNvPr id="1" name=""/>
+        <p:cNvGrpSpPr/>
+        <p:nvPr/>
+      </p:nvGrpSpPr>
+      <p:grpSpPr>
+        <a:xfrm>
+          <a:off x="0" y="0"/>
+          <a:ext cx="0" cy="0"/>
+          <a:chOff x="0" y="0"/>
+          <a:chExt cx="0" cy="0"/>
+        </a:xfrm>
+      </p:grpSpPr>
+      <p:sp>
+        <p:nvSpPr>
+          <p:cNvPr id="52226" name="Title 1"/>
+          <p:cNvSpPr>
+            <a:spLocks noGrp="1"/>
+          </p:cNvSpPr>
+          <p:nvPr>
+            <p:ph type="title"/>
+          </p:nvPr>
+        </p:nvSpPr>
+        <p:spPr/>
+        <p:txBody>
+          <a:bodyPr>
+            <a:normAutofit fontScale="90000"/>
+          </a:bodyPr>
+          <a:lstStyle/>
+          <a:p>
+            <a:r>
+              <a:rPr lang="en-US" dirty="0" smtClean="0"/>
+              <a:t>DDR3 Memory Controller Interface:</a:t>
+            </a:r>
+            <a:br>
+              <a:rPr lang="en-US" dirty="0" smtClean="0"/>
+            </a:br>
+            <a:r>
+              <a:rPr lang="en-US" dirty="0" smtClean="0"/>
+              <a:t>Class of Service (CoS)</a:t>
+            </a:r>
+          </a:p>
+        </p:txBody>
+      </p:sp>
+      <p:sp>
+        <p:nvSpPr>
+          <p:cNvPr id="3" name="Content Placeholder 2"/>
+          <p:cNvSpPr>
+            <a:spLocks noGrp="1"/>
+          </p:cNvSpPr>
+          <p:nvPr>
+            <p:ph idx="1"/>
+          </p:nvPr>
+        </p:nvSpPr>
+        <p:spPr>
+          <a:xfrm>
+            <a:off x="333375" y="1185863"/>
+            <a:ext cx="8467725" cy="3462337"/>
+          </a:xfrm>
+        </p:spPr>
+        <p:txBody>
+          <a:bodyPr/>
+          <a:lstStyle/>
+          <a:p>
+            <a:pPr>
+              <a:defRPr/>
+            </a:pPr>
+            <a:r>
+              <a:rPr lang="en-US" sz="2400" dirty="0" smtClean="0"/>
+              <a:t>The commands in the Command FIFO can be mapped to two classes of service: 1 and 2. </a:t>
+            </a:r>
+          </a:p>
+          <a:p>
+            <a:pPr>
+              <a:defRPr/>
+            </a:pPr>
+            <a:r>
+              <a:rPr lang="en-US" sz="2400" dirty="0" smtClean="0"/>
+              <a:t>The mapping of commands to a particular class of service can be done based on the priority or the master ID. </a:t>
+            </a:r>
+          </a:p>
+          <a:p>
+            <a:pPr>
+              <a:defRPr/>
+            </a:pPr>
+            <a:r>
+              <a:rPr lang="en-US" sz="2400" dirty="0" smtClean="0"/>
+              <a:t>The mapping based on priority can be done by setting the appropriate values in the Priority to Class of Service Mapping register (offset: 100h).</a:t>
+            </a:r>
+          </a:p>
+          <a:p>
+            <a:pPr>
+              <a:defRPr/>
+            </a:pPr>
+            <a:endParaRPr lang="en-US" sz="2400" dirty="0"/>
+          </a:p>
+          <a:p>
+            <a:pPr>
+              <a:defRPr/>
+            </a:pPr>
+            <a:endParaRPr lang="en-US" sz="1200" dirty="0" smtClean="0"/>
+          </a:p>
+          <a:p>
+            <a:pPr>
+              <a:defRPr/>
+            </a:pPr>
+            <a:endParaRPr lang="en-US" sz="1200" dirty="0"/>
+          </a:p>
+          <a:p>
+            <a:pPr>
+              <a:defRPr/>
+            </a:pPr>
+            <a:endParaRPr lang="en-US" sz="1200" dirty="0" smtClean="0"/>
+          </a:p>
+          <a:p>
+            <a:pPr>
+              <a:defRPr/>
+            </a:pPr>
+            <a:endParaRPr lang="en-US" sz="1200" dirty="0"/>
+          </a:p>
+          <a:p>
+            <a:pPr marL="0" indent="0">
+              <a:buFontTx/>
+              <a:buNone/>
+              <a:defRPr/>
+            </a:pPr>
+            <a:endParaRPr lang="en-US" sz="1200" dirty="0" smtClean="0"/>
+          </a:p>
+        </p:txBody>
+      </p:sp>
+      <p:sp>
+        <p:nvSpPr>
+          <p:cNvPr id="4" name="Slide Number Placeholder 3"/>
+          <p:cNvSpPr>
+            <a:spLocks noGrp="1"/>
+          </p:cNvSpPr>
+          <p:nvPr>
+            <p:ph type="sldNum" sz="quarter" idx="10"/>
+          </p:nvPr>
+        </p:nvSpPr>
+        <p:spPr>
+          <a:extLst>
+            <a:ext uri="{909E8E84-426E-40DD-AFC4-6F175D3DCCD1}">
+              <a14:hiddenFill xmlns="" xmlns:a14="http://schemas.microsoft.com/office/drawing/2010/main">
+                <a:solidFill>
+                  <a:schemeClr val="accent1"/>
+                </a:solidFill>
+              </a14:hiddenFill>
+            </a:ext>
+            <a:ext uri="{91240B29-F687-4F45-9708-019B960494DF}">
+              <a14:hiddenLine xmlns="" xmlns:a14="http://schemas.microsoft.com/office/drawing/2010/main" w="9525">
+                <a:solidFill>
+                  <a:schemeClr val="tx1"/>
+                </a:solidFill>
+                <a:miter lim="800000"/>
+                <a:headEnd/>
+                <a:tailEnd/>
+              </a14:hiddenLine>
+            </a:ext>
+            <a:ext uri="{AF507438-7753-43E0-B8FC-AC1667EBCBE1}">
+              <a14:hiddenEffects xmlns="" xmlns:a14="http://schemas.microsoft.com/office/drawing/2010/main">
+                <a:effectLst>
+                  <a:outerShdw dist="35921" dir="2700000" algn="ctr" rotWithShape="0">
+                    <a:schemeClr val="bg2"/>
+                  </a:outerShdw>
+                </a:effectLst>
+              </a14:hiddenEffects>
+            </a:ext>
+          </a:extLst>
+        </p:spPr>
+        <p:txBody>
+          <a:bodyPr/>
+          <a:lstStyle/>
+          <a:p>
+            <a:pPr>
+              <a:defRPr/>
+            </a:pPr>
+            <a:fld id="{7431EB45-CE06-4749-8E81-C66269997177}" type="slidenum">
+              <a:rPr lang="en-US" smtClean="0"/>
+              <a:pPr>
+                <a:defRPr/>
+              </a:pPr>
+              <a:t>43</a:t>
+            </a:fld>
+            <a:endParaRPr lang="en-US" dirty="0"/>
+          </a:p>
+        </p:txBody>
+      </p:sp>
+      <p:pic>
+        <p:nvPicPr>
+          <p:cNvPr id="52229" name="Picture 2"/>
+          <p:cNvPicPr>
+            <a:picLocks noChangeAspect="1" noChangeArrowheads="1"/>
+          </p:cNvPicPr>
+          <p:nvPr/>
+        </p:nvPicPr>
+        <p:blipFill>
+          <a:blip r:embed="rId2" cstate="print"/>
+          <a:srcRect/>
+          <a:stretch>
+            <a:fillRect/>
+          </a:stretch>
+        </p:blipFill>
+        <p:spPr bwMode="auto">
+          <a:xfrm>
+            <a:off x="478616" y="4136224"/>
+            <a:ext cx="8177960" cy="1917700"/>
+          </a:xfrm>
+          <a:prstGeom prst="rect">
+            <a:avLst/>
+          </a:prstGeom>
+          <a:noFill/>
+          <a:ln w="9525">
+            <a:noFill/>
+            <a:miter lim="800000"/>
+            <a:headEnd/>
+            <a:tailEnd/>
+          </a:ln>
+          <a:effectLst/>
+        </p:spPr>
+      </p:pic>
+    </p:spTree>
+  </p:cSld>
+  <p:clrMapOvr>
+    <a:masterClrMapping/>
+  </p:clrMapOvr>
+</p:sld>
+</file>
+
+<file path=ppt/slides/slide44.xml><?xml version="1.0" encoding="utf-8"?>
+<p:sld xmlns:a="http://schemas.openxmlformats.org/drawingml/2006/main" xmlns:r="http://schemas.openxmlformats.org/officeDocument/2006/relationships" xmlns:p="http://schemas.openxmlformats.org/presentationml/2006/main">
+  <p:cSld>
+    <p:spTree>
+      <p:nvGrpSpPr>
+        <p:cNvPr id="1" name=""/>
+        <p:cNvGrpSpPr/>
+        <p:nvPr/>
+      </p:nvGrpSpPr>
+      <p:grpSpPr>
+        <a:xfrm>
+          <a:off x="0" y="0"/>
+          <a:ext cx="0" cy="0"/>
+          <a:chOff x="0" y="0"/>
+          <a:chExt cx="0" cy="0"/>
+        </a:xfrm>
+      </p:grpSpPr>
+      <p:sp>
+        <p:nvSpPr>
+          <p:cNvPr id="54274" name="Title 1"/>
+          <p:cNvSpPr>
+            <a:spLocks noGrp="1"/>
+          </p:cNvSpPr>
+          <p:nvPr>
+            <p:ph type="title"/>
+          </p:nvPr>
+        </p:nvSpPr>
+        <p:spPr>
+          <a:xfrm>
+            <a:off x="457200" y="188910"/>
+            <a:ext cx="8229600" cy="868362"/>
+          </a:xfrm>
+        </p:spPr>
+        <p:txBody>
+          <a:bodyPr>
+            <a:normAutofit fontScale="90000"/>
+          </a:bodyPr>
+          <a:lstStyle/>
+          <a:p>
+            <a:r>
+              <a:rPr lang="en-US" sz="4000" dirty="0" smtClean="0"/>
+              <a:t>DDR3 Memory Controller Interface:</a:t>
+            </a:r>
+            <a:br>
+              <a:rPr lang="en-US" sz="4000" dirty="0" smtClean="0"/>
+            </a:br>
+            <a:r>
+              <a:rPr lang="en-US" sz="4000" dirty="0" smtClean="0"/>
+              <a:t>Mapping </a:t>
+            </a:r>
+            <a:r>
+              <a:rPr lang="en-US" dirty="0" smtClean="0"/>
+              <a:t>Master IDs to CoS</a:t>
+            </a:r>
+          </a:p>
+        </p:txBody>
+      </p:sp>
+      <p:sp>
+        <p:nvSpPr>
+          <p:cNvPr id="54275" name="Content Placeholder 2"/>
+          <p:cNvSpPr>
+            <a:spLocks noGrp="1"/>
+          </p:cNvSpPr>
+          <p:nvPr>
+            <p:ph idx="1"/>
+          </p:nvPr>
+        </p:nvSpPr>
+        <p:spPr>
+          <a:xfrm>
+            <a:off x="457200" y="1143000"/>
+            <a:ext cx="8229600" cy="4983163"/>
+          </a:xfrm>
+        </p:spPr>
+        <p:txBody>
+          <a:bodyPr/>
+          <a:lstStyle/>
+          <a:p>
+            <a:r>
+              <a:rPr lang="en-US" sz="2000" dirty="0" smtClean="0">
+                <a:solidFill>
+                  <a:srgbClr val="000000"/>
+                </a:solidFill>
+              </a:rPr>
+              <a:t>The mapping based on master ID can be done by setting the appropriate values of master ID and the masks in the Master ID to Class of Service Mapping registers:</a:t>
+            </a:r>
+          </a:p>
+          <a:p>
+            <a:pPr lvl="1"/>
+            <a:r>
+              <a:rPr lang="en-US" sz="2000" dirty="0" smtClean="0">
+                <a:solidFill>
+                  <a:srgbClr val="000000"/>
+                </a:solidFill>
+              </a:rPr>
+              <a:t>Master ID to Class-Of-Service Mapping 1 Register (offset: 104h)</a:t>
+            </a:r>
+          </a:p>
+          <a:p>
+            <a:pPr lvl="1"/>
+            <a:r>
+              <a:rPr lang="en-US" sz="2000" dirty="0" smtClean="0">
+                <a:solidFill>
+                  <a:srgbClr val="000000"/>
+                </a:solidFill>
+              </a:rPr>
+              <a:t>Master ID to Class-Of-Service Mapping 2 Register (offset: 108h)</a:t>
+            </a:r>
+          </a:p>
+          <a:p>
+            <a:r>
+              <a:rPr lang="en-US" sz="2000" dirty="0" smtClean="0">
+                <a:solidFill>
+                  <a:srgbClr val="000000"/>
+                </a:solidFill>
+              </a:rPr>
+              <a:t>There are three master ID and mask values that can be set for each class of service. In conjunction with the masks, each class of service can have a maximum of 144 master IDs mapped to it.</a:t>
+            </a:r>
+          </a:p>
+          <a:p>
+            <a:pPr lvl="1"/>
+            <a:r>
+              <a:rPr lang="en-US" sz="1800" dirty="0" smtClean="0">
+                <a:solidFill>
+                  <a:srgbClr val="000000"/>
+                </a:solidFill>
+              </a:rPr>
+              <a:t>For example, a master ID value of 0xFF along with a mask value of 0x3 will map all master IDs from 0xF8 to 0xFF to that particular class of service.</a:t>
+            </a:r>
+          </a:p>
+          <a:p>
+            <a:pPr lvl="1"/>
+            <a:r>
+              <a:rPr lang="en-US" sz="1800" dirty="0" smtClean="0">
+                <a:solidFill>
+                  <a:srgbClr val="000000"/>
+                </a:solidFill>
+              </a:rPr>
+              <a:t>By default all commands will be mapped to class of service 2.</a:t>
+            </a:r>
+          </a:p>
+          <a:p>
+            <a:r>
+              <a:rPr lang="en-US" sz="2000" dirty="0" smtClean="0">
+                <a:solidFill>
+                  <a:srgbClr val="000000"/>
+                </a:solidFill>
+              </a:rPr>
+              <a:t>Registers description is in the next slide</a:t>
+            </a:r>
+          </a:p>
+          <a:p>
+            <a:endParaRPr lang="en-US" sz="1200" dirty="0" smtClean="0">
+              <a:solidFill>
+                <a:srgbClr val="000000"/>
+              </a:solidFill>
+            </a:endParaRPr>
+          </a:p>
+          <a:p>
+            <a:endParaRPr lang="en-US" sz="1200" dirty="0" smtClean="0">
+              <a:solidFill>
+                <a:srgbClr val="000000"/>
+              </a:solidFill>
+            </a:endParaRPr>
+          </a:p>
+          <a:p>
+            <a:endParaRPr lang="en-US" sz="1200" dirty="0" smtClean="0">
+              <a:solidFill>
+                <a:srgbClr val="000000"/>
+              </a:solidFill>
+            </a:endParaRPr>
+          </a:p>
+          <a:p>
+            <a:endParaRPr lang="en-US" sz="1200" dirty="0" smtClean="0">
+              <a:solidFill>
+                <a:srgbClr val="000000"/>
+              </a:solidFill>
+            </a:endParaRPr>
+          </a:p>
+          <a:p>
+            <a:endParaRPr lang="en-US" sz="1200" dirty="0" smtClean="0">
+              <a:solidFill>
+                <a:srgbClr val="000000"/>
+              </a:solidFill>
+            </a:endParaRPr>
+          </a:p>
+          <a:p>
+            <a:endParaRPr lang="en-US" sz="1200" dirty="0" smtClean="0">
+              <a:solidFill>
+                <a:srgbClr val="000000"/>
+              </a:solidFill>
+            </a:endParaRPr>
+          </a:p>
+          <a:p>
+            <a:endParaRPr lang="en-US" sz="1200" dirty="0" smtClean="0">
+              <a:solidFill>
+                <a:srgbClr val="000000"/>
+              </a:solidFill>
+            </a:endParaRPr>
+          </a:p>
+          <a:p>
+            <a:endParaRPr lang="en-US" dirty="0" smtClean="0"/>
+          </a:p>
+        </p:txBody>
+      </p:sp>
+      <p:sp>
+        <p:nvSpPr>
+          <p:cNvPr id="4" name="Slide Number Placeholder 3"/>
+          <p:cNvSpPr>
+            <a:spLocks noGrp="1"/>
+          </p:cNvSpPr>
+          <p:nvPr>
+            <p:ph type="sldNum" sz="quarter" idx="10"/>
+          </p:nvPr>
+        </p:nvSpPr>
+        <p:spPr>
+          <a:extLst>
+            <a:ext uri="{909E8E84-426E-40DD-AFC4-6F175D3DCCD1}">
+              <a14:hiddenFill xmlns="" xmlns:a14="http://schemas.microsoft.com/office/drawing/2010/main">
+                <a:solidFill>
+                  <a:schemeClr val="accent1"/>
+                </a:solidFill>
+              </a14:hiddenFill>
+            </a:ext>
+            <a:ext uri="{91240B29-F687-4F45-9708-019B960494DF}">
+              <a14:hiddenLine xmlns="" xmlns:a14="http://schemas.microsoft.com/office/drawing/2010/main" w="9525">
+                <a:solidFill>
+                  <a:schemeClr val="tx1"/>
+                </a:solidFill>
+                <a:miter lim="800000"/>
+                <a:headEnd/>
+                <a:tailEnd/>
+              </a14:hiddenLine>
+            </a:ext>
+            <a:ext uri="{AF507438-7753-43E0-B8FC-AC1667EBCBE1}">
+              <a14:hiddenEffects xmlns="" xmlns:a14="http://schemas.microsoft.com/office/drawing/2010/main">
+                <a:effectLst>
+                  <a:outerShdw dist="35921" dir="2700000" algn="ctr" rotWithShape="0">
+                    <a:schemeClr val="bg2"/>
+                  </a:outerShdw>
+                </a:effectLst>
+              </a14:hiddenEffects>
+            </a:ext>
+          </a:extLst>
+        </p:spPr>
+        <p:txBody>
+          <a:bodyPr/>
+          <a:lstStyle/>
+          <a:p>
+            <a:pPr>
+              <a:defRPr/>
+            </a:pPr>
             <a:fld id="{E5B56877-6032-41C7-8901-8F38814A0F5D}" type="slidenum">
               <a:rPr lang="en-US" smtClean="0"/>
               <a:pPr>
                 <a:defRPr/>
               </a:pPr>
-              <a:t>40</a:t>
+              <a:t>44</a:t>
+            </a:fld>
+            <a:endParaRPr lang="en-US" dirty="0"/>
+          </a:p>
+        </p:txBody>
+      </p:sp>
+    </p:spTree>
+  </p:cSld>
+  <p:clrMapOvr>
+    <a:masterClrMapping/>
+  </p:clrMapOvr>
+</p:sld>
+</file>
+
+<file path=ppt/slides/slide45.xml><?xml version="1.0" encoding="utf-8"?>
+<p:sld xmlns:a="http://schemas.openxmlformats.org/drawingml/2006/main" xmlns:r="http://schemas.openxmlformats.org/officeDocument/2006/relationships" xmlns:p="http://schemas.openxmlformats.org/presentationml/2006/main">
+  <p:cSld>
+    <p:spTree>
+      <p:nvGrpSpPr>
+        <p:cNvPr id="1" name=""/>
+        <p:cNvGrpSpPr/>
+        <p:nvPr/>
+      </p:nvGrpSpPr>
+      <p:grpSpPr>
+        <a:xfrm>
+          <a:off x="0" y="0"/>
+          <a:ext cx="0" cy="0"/>
+          <a:chOff x="0" y="0"/>
+          <a:chExt cx="0" cy="0"/>
+        </a:xfrm>
+      </p:grpSpPr>
+      <p:sp>
+        <p:nvSpPr>
+          <p:cNvPr id="54274" name="Title 1"/>
+          <p:cNvSpPr>
+            <a:spLocks noGrp="1"/>
+          </p:cNvSpPr>
+          <p:nvPr>
+            <p:ph type="title"/>
+          </p:nvPr>
+        </p:nvSpPr>
+        <p:spPr>
+          <a:xfrm>
+            <a:off x="457200" y="274638"/>
+            <a:ext cx="8229600" cy="868362"/>
+          </a:xfrm>
+        </p:spPr>
+        <p:txBody>
+          <a:bodyPr>
+            <a:normAutofit fontScale="90000"/>
+          </a:bodyPr>
+          <a:lstStyle/>
+          <a:p>
+            <a:r>
+              <a:rPr lang="en-US" sz="4000" dirty="0" smtClean="0"/>
+              <a:t>DDR3 Memory Controller Interface:</a:t>
+            </a:r>
+            <a:br>
+              <a:rPr lang="en-US" sz="4000" dirty="0" smtClean="0"/>
+            </a:br>
+            <a:r>
+              <a:rPr lang="en-US" dirty="0" smtClean="0"/>
+              <a:t>CoS Mapping Registers</a:t>
+            </a:r>
+          </a:p>
+        </p:txBody>
+      </p:sp>
+      <p:sp>
+        <p:nvSpPr>
+          <p:cNvPr id="4" name="Slide Number Placeholder 3"/>
+          <p:cNvSpPr>
+            <a:spLocks noGrp="1"/>
+          </p:cNvSpPr>
+          <p:nvPr>
+            <p:ph type="sldNum" sz="quarter" idx="10"/>
+          </p:nvPr>
+        </p:nvSpPr>
+        <p:spPr>
+          <a:extLst>
+            <a:ext uri="{909E8E84-426E-40DD-AFC4-6F175D3DCCD1}">
+              <a14:hiddenFill xmlns="" xmlns:a14="http://schemas.microsoft.com/office/drawing/2010/main">
+                <a:solidFill>
+                  <a:schemeClr val="accent1"/>
+                </a:solidFill>
+              </a14:hiddenFill>
+            </a:ext>
+            <a:ext uri="{91240B29-F687-4F45-9708-019B960494DF}">
+              <a14:hiddenLine xmlns="" xmlns:a14="http://schemas.microsoft.com/office/drawing/2010/main" w="9525">
+                <a:solidFill>
+                  <a:schemeClr val="tx1"/>
+                </a:solidFill>
+                <a:miter lim="800000"/>
+                <a:headEnd/>
+                <a:tailEnd/>
+              </a14:hiddenLine>
+            </a:ext>
+            <a:ext uri="{AF507438-7753-43E0-B8FC-AC1667EBCBE1}">
+              <a14:hiddenEffects xmlns="" xmlns:a14="http://schemas.microsoft.com/office/drawing/2010/main">
+                <a:effectLst>
+                  <a:outerShdw dist="35921" dir="2700000" algn="ctr" rotWithShape="0">
+                    <a:schemeClr val="bg2"/>
+                  </a:outerShdw>
+                </a:effectLst>
+              </a14:hiddenEffects>
+            </a:ext>
+          </a:extLst>
+        </p:spPr>
+        <p:txBody>
+          <a:bodyPr/>
+          <a:lstStyle/>
+          <a:p>
+            <a:pPr>
+              <a:defRPr/>
+            </a:pPr>
+            <a:fld id="{E5B56877-6032-41C7-8901-8F38814A0F5D}" type="slidenum">
+              <a:rPr lang="en-US" smtClean="0"/>
+              <a:pPr>
+                <a:defRPr/>
+              </a:pPr>
+              <a:t>45</a:t>
             </a:fld>
             <a:endParaRPr lang="en-US" dirty="0"/>
           </a:p>
@@ -13405,7 +14362,7 @@
 </p:sld>
 </file>
 
-<file path=ppt/slides/slide41.xml><?xml version="1.0" encoding="utf-8"?>
+<file path=ppt/slides/slide46.xml><?xml version="1.0" encoding="utf-8"?>
 <p:sld xmlns:a="http://schemas.openxmlformats.org/drawingml/2006/main" xmlns:r="http://schemas.openxmlformats.org/officeDocument/2006/relationships" xmlns:p="http://schemas.openxmlformats.org/presentationml/2006/main">
   <p:cSld>
     <p:spTree>
@@ -13452,12 +14409,8 @@
               <a:rPr lang="en-US" sz="3600" dirty="0" smtClean="0"/>
             </a:br>
             <a:r>
-              <a:rPr lang="en-US" sz="3600" dirty="0" err="1" smtClean="0"/>
-              <a:t>CoS</a:t>
-            </a:r>
-            <a:r>
               <a:rPr lang="en-US" sz="3600" dirty="0" smtClean="0"/>
-              <a:t> Latency</a:t>
+              <a:t>CoS Latency</a:t>
             </a:r>
           </a:p>
         </p:txBody>
@@ -13629,14 +14582,14 @@
         <p:spPr>
           <a:extLst>
             <a:ext uri="{909E8E84-426E-40DD-AFC4-6F175D3DCCD1}">
-              <a14:hiddenFill xmlns:a14="http://schemas.microsoft.com/office/drawing/2010/main" xmlns="">
+              <a14:hiddenFill xmlns="" xmlns:a14="http://schemas.microsoft.com/office/drawing/2010/main">
                 <a:solidFill>
                   <a:schemeClr val="accent1"/>
                 </a:solidFill>
               </a14:hiddenFill>
             </a:ext>
             <a:ext uri="{91240B29-F687-4F45-9708-019B960494DF}">
-              <a14:hiddenLine xmlns:a14="http://schemas.microsoft.com/office/drawing/2010/main" xmlns="" w="9525">
+              <a14:hiddenLine xmlns="" xmlns:a14="http://schemas.microsoft.com/office/drawing/2010/main" w="9525">
                 <a:solidFill>
                   <a:schemeClr val="tx1"/>
                 </a:solidFill>
@@ -13646,7 +14599,7 @@
               </a14:hiddenLine>
             </a:ext>
             <a:ext uri="{AF507438-7753-43E0-B8FC-AC1667EBCBE1}">
-              <a14:hiddenEffects xmlns:a14="http://schemas.microsoft.com/office/drawing/2010/main" xmlns="">
+              <a14:hiddenEffects xmlns="" xmlns:a14="http://schemas.microsoft.com/office/drawing/2010/main">
                 <a:effectLst>
                   <a:outerShdw dist="35921" dir="2700000" algn="ctr" rotWithShape="0">
                     <a:schemeClr val="bg2"/>
@@ -13668,7 +14621,7 @@
               <a:pPr>
                 <a:defRPr/>
               </a:pPr>
-              <a:t>41</a:t>
+              <a:t>46</a:t>
             </a:fld>
             <a:endParaRPr lang="en-US" dirty="0"/>
           </a:p>
@@ -13682,7 +14635,7 @@
 </p:sld>
 </file>
 
-<file path=ppt/slides/slide42.xml><?xml version="1.0" encoding="utf-8"?>
+<file path=ppt/slides/slide47.xml><?xml version="1.0" encoding="utf-8"?>
 <p:sld xmlns:a="http://schemas.openxmlformats.org/drawingml/2006/main" xmlns:r="http://schemas.openxmlformats.org/officeDocument/2006/relationships" xmlns:p="http://schemas.openxmlformats.org/presentationml/2006/main">
   <p:cSld>
     <p:spTree>
@@ -13729,12 +14682,8 @@
               <a:rPr lang="en-US" sz="3600" dirty="0" smtClean="0"/>
             </a:br>
             <a:r>
-              <a:rPr lang="en-US" sz="3600" dirty="0" err="1" smtClean="0"/>
-              <a:t>CoS</a:t>
-            </a:r>
-            <a:r>
               <a:rPr lang="en-US" sz="3600" dirty="0" smtClean="0"/>
-              <a:t> Latency Register</a:t>
+              <a:t>CoS Latency Register</a:t>
             </a:r>
           </a:p>
         </p:txBody>
@@ -13752,14 +14701,14 @@
         <p:spPr>
           <a:extLst>
             <a:ext uri="{909E8E84-426E-40DD-AFC4-6F175D3DCCD1}">
-              <a14:hiddenFill xmlns:a14="http://schemas.microsoft.com/office/drawing/2010/main" xmlns="">
+              <a14:hiddenFill xmlns="" xmlns:a14="http://schemas.microsoft.com/office/drawing/2010/main">
                 <a:solidFill>
                   <a:schemeClr val="accent1"/>
                 </a:solidFill>
               </a14:hiddenFill>
             </a:ext>
             <a:ext uri="{91240B29-F687-4F45-9708-019B960494DF}">
-              <a14:hiddenLine xmlns:a14="http://schemas.microsoft.com/office/drawing/2010/main" xmlns="" w="9525">
+              <a14:hiddenLine xmlns="" xmlns:a14="http://schemas.microsoft.com/office/drawing/2010/main" w="9525">
                 <a:solidFill>
                   <a:schemeClr val="tx1"/>
                 </a:solidFill>
@@ -13769,7 +14718,7 @@
               </a14:hiddenLine>
             </a:ext>
             <a:ext uri="{AF507438-7753-43E0-B8FC-AC1667EBCBE1}">
-              <a14:hiddenEffects xmlns:a14="http://schemas.microsoft.com/office/drawing/2010/main" xmlns="">
+              <a14:hiddenEffects xmlns="" xmlns:a14="http://schemas.microsoft.com/office/drawing/2010/main">
                 <a:effectLst>
                   <a:outerShdw dist="35921" dir="2700000" algn="ctr" rotWithShape="0">
                     <a:schemeClr val="bg2"/>
@@ -13791,7 +14740,7 @@
               <a:pPr>
                 <a:defRPr/>
               </a:pPr>
-              <a:t>42</a:t>
+              <a:t>47</a:t>
             </a:fld>
             <a:endParaRPr lang="en-US" dirty="0"/>
           </a:p>
@@ -13837,660 +14786,6 @@
 </p:sld>
 </file>
 
-<file path=ppt/slides/slide43.xml><?xml version="1.0" encoding="utf-8"?>
-<p:sld xmlns:a="http://schemas.openxmlformats.org/drawingml/2006/main" xmlns:r="http://schemas.openxmlformats.org/officeDocument/2006/relationships" xmlns:p="http://schemas.openxmlformats.org/presentationml/2006/main">
-  <p:cSld>
-    <p:spTree>
-      <p:nvGrpSpPr>
-        <p:cNvPr id="1" name=""/>
-        <p:cNvGrpSpPr/>
-        <p:nvPr/>
-      </p:nvGrpSpPr>
-      <p:grpSpPr>
-        <a:xfrm>
-          <a:off x="0" y="0"/>
-          <a:ext cx="0" cy="0"/>
-          <a:chOff x="0" y="0"/>
-          <a:chExt cx="0" cy="0"/>
-        </a:xfrm>
-      </p:grpSpPr>
-      <p:sp>
-        <p:nvSpPr>
-          <p:cNvPr id="57346" name="Title 1"/>
-          <p:cNvSpPr>
-            <a:spLocks noGrp="1"/>
-          </p:cNvSpPr>
-          <p:nvPr>
-            <p:ph type="title"/>
-          </p:nvPr>
-        </p:nvSpPr>
-        <p:spPr/>
-        <p:txBody>
-          <a:bodyPr>
-            <a:normAutofit/>
-          </a:bodyPr>
-          <a:lstStyle/>
-          <a:p>
-            <a:r>
-              <a:rPr lang="en-US" sz="3600" dirty="0" smtClean="0"/>
-              <a:t>Priority of Other Masters</a:t>
-            </a:r>
-          </a:p>
-        </p:txBody>
-      </p:sp>
-      <p:sp>
-        <p:nvSpPr>
-          <p:cNvPr id="3" name="Content Placeholder 2"/>
-          <p:cNvSpPr>
-            <a:spLocks noGrp="1"/>
-          </p:cNvSpPr>
-          <p:nvPr>
-            <p:ph idx="1"/>
-          </p:nvPr>
-        </p:nvSpPr>
-        <p:spPr>
-          <a:xfrm>
-            <a:off x="457200" y="1600201"/>
-            <a:ext cx="8229600" cy="3048000"/>
-          </a:xfrm>
-        </p:spPr>
-        <p:txBody>
-          <a:bodyPr>
-            <a:normAutofit/>
-          </a:bodyPr>
-          <a:lstStyle/>
-          <a:p>
-            <a:pPr>
-              <a:defRPr/>
-            </a:pPr>
-            <a:r>
-              <a:rPr lang="en-US" dirty="0" smtClean="0">
-                <a:solidFill>
-                  <a:srgbClr val="000000"/>
-                </a:solidFill>
-              </a:rPr>
-              <a:t>Other masters configure the bus priority internally to the master</a:t>
-            </a:r>
-          </a:p>
-          <a:p>
-            <a:pPr>
-              <a:defRPr/>
-            </a:pPr>
-            <a:r>
-              <a:rPr lang="en-US" dirty="0" smtClean="0">
-                <a:solidFill>
-                  <a:srgbClr val="000000"/>
-                </a:solidFill>
-              </a:rPr>
-              <a:t>The next few slides shows where to set the priority of each </a:t>
-            </a:r>
-            <a:r>
-              <a:rPr lang="en-US" dirty="0" smtClean="0">
-                <a:solidFill>
-                  <a:srgbClr val="000000"/>
-                </a:solidFill>
-              </a:rPr>
-              <a:t>master:</a:t>
-            </a:r>
-          </a:p>
-          <a:p>
-            <a:pPr lvl="1">
-              <a:defRPr/>
-            </a:pPr>
-            <a:r>
-              <a:rPr lang="en-US" dirty="0" smtClean="0">
-                <a:solidFill>
-                  <a:srgbClr val="000000"/>
-                </a:solidFill>
-              </a:rPr>
-              <a:t>HyperLink</a:t>
-            </a:r>
-          </a:p>
-          <a:p>
-            <a:pPr lvl="1">
-              <a:defRPr/>
-            </a:pPr>
-            <a:r>
-              <a:rPr lang="en-US" dirty="0" smtClean="0">
-                <a:solidFill>
-                  <a:srgbClr val="000000"/>
-                </a:solidFill>
-              </a:rPr>
-              <a:t>PCIe</a:t>
-            </a:r>
-          </a:p>
-          <a:p>
-            <a:pPr lvl="1">
-              <a:defRPr/>
-            </a:pPr>
-            <a:r>
-              <a:rPr lang="en-US" dirty="0" smtClean="0">
-                <a:solidFill>
-                  <a:srgbClr val="000000"/>
-                </a:solidFill>
-              </a:rPr>
-              <a:t>SRIO</a:t>
-            </a:r>
-            <a:endParaRPr lang="en-US" dirty="0" smtClean="0">
-              <a:solidFill>
-                <a:srgbClr val="000000"/>
-              </a:solidFill>
-            </a:endParaRPr>
-          </a:p>
-        </p:txBody>
-      </p:sp>
-      <p:sp>
-        <p:nvSpPr>
-          <p:cNvPr id="4" name="Slide Number Placeholder 3"/>
-          <p:cNvSpPr>
-            <a:spLocks noGrp="1"/>
-          </p:cNvSpPr>
-          <p:nvPr>
-            <p:ph type="sldNum" sz="quarter" idx="10"/>
-          </p:nvPr>
-        </p:nvSpPr>
-        <p:spPr>
-          <a:extLst>
-            <a:ext uri="{909E8E84-426E-40DD-AFC4-6F175D3DCCD1}">
-              <a14:hiddenFill xmlns:a14="http://schemas.microsoft.com/office/drawing/2010/main" xmlns="">
-                <a:solidFill>
-                  <a:schemeClr val="accent1"/>
-                </a:solidFill>
-              </a14:hiddenFill>
-            </a:ext>
-            <a:ext uri="{91240B29-F687-4F45-9708-019B960494DF}">
-              <a14:hiddenLine xmlns:a14="http://schemas.microsoft.com/office/drawing/2010/main" xmlns="" w="9525">
-                <a:solidFill>
-                  <a:schemeClr val="tx1"/>
-                </a:solidFill>
-                <a:miter lim="800000"/>
-                <a:headEnd/>
-                <a:tailEnd/>
-              </a14:hiddenLine>
-            </a:ext>
-            <a:ext uri="{AF507438-7753-43E0-B8FC-AC1667EBCBE1}">
-              <a14:hiddenEffects xmlns:a14="http://schemas.microsoft.com/office/drawing/2010/main" xmlns="">
-                <a:effectLst>
-                  <a:outerShdw dist="35921" dir="2700000" algn="ctr" rotWithShape="0">
-                    <a:schemeClr val="bg2"/>
-                  </a:outerShdw>
-                </a:effectLst>
-              </a14:hiddenEffects>
-            </a:ext>
-          </a:extLst>
-        </p:spPr>
-        <p:txBody>
-          <a:bodyPr/>
-          <a:lstStyle/>
-          <a:p>
-            <a:pPr>
-              <a:defRPr/>
-            </a:pPr>
-            <a:fld id="{5BB740EC-6C72-487B-BB4A-1C54A5114A84}" type="slidenum">
-              <a:rPr lang="en-US" smtClean="0"/>
-              <a:pPr>
-                <a:defRPr/>
-              </a:pPr>
-              <a:t>43</a:t>
-            </a:fld>
-            <a:endParaRPr lang="en-US" dirty="0"/>
-          </a:p>
-        </p:txBody>
-      </p:sp>
-    </p:spTree>
-  </p:cSld>
-  <p:clrMapOvr>
-    <a:masterClrMapping/>
-  </p:clrMapOvr>
-</p:sld>
-</file>
-
-<file path=ppt/slides/slide44.xml><?xml version="1.0" encoding="utf-8"?>
-<p:sld xmlns:a="http://schemas.openxmlformats.org/drawingml/2006/main" xmlns:r="http://schemas.openxmlformats.org/officeDocument/2006/relationships" xmlns:p="http://schemas.openxmlformats.org/presentationml/2006/main">
-  <p:cSld>
-    <p:spTree>
-      <p:nvGrpSpPr>
-        <p:cNvPr id="1" name=""/>
-        <p:cNvGrpSpPr/>
-        <p:nvPr/>
-      </p:nvGrpSpPr>
-      <p:grpSpPr>
-        <a:xfrm>
-          <a:off x="0" y="0"/>
-          <a:ext cx="0" cy="0"/>
-          <a:chOff x="0" y="0"/>
-          <a:chExt cx="0" cy="0"/>
-        </a:xfrm>
-      </p:grpSpPr>
-      <p:sp>
-        <p:nvSpPr>
-          <p:cNvPr id="2" name="Title 1"/>
-          <p:cNvSpPr>
-            <a:spLocks noGrp="1"/>
-          </p:cNvSpPr>
-          <p:nvPr>
-            <p:ph type="title"/>
-          </p:nvPr>
-        </p:nvSpPr>
-        <p:spPr>
-          <a:xfrm>
-            <a:off x="457200" y="274638"/>
-            <a:ext cx="8229600" cy="639762"/>
-          </a:xfrm>
-        </p:spPr>
-        <p:txBody>
-          <a:bodyPr>
-            <a:noAutofit/>
-          </a:bodyPr>
-          <a:lstStyle/>
-          <a:p>
-            <a:r>
-              <a:rPr lang="en-US" sz="3600" dirty="0" smtClean="0"/>
-              <a:t>Hyperlink Priority Register</a:t>
-            </a:r>
-            <a:endParaRPr lang="en-US" sz="3600" dirty="0"/>
-          </a:p>
-        </p:txBody>
-      </p:sp>
-      <p:pic>
-        <p:nvPicPr>
-          <p:cNvPr id="17410" name="Picture 2"/>
-          <p:cNvPicPr>
-            <a:picLocks noGrp="1" noChangeAspect="1" noChangeArrowheads="1"/>
-          </p:cNvPicPr>
-          <p:nvPr>
-            <p:ph idx="1"/>
-          </p:nvPr>
-        </p:nvPicPr>
-        <p:blipFill>
-          <a:blip r:embed="rId2" cstate="print"/>
-          <a:srcRect b="5517"/>
-          <a:stretch>
-            <a:fillRect/>
-          </a:stretch>
-        </p:blipFill>
-        <p:spPr bwMode="auto">
-          <a:xfrm>
-            <a:off x="504825" y="1641475"/>
-            <a:ext cx="8162925" cy="3131833"/>
-          </a:xfrm>
-          <a:prstGeom prst="rect">
-            <a:avLst/>
-          </a:prstGeom>
-          <a:noFill/>
-          <a:ln w="9525">
-            <a:noFill/>
-            <a:miter lim="800000"/>
-            <a:headEnd/>
-            <a:tailEnd/>
-          </a:ln>
-        </p:spPr>
-      </p:pic>
-      <p:sp>
-        <p:nvSpPr>
-          <p:cNvPr id="4" name="Slide Number Placeholder 3"/>
-          <p:cNvSpPr>
-            <a:spLocks noGrp="1"/>
-          </p:cNvSpPr>
-          <p:nvPr>
-            <p:ph type="sldNum" sz="quarter" idx="10"/>
-          </p:nvPr>
-        </p:nvSpPr>
-        <p:spPr/>
-        <p:txBody>
-          <a:bodyPr/>
-          <a:lstStyle/>
-          <a:p>
-            <a:fld id="{3B20521C-F793-4067-BB07-C7AF74E21EF3}" type="slidenum">
-              <a:rPr lang="en-US" smtClean="0"/>
-              <a:pPr/>
-              <a:t>44</a:t>
-            </a:fld>
-            <a:endParaRPr lang="en-US"/>
-          </a:p>
-        </p:txBody>
-      </p:sp>
-    </p:spTree>
-  </p:cSld>
-  <p:clrMapOvr>
-    <a:masterClrMapping/>
-  </p:clrMapOvr>
-</p:sld>
-</file>
-
-<file path=ppt/slides/slide45.xml><?xml version="1.0" encoding="utf-8"?>
-<p:sld xmlns:a="http://schemas.openxmlformats.org/drawingml/2006/main" xmlns:r="http://schemas.openxmlformats.org/officeDocument/2006/relationships" xmlns:p="http://schemas.openxmlformats.org/presentationml/2006/main">
-  <p:cSld>
-    <p:spTree>
-      <p:nvGrpSpPr>
-        <p:cNvPr id="1" name=""/>
-        <p:cNvGrpSpPr/>
-        <p:nvPr/>
-      </p:nvGrpSpPr>
-      <p:grpSpPr>
-        <a:xfrm>
-          <a:off x="0" y="0"/>
-          <a:ext cx="0" cy="0"/>
-          <a:chOff x="0" y="0"/>
-          <a:chExt cx="0" cy="0"/>
-        </a:xfrm>
-      </p:grpSpPr>
-      <p:sp>
-        <p:nvSpPr>
-          <p:cNvPr id="2" name="Title 1"/>
-          <p:cNvSpPr>
-            <a:spLocks noGrp="1"/>
-          </p:cNvSpPr>
-          <p:nvPr>
-            <p:ph type="title"/>
-          </p:nvPr>
-        </p:nvSpPr>
-        <p:spPr>
-          <a:xfrm>
-            <a:off x="457200" y="274638"/>
-            <a:ext cx="8229600" cy="639762"/>
-          </a:xfrm>
-        </p:spPr>
-        <p:txBody>
-          <a:bodyPr>
-            <a:noAutofit/>
-          </a:bodyPr>
-          <a:lstStyle/>
-          <a:p>
-            <a:r>
-              <a:rPr lang="en-US" sz="3600" dirty="0" smtClean="0"/>
-              <a:t>Hyperlink Priority Register</a:t>
-            </a:r>
-            <a:endParaRPr lang="en-US" sz="3600" dirty="0"/>
-          </a:p>
-        </p:txBody>
-      </p:sp>
-      <p:pic>
-        <p:nvPicPr>
-          <p:cNvPr id="18434" name="Picture 2"/>
-          <p:cNvPicPr>
-            <a:picLocks noChangeAspect="1" noChangeArrowheads="1"/>
-          </p:cNvPicPr>
-          <p:nvPr/>
-        </p:nvPicPr>
-        <p:blipFill>
-          <a:blip r:embed="rId2" cstate="print"/>
-          <a:srcRect b="4424"/>
-          <a:stretch>
-            <a:fillRect/>
-          </a:stretch>
-        </p:blipFill>
-        <p:spPr bwMode="auto">
-          <a:xfrm>
-            <a:off x="762000" y="923928"/>
-            <a:ext cx="7591425" cy="5213437"/>
-          </a:xfrm>
-          <a:prstGeom prst="rect">
-            <a:avLst/>
-          </a:prstGeom>
-          <a:noFill/>
-          <a:ln w="9525">
-            <a:noFill/>
-            <a:miter lim="800000"/>
-            <a:headEnd/>
-            <a:tailEnd/>
-          </a:ln>
-        </p:spPr>
-      </p:pic>
-      <p:sp>
-        <p:nvSpPr>
-          <p:cNvPr id="4" name="Slide Number Placeholder 3"/>
-          <p:cNvSpPr>
-            <a:spLocks noGrp="1"/>
-          </p:cNvSpPr>
-          <p:nvPr>
-            <p:ph type="sldNum" sz="quarter" idx="10"/>
-          </p:nvPr>
-        </p:nvSpPr>
-        <p:spPr/>
-        <p:txBody>
-          <a:bodyPr/>
-          <a:lstStyle/>
-          <a:p>
-            <a:fld id="{3B20521C-F793-4067-BB07-C7AF74E21EF3}" type="slidenum">
-              <a:rPr lang="en-US" smtClean="0"/>
-              <a:pPr/>
-              <a:t>45</a:t>
-            </a:fld>
-            <a:endParaRPr lang="en-US"/>
-          </a:p>
-        </p:txBody>
-      </p:sp>
-    </p:spTree>
-  </p:cSld>
-  <p:clrMapOvr>
-    <a:masterClrMapping/>
-  </p:clrMapOvr>
-</p:sld>
-</file>
-
-<file path=ppt/slides/slide46.xml><?xml version="1.0" encoding="utf-8"?>
-<p:sld xmlns:a="http://schemas.openxmlformats.org/drawingml/2006/main" xmlns:r="http://schemas.openxmlformats.org/officeDocument/2006/relationships" xmlns:p="http://schemas.openxmlformats.org/presentationml/2006/main">
-  <p:cSld>
-    <p:spTree>
-      <p:nvGrpSpPr>
-        <p:cNvPr id="1" name=""/>
-        <p:cNvGrpSpPr/>
-        <p:nvPr/>
-      </p:nvGrpSpPr>
-      <p:grpSpPr>
-        <a:xfrm>
-          <a:off x="0" y="0"/>
-          <a:ext cx="0" cy="0"/>
-          <a:chOff x="0" y="0"/>
-          <a:chExt cx="0" cy="0"/>
-        </a:xfrm>
-      </p:grpSpPr>
-      <p:sp>
-        <p:nvSpPr>
-          <p:cNvPr id="2" name="Title 1"/>
-          <p:cNvSpPr>
-            <a:spLocks noGrp="1"/>
-          </p:cNvSpPr>
-          <p:nvPr>
-            <p:ph type="title"/>
-          </p:nvPr>
-        </p:nvSpPr>
-        <p:spPr>
-          <a:xfrm>
-            <a:off x="457200" y="274638"/>
-            <a:ext cx="8229600" cy="639762"/>
-          </a:xfrm>
-        </p:spPr>
-        <p:txBody>
-          <a:bodyPr>
-            <a:noAutofit/>
-          </a:bodyPr>
-          <a:lstStyle/>
-          <a:p>
-            <a:r>
-              <a:rPr lang="en-US" sz="3600" dirty="0" smtClean="0"/>
-              <a:t>PCIe Priority Register</a:t>
-            </a:r>
-            <a:endParaRPr lang="en-US" sz="3600" dirty="0"/>
-          </a:p>
-        </p:txBody>
-      </p:sp>
-      <p:pic>
-        <p:nvPicPr>
-          <p:cNvPr id="19458" name="Picture 2"/>
-          <p:cNvPicPr>
-            <a:picLocks noChangeAspect="1" noChangeArrowheads="1"/>
-          </p:cNvPicPr>
-          <p:nvPr/>
-        </p:nvPicPr>
-        <p:blipFill>
-          <a:blip r:embed="rId2" cstate="print"/>
-          <a:srcRect l="3137" t="8636" r="3137" b="6189"/>
-          <a:stretch>
-            <a:fillRect/>
-          </a:stretch>
-        </p:blipFill>
-        <p:spPr bwMode="auto">
-          <a:xfrm>
-            <a:off x="840007" y="1097320"/>
-            <a:ext cx="7454457" cy="4922039"/>
-          </a:xfrm>
-          <a:prstGeom prst="rect">
-            <a:avLst/>
-          </a:prstGeom>
-          <a:noFill/>
-          <a:ln w="9525">
-            <a:noFill/>
-            <a:miter lim="800000"/>
-            <a:headEnd/>
-            <a:tailEnd/>
-          </a:ln>
-        </p:spPr>
-      </p:pic>
-      <p:sp>
-        <p:nvSpPr>
-          <p:cNvPr id="4" name="Slide Number Placeholder 3"/>
-          <p:cNvSpPr>
-            <a:spLocks noGrp="1"/>
-          </p:cNvSpPr>
-          <p:nvPr>
-            <p:ph type="sldNum" sz="quarter" idx="10"/>
-          </p:nvPr>
-        </p:nvSpPr>
-        <p:spPr/>
-        <p:txBody>
-          <a:bodyPr/>
-          <a:lstStyle/>
-          <a:p>
-            <a:fld id="{3B20521C-F793-4067-BB07-C7AF74E21EF3}" type="slidenum">
-              <a:rPr lang="en-US" smtClean="0"/>
-              <a:pPr/>
-              <a:t>46</a:t>
-            </a:fld>
-            <a:endParaRPr lang="en-US"/>
-          </a:p>
-        </p:txBody>
-      </p:sp>
-    </p:spTree>
-  </p:cSld>
-  <p:clrMapOvr>
-    <a:masterClrMapping/>
-  </p:clrMapOvr>
-</p:sld>
-</file>
-
-<file path=ppt/slides/slide47.xml><?xml version="1.0" encoding="utf-8"?>
-<p:sld xmlns:a="http://schemas.openxmlformats.org/drawingml/2006/main" xmlns:r="http://schemas.openxmlformats.org/officeDocument/2006/relationships" xmlns:p="http://schemas.openxmlformats.org/presentationml/2006/main">
-  <p:cSld>
-    <p:spTree>
-      <p:nvGrpSpPr>
-        <p:cNvPr id="1" name=""/>
-        <p:cNvGrpSpPr/>
-        <p:nvPr/>
-      </p:nvGrpSpPr>
-      <p:grpSpPr>
-        <a:xfrm>
-          <a:off x="0" y="0"/>
-          <a:ext cx="0" cy="0"/>
-          <a:chOff x="0" y="0"/>
-          <a:chExt cx="0" cy="0"/>
-        </a:xfrm>
-      </p:grpSpPr>
-      <p:sp>
-        <p:nvSpPr>
-          <p:cNvPr id="2" name="Title 1"/>
-          <p:cNvSpPr>
-            <a:spLocks noGrp="1"/>
-          </p:cNvSpPr>
-          <p:nvPr>
-            <p:ph type="title"/>
-          </p:nvPr>
-        </p:nvSpPr>
-        <p:spPr>
-          <a:xfrm>
-            <a:off x="457200" y="274638"/>
-            <a:ext cx="8229600" cy="639762"/>
-          </a:xfrm>
-        </p:spPr>
-        <p:txBody>
-          <a:bodyPr>
-            <a:noAutofit/>
-          </a:bodyPr>
-          <a:lstStyle/>
-          <a:p>
-            <a:r>
-              <a:rPr lang="en-US" sz="3600" dirty="0" smtClean="0"/>
-              <a:t>SRIO Priority Register  (1/3)</a:t>
-            </a:r>
-            <a:endParaRPr lang="en-US" sz="3600" dirty="0"/>
-          </a:p>
-        </p:txBody>
-      </p:sp>
-      <p:pic>
-        <p:nvPicPr>
-          <p:cNvPr id="20482" name="Picture 2"/>
-          <p:cNvPicPr>
-            <a:picLocks noChangeAspect="1" noChangeArrowheads="1"/>
-          </p:cNvPicPr>
-          <p:nvPr/>
-        </p:nvPicPr>
-        <p:blipFill>
-          <a:blip r:embed="rId2" cstate="print"/>
-          <a:srcRect/>
-          <a:stretch>
-            <a:fillRect/>
-          </a:stretch>
-        </p:blipFill>
-        <p:spPr bwMode="auto">
-          <a:xfrm>
-            <a:off x="171450" y="1676400"/>
-            <a:ext cx="8801100" cy="3505200"/>
-          </a:xfrm>
-          <a:prstGeom prst="rect">
-            <a:avLst/>
-          </a:prstGeom>
-          <a:noFill/>
-          <a:ln w="9525">
-            <a:noFill/>
-            <a:miter lim="800000"/>
-            <a:headEnd/>
-            <a:tailEnd/>
-          </a:ln>
-        </p:spPr>
-      </p:pic>
-      <p:sp>
-        <p:nvSpPr>
-          <p:cNvPr id="4" name="Slide Number Placeholder 3"/>
-          <p:cNvSpPr>
-            <a:spLocks noGrp="1"/>
-          </p:cNvSpPr>
-          <p:nvPr>
-            <p:ph type="sldNum" sz="quarter" idx="10"/>
-          </p:nvPr>
-        </p:nvSpPr>
-        <p:spPr/>
-        <p:txBody>
-          <a:bodyPr/>
-          <a:lstStyle/>
-          <a:p>
-            <a:fld id="{3B20521C-F793-4067-BB07-C7AF74E21EF3}" type="slidenum">
-              <a:rPr lang="en-US" smtClean="0"/>
-              <a:pPr/>
-              <a:t>47</a:t>
-            </a:fld>
-            <a:endParaRPr lang="en-US"/>
-          </a:p>
-        </p:txBody>
-      </p:sp>
-    </p:spTree>
-  </p:cSld>
-  <p:clrMapOvr>
-    <a:masterClrMapping/>
-  </p:clrMapOvr>
-</p:sld>
-</file>
-
 <file path=ppt/slides/slide48.xml><?xml version="1.0" encoding="utf-8"?>
 <p:sld xmlns:a="http://schemas.openxmlformats.org/drawingml/2006/main" xmlns:r="http://schemas.openxmlformats.org/officeDocument/2006/relationships" xmlns:p="http://schemas.openxmlformats.org/presentationml/2006/main">
   <p:cSld>
@@ -14510,7 +14805,7 @@
       </p:grpSpPr>
       <p:sp>
         <p:nvSpPr>
-          <p:cNvPr id="2" name="Title 1"/>
+          <p:cNvPr id="57346" name="Title 1"/>
           <p:cNvSpPr>
             <a:spLocks noGrp="1"/>
           </p:cNvSpPr>
@@ -14518,58 +14813,117 @@
             <p:ph type="title"/>
           </p:nvPr>
         </p:nvSpPr>
+        <p:spPr/>
+        <p:txBody>
+          <a:bodyPr>
+            <a:normAutofit/>
+          </a:bodyPr>
+          <a:lstStyle/>
+          <a:p>
+            <a:r>
+              <a:rPr lang="en-US" sz="3600" dirty="0" smtClean="0"/>
+              <a:t>Bus Priority </a:t>
+            </a:r>
+            <a:r>
+              <a:rPr lang="en-US" sz="3600" dirty="0" smtClean="0"/>
+              <a:t>of Other </a:t>
+            </a:r>
+            <a:r>
+              <a:rPr lang="en-US" sz="3600" dirty="0" smtClean="0"/>
+              <a:t>Masters </a:t>
+            </a:r>
+            <a:endParaRPr lang="en-US" sz="3600" dirty="0" smtClean="0"/>
+          </a:p>
+        </p:txBody>
+      </p:sp>
+      <p:sp>
+        <p:nvSpPr>
+          <p:cNvPr id="3" name="Content Placeholder 2"/>
+          <p:cNvSpPr>
+            <a:spLocks noGrp="1"/>
+          </p:cNvSpPr>
+          <p:nvPr>
+            <p:ph idx="1"/>
+          </p:nvPr>
+        </p:nvSpPr>
         <p:spPr>
           <a:xfrm>
-            <a:off x="457200" y="274638"/>
-            <a:ext cx="8229600" cy="639762"/>
+            <a:off x="457200" y="1600201"/>
+            <a:ext cx="8229600" cy="3048000"/>
           </a:xfrm>
         </p:spPr>
         <p:txBody>
           <a:bodyPr>
-            <a:noAutofit/>
+            <a:normAutofit/>
           </a:bodyPr>
           <a:lstStyle/>
           <a:p>
-            <a:r>
-              <a:rPr lang="en-US" sz="3600" dirty="0" smtClean="0"/>
-              <a:t>SRIO Priority Register  (2/3)</a:t>
-            </a:r>
-            <a:endParaRPr lang="en-US" sz="3600" dirty="0"/>
-          </a:p>
-        </p:txBody>
-      </p:sp>
-      <p:pic>
-        <p:nvPicPr>
-          <p:cNvPr id="21506" name="Picture 2"/>
-          <p:cNvPicPr>
-            <a:picLocks noChangeAspect="1" noChangeArrowheads="1"/>
-          </p:cNvPicPr>
-          <p:nvPr/>
-        </p:nvPicPr>
-        <p:blipFill>
-          <a:blip r:embed="rId2" cstate="print"/>
-          <a:srcRect l="6070" t="37531" r="4046" b="1975"/>
-          <a:stretch>
-            <a:fillRect/>
-          </a:stretch>
-        </p:blipFill>
-        <p:spPr bwMode="auto">
-          <a:xfrm>
-            <a:off x="565343" y="1858851"/>
-            <a:ext cx="8124816" cy="2800303"/>
-          </a:xfrm>
-          <a:prstGeom prst="rect">
-            <a:avLst/>
-          </a:prstGeom>
-          <a:noFill/>
-          <a:ln w="9525">
-            <a:noFill/>
-            <a:miter lim="800000"/>
-            <a:headEnd/>
-            <a:tailEnd/>
-          </a:ln>
-        </p:spPr>
-      </p:pic>
+            <a:pPr>
+              <a:defRPr/>
+            </a:pPr>
+            <a:r>
+              <a:rPr lang="en-US" dirty="0" smtClean="0">
+                <a:solidFill>
+                  <a:srgbClr val="000000"/>
+                </a:solidFill>
+              </a:rPr>
+              <a:t>Other masters configure the bus priority internally to the master</a:t>
+            </a:r>
+          </a:p>
+          <a:p>
+            <a:pPr>
+              <a:defRPr/>
+            </a:pPr>
+            <a:r>
+              <a:rPr lang="en-US" dirty="0" smtClean="0">
+                <a:solidFill>
+                  <a:srgbClr val="000000"/>
+                </a:solidFill>
+              </a:rPr>
+              <a:t>The next few slides shows where to set the priority of each master:</a:t>
+            </a:r>
+          </a:p>
+          <a:p>
+            <a:pPr lvl="1">
+              <a:defRPr/>
+            </a:pPr>
+            <a:r>
+              <a:rPr lang="en-US" dirty="0" smtClean="0">
+                <a:solidFill>
+                  <a:srgbClr val="000000"/>
+                </a:solidFill>
+              </a:rPr>
+              <a:t>HyperLink</a:t>
+            </a:r>
+          </a:p>
+          <a:p>
+            <a:pPr lvl="1">
+              <a:defRPr/>
+            </a:pPr>
+            <a:r>
+              <a:rPr lang="en-US" dirty="0" smtClean="0">
+                <a:solidFill>
+                  <a:srgbClr val="000000"/>
+                </a:solidFill>
+              </a:rPr>
+              <a:t>PCIe</a:t>
+            </a:r>
+          </a:p>
+          <a:p>
+            <a:pPr lvl="1">
+              <a:defRPr/>
+            </a:pPr>
+            <a:r>
+              <a:rPr lang="en-US" dirty="0" smtClean="0">
+                <a:solidFill>
+                  <a:srgbClr val="000000"/>
+                </a:solidFill>
+              </a:rPr>
+              <a:t>SRIO</a:t>
+            </a:r>
+          </a:p>
+        </p:txBody>
+      </p:sp>
       <p:sp>
         <p:nvSpPr>
           <p:cNvPr id="4" name="Slide Number Placeholder 3"/>
@@ -14580,17 +14934,51 @@
             <p:ph type="sldNum" sz="quarter" idx="10"/>
           </p:nvPr>
         </p:nvSpPr>
-        <p:spPr/>
+        <p:spPr>
+          <a:extLst>
+            <a:ext uri="{909E8E84-426E-40DD-AFC4-6F175D3DCCD1}">
+              <a14:hiddenFill xmlns="" xmlns:a14="http://schemas.microsoft.com/office/drawing/2010/main">
+                <a:solidFill>
+                  <a:schemeClr val="accent1"/>
+                </a:solidFill>
+              </a14:hiddenFill>
+            </a:ext>
+            <a:ext uri="{91240B29-F687-4F45-9708-019B960494DF}">
+              <a14:hiddenLine xmlns="" xmlns:a14="http://schemas.microsoft.com/office/drawing/2010/main" w="9525">
+                <a:solidFill>
+                  <a:schemeClr val="tx1"/>
+                </a:solidFill>
+                <a:miter lim="800000"/>
+                <a:headEnd/>
+                <a:tailEnd/>
+              </a14:hiddenLine>
+            </a:ext>
+            <a:ext uri="{AF507438-7753-43E0-B8FC-AC1667EBCBE1}">
+              <a14:hiddenEffects xmlns="" xmlns:a14="http://schemas.microsoft.com/office/drawing/2010/main">
+                <a:effectLst>
+                  <a:outerShdw dist="35921" dir="2700000" algn="ctr" rotWithShape="0">
+                    <a:schemeClr val="bg2"/>
+                  </a:outerShdw>
+                </a:effectLst>
+              </a14:hiddenEffects>
+            </a:ext>
+          </a:extLst>
+        </p:spPr>
         <p:txBody>
           <a:bodyPr/>
           <a:lstStyle/>
           <a:p>
-            <a:fld id="{3B20521C-F793-4067-BB07-C7AF74E21EF3}" type="slidenum">
+            <a:pPr>
+              <a:defRPr/>
+            </a:pPr>
+            <a:fld id="{5BB740EC-6C72-487B-BB4A-1C54A5114A84}" type="slidenum">
               <a:rPr lang="en-US" smtClean="0"/>
-              <a:pPr/>
+              <a:pPr>
+                <a:defRPr/>
+              </a:pPr>
               <a:t>48</a:t>
             </a:fld>
-            <a:endParaRPr lang="en-US"/>
+            <a:endParaRPr lang="en-US" dirty="0"/>
           </a:p>
         </p:txBody>
       </p:sp>
@@ -14643,7 +15031,7 @@
           <a:p>
             <a:r>
               <a:rPr lang="en-US" sz="3600" dirty="0" smtClean="0"/>
-              <a:t>SRIO Priority Register  (3/3)</a:t>
+              <a:t>Hyperlink Priority Register</a:t>
             </a:r>
             <a:endParaRPr lang="en-US" sz="3600" dirty="0"/>
           </a:p>
@@ -14651,23 +15039,25 @@
       </p:sp>
       <p:pic>
         <p:nvPicPr>
-          <p:cNvPr id="22530" name="Picture 2"/>
+          <p:cNvPr id="17410" name="Picture 2"/>
           <p:cNvPicPr>
-            <a:picLocks noChangeAspect="1" noChangeArrowheads="1"/>
+            <a:picLocks noGrp="1" noChangeAspect="1" noChangeArrowheads="1"/>
           </p:cNvPicPr>
-          <p:nvPr/>
+          <p:nvPr>
+            <p:ph idx="1"/>
+          </p:nvPr>
         </p:nvPicPr>
         <p:blipFill>
           <a:blip r:embed="rId2" cstate="print"/>
-          <a:srcRect/>
+          <a:srcRect b="5517"/>
           <a:stretch>
             <a:fillRect/>
           </a:stretch>
         </p:blipFill>
         <p:spPr bwMode="auto">
           <a:xfrm>
-            <a:off x="138113" y="2362200"/>
-            <a:ext cx="8867775" cy="2133600"/>
+            <a:off x="504825" y="1641475"/>
+            <a:ext cx="8162925" cy="3131833"/>
           </a:xfrm>
           <a:prstGeom prst="rect">
             <a:avLst/>
@@ -14701,7 +15091,7 @@
               <a:pPr/>
               <a:t>49</a:t>
             </a:fld>
-            <a:endParaRPr lang="en-US"/>
+            <a:endParaRPr lang="en-US" dirty="0"/>
           </a:p>
         </p:txBody>
       </p:sp>
@@ -14796,23 +15186,7 @@
                 <a:ea typeface="+mn-ea"/>
                 <a:cs typeface="Calibri" pitchFamily="34" charset="0"/>
               </a:rPr>
-              <a:t>Multiple sections of the data </a:t>
-            </a:r>
-            <a:r>
-              <a:rPr lang="en-US" sz="2000" dirty="0" err="1" smtClean="0">
-                <a:latin typeface="Calibri" pitchFamily="34" charset="0"/>
-                <a:ea typeface="+mn-ea"/>
-                <a:cs typeface="Calibri" pitchFamily="34" charset="0"/>
-              </a:rPr>
-              <a:t>Teranet</a:t>
-            </a:r>
-            <a:r>
-              <a:rPr lang="en-US" sz="2000" dirty="0" smtClean="0">
-                <a:latin typeface="Calibri" pitchFamily="34" charset="0"/>
-                <a:ea typeface="+mn-ea"/>
-                <a:cs typeface="Calibri" pitchFamily="34" charset="0"/>
-              </a:rPr>
-              <a:t> are connected by bridges</a:t>
+              <a:t>Multiple sections of the data Teranet are connected by bridges</a:t>
             </a:r>
           </a:p>
           <a:p>
@@ -14906,7 +15280,7 @@
               <a:pPr/>
               <a:t>5</a:t>
             </a:fld>
-            <a:endParaRPr lang="en-US"/>
+            <a:endParaRPr lang="en-US" dirty="0"/>
           </a:p>
         </p:txBody>
       </p:sp>
@@ -14944,7 +15318,7 @@
       </p:grpSpPr>
       <p:sp>
         <p:nvSpPr>
-          <p:cNvPr id="64514" name="Title 1"/>
+          <p:cNvPr id="2" name="Title 1"/>
           <p:cNvSpPr>
             <a:spLocks noGrp="1"/>
           </p:cNvSpPr>
@@ -14955,52 +15329,55 @@
         <p:spPr>
           <a:xfrm>
             <a:off x="457200" y="274638"/>
-            <a:ext cx="8229600" cy="715962"/>
+            <a:ext cx="8229600" cy="639762"/>
           </a:xfrm>
         </p:spPr>
         <p:txBody>
-          <a:bodyPr/>
+          <a:bodyPr>
+            <a:noAutofit/>
+          </a:bodyPr>
           <a:lstStyle/>
           <a:p>
             <a:r>
               <a:rPr lang="en-US" sz="3600" dirty="0" smtClean="0"/>
-              <a:t>Questions and Final Statement</a:t>
-            </a:r>
-          </a:p>
-        </p:txBody>
-      </p:sp>
-      <p:sp>
-        <p:nvSpPr>
-          <p:cNvPr id="64515" name="Content Placeholder 2"/>
-          <p:cNvSpPr>
-            <a:spLocks noGrp="1"/>
-          </p:cNvSpPr>
-          <p:nvPr>
-            <p:ph idx="1"/>
-          </p:nvPr>
-        </p:nvSpPr>
-        <p:spPr/>
-        <p:txBody>
-          <a:bodyPr/>
-          <a:lstStyle/>
-          <a:p>
-            <a:r>
-              <a:rPr lang="en-US" dirty="0" smtClean="0"/>
-              <a:t>Almost all information is extracted from KeyStone I (Shannon) User Guides (Data manual, EDMA UG, MSMC UG, DDR UG)</a:t>
-            </a:r>
-          </a:p>
-          <a:p>
-            <a:r>
-              <a:rPr lang="en-US" dirty="0" smtClean="0"/>
-              <a:t>I did not go through KeyStone II documents. I believe they are similar. </a:t>
-            </a:r>
-          </a:p>
-          <a:p>
-            <a:pPr lvl="1"/>
-            <a:endParaRPr lang="en-US" sz="2400" dirty="0" smtClean="0"/>
-          </a:p>
-        </p:txBody>
-      </p:sp>
+              <a:t>Hyperlink Priority Register</a:t>
+            </a:r>
+            <a:endParaRPr lang="en-US" sz="3600" dirty="0"/>
+          </a:p>
+        </p:txBody>
+      </p:sp>
+      <p:pic>
+        <p:nvPicPr>
+          <p:cNvPr id="18434" name="Picture 2"/>
+          <p:cNvPicPr>
+            <a:picLocks noChangeAspect="1" noChangeArrowheads="1"/>
+          </p:cNvPicPr>
+          <p:nvPr/>
+        </p:nvPicPr>
+        <p:blipFill>
+          <a:blip r:embed="rId2" cstate="print"/>
+          <a:srcRect b="4424"/>
+          <a:stretch>
+            <a:fillRect/>
+          </a:stretch>
+        </p:blipFill>
+        <p:spPr bwMode="auto">
+          <a:xfrm>
+            <a:off x="762000" y="923928"/>
+            <a:ext cx="7591425" cy="5213437"/>
+          </a:xfrm>
+          <a:prstGeom prst="rect">
+            <a:avLst/>
+          </a:prstGeom>
+          <a:noFill/>
+          <a:ln w="9525">
+            <a:noFill/>
+            <a:miter lim="800000"/>
+            <a:headEnd/>
+            <a:tailEnd/>
+          </a:ln>
+        </p:spPr>
+      </p:pic>
       <p:sp>
         <p:nvSpPr>
           <p:cNvPr id="4" name="Slide Number Placeholder 3"/>
@@ -15021,7 +15398,559 @@
               <a:pPr/>
               <a:t>50</a:t>
             </a:fld>
-            <a:endParaRPr lang="en-US"/>
+            <a:endParaRPr lang="en-US" dirty="0"/>
+          </a:p>
+        </p:txBody>
+      </p:sp>
+    </p:spTree>
+  </p:cSld>
+  <p:clrMapOvr>
+    <a:masterClrMapping/>
+  </p:clrMapOvr>
+</p:sld>
+</file>
+
+<file path=ppt/slides/slide51.xml><?xml version="1.0" encoding="utf-8"?>
+<p:sld xmlns:a="http://schemas.openxmlformats.org/drawingml/2006/main" xmlns:r="http://schemas.openxmlformats.org/officeDocument/2006/relationships" xmlns:p="http://schemas.openxmlformats.org/presentationml/2006/main">
+  <p:cSld>
+    <p:spTree>
+      <p:nvGrpSpPr>
+        <p:cNvPr id="1" name=""/>
+        <p:cNvGrpSpPr/>
+        <p:nvPr/>
+      </p:nvGrpSpPr>
+      <p:grpSpPr>
+        <a:xfrm>
+          <a:off x="0" y="0"/>
+          <a:ext cx="0" cy="0"/>
+          <a:chOff x="0" y="0"/>
+          <a:chExt cx="0" cy="0"/>
+        </a:xfrm>
+      </p:grpSpPr>
+      <p:sp>
+        <p:nvSpPr>
+          <p:cNvPr id="2" name="Title 1"/>
+          <p:cNvSpPr>
+            <a:spLocks noGrp="1"/>
+          </p:cNvSpPr>
+          <p:nvPr>
+            <p:ph type="title"/>
+          </p:nvPr>
+        </p:nvSpPr>
+        <p:spPr>
+          <a:xfrm>
+            <a:off x="457200" y="274638"/>
+            <a:ext cx="8229600" cy="639762"/>
+          </a:xfrm>
+        </p:spPr>
+        <p:txBody>
+          <a:bodyPr>
+            <a:noAutofit/>
+          </a:bodyPr>
+          <a:lstStyle/>
+          <a:p>
+            <a:r>
+              <a:rPr lang="en-US" sz="3600" dirty="0" smtClean="0"/>
+              <a:t>PCIe Priority Register</a:t>
+            </a:r>
+            <a:endParaRPr lang="en-US" sz="3600" dirty="0"/>
+          </a:p>
+        </p:txBody>
+      </p:sp>
+      <p:pic>
+        <p:nvPicPr>
+          <p:cNvPr id="19458" name="Picture 2"/>
+          <p:cNvPicPr>
+            <a:picLocks noChangeAspect="1" noChangeArrowheads="1"/>
+          </p:cNvPicPr>
+          <p:nvPr/>
+        </p:nvPicPr>
+        <p:blipFill>
+          <a:blip r:embed="rId2" cstate="print"/>
+          <a:srcRect l="3137" t="8636" r="3137" b="6189"/>
+          <a:stretch>
+            <a:fillRect/>
+          </a:stretch>
+        </p:blipFill>
+        <p:spPr bwMode="auto">
+          <a:xfrm>
+            <a:off x="840007" y="1097320"/>
+            <a:ext cx="7454457" cy="4922039"/>
+          </a:xfrm>
+          <a:prstGeom prst="rect">
+            <a:avLst/>
+          </a:prstGeom>
+          <a:noFill/>
+          <a:ln w="9525">
+            <a:noFill/>
+            <a:miter lim="800000"/>
+            <a:headEnd/>
+            <a:tailEnd/>
+          </a:ln>
+        </p:spPr>
+      </p:pic>
+      <p:sp>
+        <p:nvSpPr>
+          <p:cNvPr id="4" name="Slide Number Placeholder 3"/>
+          <p:cNvSpPr>
+            <a:spLocks noGrp="1"/>
+          </p:cNvSpPr>
+          <p:nvPr>
+            <p:ph type="sldNum" sz="quarter" idx="10"/>
+          </p:nvPr>
+        </p:nvSpPr>
+        <p:spPr/>
+        <p:txBody>
+          <a:bodyPr/>
+          <a:lstStyle/>
+          <a:p>
+            <a:fld id="{3B20521C-F793-4067-BB07-C7AF74E21EF3}" type="slidenum">
+              <a:rPr lang="en-US" smtClean="0"/>
+              <a:pPr/>
+              <a:t>51</a:t>
+            </a:fld>
+            <a:endParaRPr lang="en-US" dirty="0"/>
+          </a:p>
+        </p:txBody>
+      </p:sp>
+    </p:spTree>
+  </p:cSld>
+  <p:clrMapOvr>
+    <a:masterClrMapping/>
+  </p:clrMapOvr>
+</p:sld>
+</file>
+
+<file path=ppt/slides/slide52.xml><?xml version="1.0" encoding="utf-8"?>
+<p:sld xmlns:a="http://schemas.openxmlformats.org/drawingml/2006/main" xmlns:r="http://schemas.openxmlformats.org/officeDocument/2006/relationships" xmlns:p="http://schemas.openxmlformats.org/presentationml/2006/main">
+  <p:cSld>
+    <p:spTree>
+      <p:nvGrpSpPr>
+        <p:cNvPr id="1" name=""/>
+        <p:cNvGrpSpPr/>
+        <p:nvPr/>
+      </p:nvGrpSpPr>
+      <p:grpSpPr>
+        <a:xfrm>
+          <a:off x="0" y="0"/>
+          <a:ext cx="0" cy="0"/>
+          <a:chOff x="0" y="0"/>
+          <a:chExt cx="0" cy="0"/>
+        </a:xfrm>
+      </p:grpSpPr>
+      <p:sp>
+        <p:nvSpPr>
+          <p:cNvPr id="2" name="Title 1"/>
+          <p:cNvSpPr>
+            <a:spLocks noGrp="1"/>
+          </p:cNvSpPr>
+          <p:nvPr>
+            <p:ph type="title"/>
+          </p:nvPr>
+        </p:nvSpPr>
+        <p:spPr>
+          <a:xfrm>
+            <a:off x="457200" y="274638"/>
+            <a:ext cx="8229600" cy="639762"/>
+          </a:xfrm>
+        </p:spPr>
+        <p:txBody>
+          <a:bodyPr>
+            <a:noAutofit/>
+          </a:bodyPr>
+          <a:lstStyle/>
+          <a:p>
+            <a:r>
+              <a:rPr lang="en-US" sz="3600" dirty="0" smtClean="0"/>
+              <a:t>SRIO Priority Register  (1/3)</a:t>
+            </a:r>
+            <a:endParaRPr lang="en-US" sz="3600" dirty="0"/>
+          </a:p>
+        </p:txBody>
+      </p:sp>
+      <p:pic>
+        <p:nvPicPr>
+          <p:cNvPr id="20482" name="Picture 2"/>
+          <p:cNvPicPr>
+            <a:picLocks noChangeAspect="1" noChangeArrowheads="1"/>
+          </p:cNvPicPr>
+          <p:nvPr/>
+        </p:nvPicPr>
+        <p:blipFill>
+          <a:blip r:embed="rId2" cstate="print"/>
+          <a:srcRect/>
+          <a:stretch>
+            <a:fillRect/>
+          </a:stretch>
+        </p:blipFill>
+        <p:spPr bwMode="auto">
+          <a:xfrm>
+            <a:off x="171450" y="1676400"/>
+            <a:ext cx="8801100" cy="3505200"/>
+          </a:xfrm>
+          <a:prstGeom prst="rect">
+            <a:avLst/>
+          </a:prstGeom>
+          <a:noFill/>
+          <a:ln w="9525">
+            <a:noFill/>
+            <a:miter lim="800000"/>
+            <a:headEnd/>
+            <a:tailEnd/>
+          </a:ln>
+        </p:spPr>
+      </p:pic>
+      <p:sp>
+        <p:nvSpPr>
+          <p:cNvPr id="4" name="Slide Number Placeholder 3"/>
+          <p:cNvSpPr>
+            <a:spLocks noGrp="1"/>
+          </p:cNvSpPr>
+          <p:nvPr>
+            <p:ph type="sldNum" sz="quarter" idx="10"/>
+          </p:nvPr>
+        </p:nvSpPr>
+        <p:spPr/>
+        <p:txBody>
+          <a:bodyPr/>
+          <a:lstStyle/>
+          <a:p>
+            <a:fld id="{3B20521C-F793-4067-BB07-C7AF74E21EF3}" type="slidenum">
+              <a:rPr lang="en-US" smtClean="0"/>
+              <a:pPr/>
+              <a:t>52</a:t>
+            </a:fld>
+            <a:endParaRPr lang="en-US" dirty="0"/>
+          </a:p>
+        </p:txBody>
+      </p:sp>
+    </p:spTree>
+  </p:cSld>
+  <p:clrMapOvr>
+    <a:masterClrMapping/>
+  </p:clrMapOvr>
+</p:sld>
+</file>
+
+<file path=ppt/slides/slide53.xml><?xml version="1.0" encoding="utf-8"?>
+<p:sld xmlns:a="http://schemas.openxmlformats.org/drawingml/2006/main" xmlns:r="http://schemas.openxmlformats.org/officeDocument/2006/relationships" xmlns:p="http://schemas.openxmlformats.org/presentationml/2006/main">
+  <p:cSld>
+    <p:spTree>
+      <p:nvGrpSpPr>
+        <p:cNvPr id="1" name=""/>
+        <p:cNvGrpSpPr/>
+        <p:nvPr/>
+      </p:nvGrpSpPr>
+      <p:grpSpPr>
+        <a:xfrm>
+          <a:off x="0" y="0"/>
+          <a:ext cx="0" cy="0"/>
+          <a:chOff x="0" y="0"/>
+          <a:chExt cx="0" cy="0"/>
+        </a:xfrm>
+      </p:grpSpPr>
+      <p:sp>
+        <p:nvSpPr>
+          <p:cNvPr id="2" name="Title 1"/>
+          <p:cNvSpPr>
+            <a:spLocks noGrp="1"/>
+          </p:cNvSpPr>
+          <p:nvPr>
+            <p:ph type="title"/>
+          </p:nvPr>
+        </p:nvSpPr>
+        <p:spPr>
+          <a:xfrm>
+            <a:off x="457200" y="274638"/>
+            <a:ext cx="8229600" cy="639762"/>
+          </a:xfrm>
+        </p:spPr>
+        <p:txBody>
+          <a:bodyPr>
+            <a:noAutofit/>
+          </a:bodyPr>
+          <a:lstStyle/>
+          <a:p>
+            <a:r>
+              <a:rPr lang="en-US" sz="3600" dirty="0" smtClean="0"/>
+              <a:t>SRIO Priority Register  (2/3)</a:t>
+            </a:r>
+            <a:endParaRPr lang="en-US" sz="3600" dirty="0"/>
+          </a:p>
+        </p:txBody>
+      </p:sp>
+      <p:pic>
+        <p:nvPicPr>
+          <p:cNvPr id="21506" name="Picture 2"/>
+          <p:cNvPicPr>
+            <a:picLocks noChangeAspect="1" noChangeArrowheads="1"/>
+          </p:cNvPicPr>
+          <p:nvPr/>
+        </p:nvPicPr>
+        <p:blipFill>
+          <a:blip r:embed="rId2" cstate="print"/>
+          <a:srcRect l="6070" t="37531" r="4046" b="1975"/>
+          <a:stretch>
+            <a:fillRect/>
+          </a:stretch>
+        </p:blipFill>
+        <p:spPr bwMode="auto">
+          <a:xfrm>
+            <a:off x="565343" y="1858851"/>
+            <a:ext cx="8124816" cy="2800303"/>
+          </a:xfrm>
+          <a:prstGeom prst="rect">
+            <a:avLst/>
+          </a:prstGeom>
+          <a:noFill/>
+          <a:ln w="9525">
+            <a:noFill/>
+            <a:miter lim="800000"/>
+            <a:headEnd/>
+            <a:tailEnd/>
+          </a:ln>
+        </p:spPr>
+      </p:pic>
+      <p:sp>
+        <p:nvSpPr>
+          <p:cNvPr id="4" name="Slide Number Placeholder 3"/>
+          <p:cNvSpPr>
+            <a:spLocks noGrp="1"/>
+          </p:cNvSpPr>
+          <p:nvPr>
+            <p:ph type="sldNum" sz="quarter" idx="10"/>
+          </p:nvPr>
+        </p:nvSpPr>
+        <p:spPr/>
+        <p:txBody>
+          <a:bodyPr/>
+          <a:lstStyle/>
+          <a:p>
+            <a:fld id="{3B20521C-F793-4067-BB07-C7AF74E21EF3}" type="slidenum">
+              <a:rPr lang="en-US" smtClean="0"/>
+              <a:pPr/>
+              <a:t>53</a:t>
+            </a:fld>
+            <a:endParaRPr lang="en-US" dirty="0"/>
+          </a:p>
+        </p:txBody>
+      </p:sp>
+    </p:spTree>
+  </p:cSld>
+  <p:clrMapOvr>
+    <a:masterClrMapping/>
+  </p:clrMapOvr>
+</p:sld>
+</file>
+
+<file path=ppt/slides/slide54.xml><?xml version="1.0" encoding="utf-8"?>
+<p:sld xmlns:a="http://schemas.openxmlformats.org/drawingml/2006/main" xmlns:r="http://schemas.openxmlformats.org/officeDocument/2006/relationships" xmlns:p="http://schemas.openxmlformats.org/presentationml/2006/main">
+  <p:cSld>
+    <p:spTree>
+      <p:nvGrpSpPr>
+        <p:cNvPr id="1" name=""/>
+        <p:cNvGrpSpPr/>
+        <p:nvPr/>
+      </p:nvGrpSpPr>
+      <p:grpSpPr>
+        <a:xfrm>
+          <a:off x="0" y="0"/>
+          <a:ext cx="0" cy="0"/>
+          <a:chOff x="0" y="0"/>
+          <a:chExt cx="0" cy="0"/>
+        </a:xfrm>
+      </p:grpSpPr>
+      <p:sp>
+        <p:nvSpPr>
+          <p:cNvPr id="2" name="Title 1"/>
+          <p:cNvSpPr>
+            <a:spLocks noGrp="1"/>
+          </p:cNvSpPr>
+          <p:nvPr>
+            <p:ph type="title"/>
+          </p:nvPr>
+        </p:nvSpPr>
+        <p:spPr>
+          <a:xfrm>
+            <a:off x="457200" y="274638"/>
+            <a:ext cx="8229600" cy="639762"/>
+          </a:xfrm>
+        </p:spPr>
+        <p:txBody>
+          <a:bodyPr>
+            <a:noAutofit/>
+          </a:bodyPr>
+          <a:lstStyle/>
+          <a:p>
+            <a:r>
+              <a:rPr lang="en-US" sz="3600" dirty="0" smtClean="0"/>
+              <a:t>SRIO Priority Register  (3/3)</a:t>
+            </a:r>
+            <a:endParaRPr lang="en-US" sz="3600" dirty="0"/>
+          </a:p>
+        </p:txBody>
+      </p:sp>
+      <p:pic>
+        <p:nvPicPr>
+          <p:cNvPr id="22530" name="Picture 2"/>
+          <p:cNvPicPr>
+            <a:picLocks noChangeAspect="1" noChangeArrowheads="1"/>
+          </p:cNvPicPr>
+          <p:nvPr/>
+        </p:nvPicPr>
+        <p:blipFill>
+          <a:blip r:embed="rId2" cstate="print"/>
+          <a:srcRect/>
+          <a:stretch>
+            <a:fillRect/>
+          </a:stretch>
+        </p:blipFill>
+        <p:spPr bwMode="auto">
+          <a:xfrm>
+            <a:off x="138113" y="2362200"/>
+            <a:ext cx="8867775" cy="2133600"/>
+          </a:xfrm>
+          <a:prstGeom prst="rect">
+            <a:avLst/>
+          </a:prstGeom>
+          <a:noFill/>
+          <a:ln w="9525">
+            <a:noFill/>
+            <a:miter lim="800000"/>
+            <a:headEnd/>
+            <a:tailEnd/>
+          </a:ln>
+        </p:spPr>
+      </p:pic>
+      <p:sp>
+        <p:nvSpPr>
+          <p:cNvPr id="4" name="Slide Number Placeholder 3"/>
+          <p:cNvSpPr>
+            <a:spLocks noGrp="1"/>
+          </p:cNvSpPr>
+          <p:nvPr>
+            <p:ph type="sldNum" sz="quarter" idx="10"/>
+          </p:nvPr>
+        </p:nvSpPr>
+        <p:spPr/>
+        <p:txBody>
+          <a:bodyPr/>
+          <a:lstStyle/>
+          <a:p>
+            <a:fld id="{3B20521C-F793-4067-BB07-C7AF74E21EF3}" type="slidenum">
+              <a:rPr lang="en-US" smtClean="0"/>
+              <a:pPr/>
+              <a:t>54</a:t>
+            </a:fld>
+            <a:endParaRPr lang="en-US" dirty="0"/>
+          </a:p>
+        </p:txBody>
+      </p:sp>
+    </p:spTree>
+  </p:cSld>
+  <p:clrMapOvr>
+    <a:masterClrMapping/>
+  </p:clrMapOvr>
+</p:sld>
+</file>
+
+<file path=ppt/slides/slide55.xml><?xml version="1.0" encoding="utf-8"?>
+<p:sld xmlns:a="http://schemas.openxmlformats.org/drawingml/2006/main" xmlns:r="http://schemas.openxmlformats.org/officeDocument/2006/relationships" xmlns:p="http://schemas.openxmlformats.org/presentationml/2006/main">
+  <p:cSld>
+    <p:spTree>
+      <p:nvGrpSpPr>
+        <p:cNvPr id="1" name=""/>
+        <p:cNvGrpSpPr/>
+        <p:nvPr/>
+      </p:nvGrpSpPr>
+      <p:grpSpPr>
+        <a:xfrm>
+          <a:off x="0" y="0"/>
+          <a:ext cx="0" cy="0"/>
+          <a:chOff x="0" y="0"/>
+          <a:chExt cx="0" cy="0"/>
+        </a:xfrm>
+      </p:grpSpPr>
+      <p:sp>
+        <p:nvSpPr>
+          <p:cNvPr id="64514" name="Title 1"/>
+          <p:cNvSpPr>
+            <a:spLocks noGrp="1"/>
+          </p:cNvSpPr>
+          <p:nvPr>
+            <p:ph type="title"/>
+          </p:nvPr>
+        </p:nvSpPr>
+        <p:spPr>
+          <a:xfrm>
+            <a:off x="457200" y="274638"/>
+            <a:ext cx="8229600" cy="715962"/>
+          </a:xfrm>
+        </p:spPr>
+        <p:txBody>
+          <a:bodyPr/>
+          <a:lstStyle/>
+          <a:p>
+            <a:r>
+              <a:rPr lang="en-US" sz="3600" dirty="0" smtClean="0"/>
+              <a:t>Questions and Final Statement</a:t>
+            </a:r>
+          </a:p>
+        </p:txBody>
+      </p:sp>
+      <p:sp>
+        <p:nvSpPr>
+          <p:cNvPr id="64515" name="Content Placeholder 2"/>
+          <p:cNvSpPr>
+            <a:spLocks noGrp="1"/>
+          </p:cNvSpPr>
+          <p:nvPr>
+            <p:ph idx="1"/>
+          </p:nvPr>
+        </p:nvSpPr>
+        <p:spPr/>
+        <p:txBody>
+          <a:bodyPr/>
+          <a:lstStyle/>
+          <a:p>
+            <a:r>
+              <a:rPr lang="en-US" dirty="0" smtClean="0"/>
+              <a:t>Almost all information is extracted from KeyStone I (Shannon) User Guides (Data manual, EDMA UG, MSMC UG, DDR UG)</a:t>
+            </a:r>
+          </a:p>
+          <a:p>
+            <a:r>
+              <a:rPr lang="en-US" dirty="0" smtClean="0"/>
+              <a:t>I did not go through KeyStone II documents. I believe they are similar. </a:t>
+            </a:r>
+          </a:p>
+          <a:p>
+            <a:pPr lvl="1"/>
+            <a:endParaRPr lang="en-US" sz="2400" dirty="0" smtClean="0"/>
+          </a:p>
+        </p:txBody>
+      </p:sp>
+      <p:sp>
+        <p:nvSpPr>
+          <p:cNvPr id="4" name="Slide Number Placeholder 3"/>
+          <p:cNvSpPr>
+            <a:spLocks noGrp="1"/>
+          </p:cNvSpPr>
+          <p:nvPr>
+            <p:ph type="sldNum" sz="quarter" idx="10"/>
+          </p:nvPr>
+        </p:nvSpPr>
+        <p:spPr/>
+        <p:txBody>
+          <a:bodyPr/>
+          <a:lstStyle/>
+          <a:p>
+            <a:fld id="{3B20521C-F793-4067-BB07-C7AF74E21EF3}" type="slidenum">
+              <a:rPr lang="en-US" smtClean="0"/>
+              <a:pPr/>
+              <a:t>55</a:t>
+            </a:fld>
+            <a:endParaRPr lang="en-US" dirty="0"/>
           </a:p>
         </p:txBody>
       </p:sp>
@@ -15162,7 +16091,7 @@
               <a:pPr/>
               <a:t>6</a:t>
             </a:fld>
-            <a:endParaRPr lang="en-US"/>
+            <a:endParaRPr lang="en-US" dirty="0"/>
           </a:p>
         </p:txBody>
       </p:sp>
@@ -15303,7 +16232,7 @@
               <a:pPr/>
               <a:t>7</a:t>
             </a:fld>
-            <a:endParaRPr lang="en-US"/>
+            <a:endParaRPr lang="en-US" dirty="0"/>
           </a:p>
         </p:txBody>
       </p:sp>
@@ -15488,7 +16417,7 @@
               <a:pPr/>
               <a:t>8</a:t>
             </a:fld>
-            <a:endParaRPr lang="en-US"/>
+            <a:endParaRPr lang="en-US" dirty="0"/>
           </a:p>
         </p:txBody>
       </p:sp>
@@ -15683,7 +16612,7 @@
               <a:pPr/>
               <a:t>9</a:t>
             </a:fld>
-            <a:endParaRPr lang="en-US"/>
+            <a:endParaRPr lang="en-US" dirty="0"/>
           </a:p>
         </p:txBody>
       </p:sp>

--- a/trunk/preliminary/Working/presentations/KeyStone_Connectivity_Priority.pptx
+++ b/trunk/preliminary/Working/presentations/KeyStone_Connectivity_Priority.pptx
@@ -6500,7 +6500,15 @@
           <a:p>
             <a:r>
               <a:rPr lang="en-US" dirty="0" smtClean="0"/>
-              <a:t>Literature Number: SPRPxxx</a:t>
+              <a:t>Literature Number</a:t>
+            </a:r>
+            <a:r>
+              <a:rPr lang="en-US" smtClean="0"/>
+              <a:t>: </a:t>
+            </a:r>
+            <a:r>
+              <a:rPr lang="en-US" smtClean="0"/>
+              <a:t>SPRPxxx </a:t>
             </a:r>
             <a:endParaRPr lang="en-US" dirty="0"/>
           </a:p>
@@ -12359,7 +12367,7 @@
           <a:p>
             <a:r>
               <a:rPr lang="en-US" sz="3600" dirty="0" smtClean="0"/>
-              <a:t>DDR Arbitration Algorithm (1)</a:t>
+              <a:t>Level 2 - DDR Arbitration Algorithm (1)</a:t>
             </a:r>
             <a:endParaRPr lang="en-US" sz="3600" dirty="0" smtClean="0"/>
           </a:p>

--- a/trunk/preliminary/Working/presentations/KeyStone_Connectivity_Priority.pptx
+++ b/trunk/preliminary/Working/presentations/KeyStone_Connectivity_Priority.pptx
@@ -907,14 +907,14 @@
         <p:spPr>
           <a:extLst>
             <a:ext uri="{909E8E84-426E-40DD-AFC4-6F175D3DCCD1}">
-              <a14:hiddenFill xmlns:a14="http://schemas.microsoft.com/office/drawing/2010/main" xmlns="">
+              <a14:hiddenFill xmlns="" xmlns:a14="http://schemas.microsoft.com/office/drawing/2010/main">
                 <a:solidFill>
                   <a:schemeClr val="accent1"/>
                 </a:solidFill>
               </a14:hiddenFill>
             </a:ext>
             <a:ext uri="{91240B29-F687-4F45-9708-019B960494DF}">
-              <a14:hiddenLine xmlns:a14="http://schemas.microsoft.com/office/drawing/2010/main" xmlns="" w="9525">
+              <a14:hiddenLine xmlns="" xmlns:a14="http://schemas.microsoft.com/office/drawing/2010/main" w="9525">
                 <a:solidFill>
                   <a:schemeClr val="tx1"/>
                 </a:solidFill>
@@ -924,7 +924,7 @@
               </a14:hiddenLine>
             </a:ext>
             <a:ext uri="{AF507438-7753-43E0-B8FC-AC1667EBCBE1}">
-              <a14:hiddenEffects xmlns:a14="http://schemas.microsoft.com/office/drawing/2010/main" xmlns="">
+              <a14:hiddenEffects xmlns="" xmlns:a14="http://schemas.microsoft.com/office/drawing/2010/main">
                 <a:effectLst>
                   <a:outerShdw dist="35921" dir="2700000" algn="ctr" rotWithShape="0">
                     <a:schemeClr val="bg2"/>
@@ -1122,14 +1122,14 @@
         <p:spPr>
           <a:extLst>
             <a:ext uri="{909E8E84-426E-40DD-AFC4-6F175D3DCCD1}">
-              <a14:hiddenFill xmlns:a14="http://schemas.microsoft.com/office/drawing/2010/main" xmlns="">
+              <a14:hiddenFill xmlns="" xmlns:a14="http://schemas.microsoft.com/office/drawing/2010/main">
                 <a:solidFill>
                   <a:schemeClr val="accent1"/>
                 </a:solidFill>
               </a14:hiddenFill>
             </a:ext>
             <a:ext uri="{91240B29-F687-4F45-9708-019B960494DF}">
-              <a14:hiddenLine xmlns:a14="http://schemas.microsoft.com/office/drawing/2010/main" xmlns="" w="9525">
+              <a14:hiddenLine xmlns="" xmlns:a14="http://schemas.microsoft.com/office/drawing/2010/main" w="9525">
                 <a:solidFill>
                   <a:schemeClr val="tx1"/>
                 </a:solidFill>
@@ -1139,7 +1139,7 @@
               </a14:hiddenLine>
             </a:ext>
             <a:ext uri="{AF507438-7753-43E0-B8FC-AC1667EBCBE1}">
-              <a14:hiddenEffects xmlns:a14="http://schemas.microsoft.com/office/drawing/2010/main" xmlns="">
+              <a14:hiddenEffects xmlns="" xmlns:a14="http://schemas.microsoft.com/office/drawing/2010/main">
                 <a:effectLst>
                   <a:outerShdw dist="35921" dir="2700000" algn="ctr" rotWithShape="0">
                     <a:schemeClr val="bg2"/>
@@ -1240,14 +1240,14 @@
         <p:spPr>
           <a:extLst>
             <a:ext uri="{909E8E84-426E-40DD-AFC4-6F175D3DCCD1}">
-              <a14:hiddenFill xmlns:a14="http://schemas.microsoft.com/office/drawing/2010/main" xmlns="">
+              <a14:hiddenFill xmlns="" xmlns:a14="http://schemas.microsoft.com/office/drawing/2010/main">
                 <a:solidFill>
                   <a:schemeClr val="accent1"/>
                 </a:solidFill>
               </a14:hiddenFill>
             </a:ext>
             <a:ext uri="{91240B29-F687-4F45-9708-019B960494DF}">
-              <a14:hiddenLine xmlns:a14="http://schemas.microsoft.com/office/drawing/2010/main" xmlns="" w="9525">
+              <a14:hiddenLine xmlns="" xmlns:a14="http://schemas.microsoft.com/office/drawing/2010/main" w="9525">
                 <a:solidFill>
                   <a:schemeClr val="tx1"/>
                 </a:solidFill>
@@ -1257,7 +1257,7 @@
               </a14:hiddenLine>
             </a:ext>
             <a:ext uri="{AF507438-7753-43E0-B8FC-AC1667EBCBE1}">
-              <a14:hiddenEffects xmlns:a14="http://schemas.microsoft.com/office/drawing/2010/main" xmlns="">
+              <a14:hiddenEffects xmlns="" xmlns:a14="http://schemas.microsoft.com/office/drawing/2010/main">
                 <a:effectLst>
                   <a:outerShdw dist="35921" dir="2700000" algn="ctr" rotWithShape="0">
                     <a:schemeClr val="bg2"/>
@@ -1358,14 +1358,14 @@
         <p:spPr>
           <a:extLst>
             <a:ext uri="{909E8E84-426E-40DD-AFC4-6F175D3DCCD1}">
-              <a14:hiddenFill xmlns:a14="http://schemas.microsoft.com/office/drawing/2010/main" xmlns="">
+              <a14:hiddenFill xmlns="" xmlns:a14="http://schemas.microsoft.com/office/drawing/2010/main">
                 <a:solidFill>
                   <a:schemeClr val="accent1"/>
                 </a:solidFill>
               </a14:hiddenFill>
             </a:ext>
             <a:ext uri="{91240B29-F687-4F45-9708-019B960494DF}">
-              <a14:hiddenLine xmlns:a14="http://schemas.microsoft.com/office/drawing/2010/main" xmlns="" w="9525">
+              <a14:hiddenLine xmlns="" xmlns:a14="http://schemas.microsoft.com/office/drawing/2010/main" w="9525">
                 <a:solidFill>
                   <a:schemeClr val="tx1"/>
                 </a:solidFill>
@@ -1375,7 +1375,7 @@
               </a14:hiddenLine>
             </a:ext>
             <a:ext uri="{AF507438-7753-43E0-B8FC-AC1667EBCBE1}">
-              <a14:hiddenEffects xmlns:a14="http://schemas.microsoft.com/office/drawing/2010/main" xmlns="">
+              <a14:hiddenEffects xmlns="" xmlns:a14="http://schemas.microsoft.com/office/drawing/2010/main">
                 <a:effectLst>
                   <a:outerShdw dist="35921" dir="2700000" algn="ctr" rotWithShape="0">
                     <a:schemeClr val="bg2"/>
@@ -1476,14 +1476,14 @@
         <p:spPr>
           <a:extLst>
             <a:ext uri="{909E8E84-426E-40DD-AFC4-6F175D3DCCD1}">
-              <a14:hiddenFill xmlns:a14="http://schemas.microsoft.com/office/drawing/2010/main" xmlns="">
+              <a14:hiddenFill xmlns="" xmlns:a14="http://schemas.microsoft.com/office/drawing/2010/main">
                 <a:solidFill>
                   <a:schemeClr val="accent1"/>
                 </a:solidFill>
               </a14:hiddenFill>
             </a:ext>
             <a:ext uri="{91240B29-F687-4F45-9708-019B960494DF}">
-              <a14:hiddenLine xmlns:a14="http://schemas.microsoft.com/office/drawing/2010/main" xmlns="" w="9525">
+              <a14:hiddenLine xmlns="" xmlns:a14="http://schemas.microsoft.com/office/drawing/2010/main" w="9525">
                 <a:solidFill>
                   <a:schemeClr val="tx1"/>
                 </a:solidFill>
@@ -1493,7 +1493,7 @@
               </a14:hiddenLine>
             </a:ext>
             <a:ext uri="{AF507438-7753-43E0-B8FC-AC1667EBCBE1}">
-              <a14:hiddenEffects xmlns:a14="http://schemas.microsoft.com/office/drawing/2010/main" xmlns="">
+              <a14:hiddenEffects xmlns="" xmlns:a14="http://schemas.microsoft.com/office/drawing/2010/main">
                 <a:effectLst>
                   <a:outerShdw dist="35921" dir="2700000" algn="ctr" rotWithShape="0">
                     <a:schemeClr val="bg2"/>
@@ -1594,14 +1594,14 @@
         <p:spPr>
           <a:extLst>
             <a:ext uri="{909E8E84-426E-40DD-AFC4-6F175D3DCCD1}">
-              <a14:hiddenFill xmlns:a14="http://schemas.microsoft.com/office/drawing/2010/main" xmlns="">
+              <a14:hiddenFill xmlns="" xmlns:a14="http://schemas.microsoft.com/office/drawing/2010/main">
                 <a:solidFill>
                   <a:schemeClr val="accent1"/>
                 </a:solidFill>
               </a14:hiddenFill>
             </a:ext>
             <a:ext uri="{91240B29-F687-4F45-9708-019B960494DF}">
-              <a14:hiddenLine xmlns:a14="http://schemas.microsoft.com/office/drawing/2010/main" xmlns="" w="9525">
+              <a14:hiddenLine xmlns="" xmlns:a14="http://schemas.microsoft.com/office/drawing/2010/main" w="9525">
                 <a:solidFill>
                   <a:schemeClr val="tx1"/>
                 </a:solidFill>
@@ -1611,7 +1611,7 @@
               </a14:hiddenLine>
             </a:ext>
             <a:ext uri="{AF507438-7753-43E0-B8FC-AC1667EBCBE1}">
-              <a14:hiddenEffects xmlns:a14="http://schemas.microsoft.com/office/drawing/2010/main" xmlns="">
+              <a14:hiddenEffects xmlns="" xmlns:a14="http://schemas.microsoft.com/office/drawing/2010/main">
                 <a:effectLst>
                   <a:outerShdw dist="35921" dir="2700000" algn="ctr" rotWithShape="0">
                     <a:schemeClr val="bg2"/>
@@ -1712,14 +1712,14 @@
         <p:spPr>
           <a:extLst>
             <a:ext uri="{909E8E84-426E-40DD-AFC4-6F175D3DCCD1}">
-              <a14:hiddenFill xmlns:a14="http://schemas.microsoft.com/office/drawing/2010/main" xmlns="">
+              <a14:hiddenFill xmlns="" xmlns:a14="http://schemas.microsoft.com/office/drawing/2010/main">
                 <a:solidFill>
                   <a:schemeClr val="accent1"/>
                 </a:solidFill>
               </a14:hiddenFill>
             </a:ext>
             <a:ext uri="{91240B29-F687-4F45-9708-019B960494DF}">
-              <a14:hiddenLine xmlns:a14="http://schemas.microsoft.com/office/drawing/2010/main" xmlns="" w="9525">
+              <a14:hiddenLine xmlns="" xmlns:a14="http://schemas.microsoft.com/office/drawing/2010/main" w="9525">
                 <a:solidFill>
                   <a:schemeClr val="tx1"/>
                 </a:solidFill>
@@ -1729,7 +1729,7 @@
               </a14:hiddenLine>
             </a:ext>
             <a:ext uri="{AF507438-7753-43E0-B8FC-AC1667EBCBE1}">
-              <a14:hiddenEffects xmlns:a14="http://schemas.microsoft.com/office/drawing/2010/main" xmlns="">
+              <a14:hiddenEffects xmlns="" xmlns:a14="http://schemas.microsoft.com/office/drawing/2010/main">
                 <a:effectLst>
                   <a:outerShdw dist="35921" dir="2700000" algn="ctr" rotWithShape="0">
                     <a:schemeClr val="bg2"/>
@@ -1830,14 +1830,14 @@
         <p:spPr>
           <a:extLst>
             <a:ext uri="{909E8E84-426E-40DD-AFC4-6F175D3DCCD1}">
-              <a14:hiddenFill xmlns:a14="http://schemas.microsoft.com/office/drawing/2010/main" xmlns="">
+              <a14:hiddenFill xmlns="" xmlns:a14="http://schemas.microsoft.com/office/drawing/2010/main">
                 <a:solidFill>
                   <a:schemeClr val="accent1"/>
                 </a:solidFill>
               </a14:hiddenFill>
             </a:ext>
             <a:ext uri="{91240B29-F687-4F45-9708-019B960494DF}">
-              <a14:hiddenLine xmlns:a14="http://schemas.microsoft.com/office/drawing/2010/main" xmlns="" w="9525">
+              <a14:hiddenLine xmlns="" xmlns:a14="http://schemas.microsoft.com/office/drawing/2010/main" w="9525">
                 <a:solidFill>
                   <a:schemeClr val="tx1"/>
                 </a:solidFill>
@@ -1847,7 +1847,7 @@
               </a14:hiddenLine>
             </a:ext>
             <a:ext uri="{AF507438-7753-43E0-B8FC-AC1667EBCBE1}">
-              <a14:hiddenEffects xmlns:a14="http://schemas.microsoft.com/office/drawing/2010/main" xmlns="">
+              <a14:hiddenEffects xmlns="" xmlns:a14="http://schemas.microsoft.com/office/drawing/2010/main">
                 <a:effectLst>
                   <a:outerShdw dist="35921" dir="2700000" algn="ctr" rotWithShape="0">
                     <a:schemeClr val="bg2"/>
@@ -1966,14 +1966,14 @@
         <p:spPr>
           <a:extLst>
             <a:ext uri="{909E8E84-426E-40DD-AFC4-6F175D3DCCD1}">
-              <a14:hiddenFill xmlns:a14="http://schemas.microsoft.com/office/drawing/2010/main" xmlns="">
+              <a14:hiddenFill xmlns="" xmlns:a14="http://schemas.microsoft.com/office/drawing/2010/main">
                 <a:solidFill>
                   <a:schemeClr val="accent1"/>
                 </a:solidFill>
               </a14:hiddenFill>
             </a:ext>
             <a:ext uri="{91240B29-F687-4F45-9708-019B960494DF}">
-              <a14:hiddenLine xmlns:a14="http://schemas.microsoft.com/office/drawing/2010/main" xmlns="" w="9525">
+              <a14:hiddenLine xmlns="" xmlns:a14="http://schemas.microsoft.com/office/drawing/2010/main" w="9525">
                 <a:solidFill>
                   <a:schemeClr val="tx1"/>
                 </a:solidFill>
@@ -1983,7 +1983,7 @@
               </a14:hiddenLine>
             </a:ext>
             <a:ext uri="{AF507438-7753-43E0-B8FC-AC1667EBCBE1}">
-              <a14:hiddenEffects xmlns:a14="http://schemas.microsoft.com/office/drawing/2010/main" xmlns="">
+              <a14:hiddenEffects xmlns="" xmlns:a14="http://schemas.microsoft.com/office/drawing/2010/main">
                 <a:effectLst>
                   <a:outerShdw dist="35921" dir="2700000" algn="ctr" rotWithShape="0">
                     <a:schemeClr val="bg2"/>
@@ -2084,14 +2084,14 @@
         <p:spPr>
           <a:extLst>
             <a:ext uri="{909E8E84-426E-40DD-AFC4-6F175D3DCCD1}">
-              <a14:hiddenFill xmlns:a14="http://schemas.microsoft.com/office/drawing/2010/main" xmlns="">
+              <a14:hiddenFill xmlns="" xmlns:a14="http://schemas.microsoft.com/office/drawing/2010/main">
                 <a:solidFill>
                   <a:schemeClr val="accent1"/>
                 </a:solidFill>
               </a14:hiddenFill>
             </a:ext>
             <a:ext uri="{91240B29-F687-4F45-9708-019B960494DF}">
-              <a14:hiddenLine xmlns:a14="http://schemas.microsoft.com/office/drawing/2010/main" xmlns="" w="9525">
+              <a14:hiddenLine xmlns="" xmlns:a14="http://schemas.microsoft.com/office/drawing/2010/main" w="9525">
                 <a:solidFill>
                   <a:schemeClr val="tx1"/>
                 </a:solidFill>
@@ -2101,7 +2101,7 @@
               </a14:hiddenLine>
             </a:ext>
             <a:ext uri="{AF507438-7753-43E0-B8FC-AC1667EBCBE1}">
-              <a14:hiddenEffects xmlns:a14="http://schemas.microsoft.com/office/drawing/2010/main" xmlns="">
+              <a14:hiddenEffects xmlns="" xmlns:a14="http://schemas.microsoft.com/office/drawing/2010/main">
                 <a:effectLst>
                   <a:outerShdw dist="35921" dir="2700000" algn="ctr" rotWithShape="0">
                     <a:schemeClr val="bg2"/>
@@ -2202,14 +2202,14 @@
         <p:spPr>
           <a:extLst>
             <a:ext uri="{909E8E84-426E-40DD-AFC4-6F175D3DCCD1}">
-              <a14:hiddenFill xmlns:a14="http://schemas.microsoft.com/office/drawing/2010/main" xmlns="">
+              <a14:hiddenFill xmlns="" xmlns:a14="http://schemas.microsoft.com/office/drawing/2010/main">
                 <a:solidFill>
                   <a:schemeClr val="accent1"/>
                 </a:solidFill>
               </a14:hiddenFill>
             </a:ext>
             <a:ext uri="{91240B29-F687-4F45-9708-019B960494DF}">
-              <a14:hiddenLine xmlns:a14="http://schemas.microsoft.com/office/drawing/2010/main" xmlns="" w="9525">
+              <a14:hiddenLine xmlns="" xmlns:a14="http://schemas.microsoft.com/office/drawing/2010/main" w="9525">
                 <a:solidFill>
                   <a:schemeClr val="tx1"/>
                 </a:solidFill>
@@ -2219,7 +2219,7 @@
               </a14:hiddenLine>
             </a:ext>
             <a:ext uri="{AF507438-7753-43E0-B8FC-AC1667EBCBE1}">
-              <a14:hiddenEffects xmlns:a14="http://schemas.microsoft.com/office/drawing/2010/main" xmlns="">
+              <a14:hiddenEffects xmlns="" xmlns:a14="http://schemas.microsoft.com/office/drawing/2010/main">
                 <a:effectLst>
                   <a:outerShdw dist="35921" dir="2700000" algn="ctr" rotWithShape="0">
                     <a:schemeClr val="bg2"/>
@@ -2320,14 +2320,14 @@
         <p:spPr>
           <a:extLst>
             <a:ext uri="{909E8E84-426E-40DD-AFC4-6F175D3DCCD1}">
-              <a14:hiddenFill xmlns:a14="http://schemas.microsoft.com/office/drawing/2010/main" xmlns="">
+              <a14:hiddenFill xmlns="" xmlns:a14="http://schemas.microsoft.com/office/drawing/2010/main">
                 <a:solidFill>
                   <a:schemeClr val="accent1"/>
                 </a:solidFill>
               </a14:hiddenFill>
             </a:ext>
             <a:ext uri="{91240B29-F687-4F45-9708-019B960494DF}">
-              <a14:hiddenLine xmlns:a14="http://schemas.microsoft.com/office/drawing/2010/main" xmlns="" w="9525">
+              <a14:hiddenLine xmlns="" xmlns:a14="http://schemas.microsoft.com/office/drawing/2010/main" w="9525">
                 <a:solidFill>
                   <a:schemeClr val="tx1"/>
                 </a:solidFill>
@@ -2337,7 +2337,7 @@
               </a14:hiddenLine>
             </a:ext>
             <a:ext uri="{AF507438-7753-43E0-B8FC-AC1667EBCBE1}">
-              <a14:hiddenEffects xmlns:a14="http://schemas.microsoft.com/office/drawing/2010/main" xmlns="">
+              <a14:hiddenEffects xmlns="" xmlns:a14="http://schemas.microsoft.com/office/drawing/2010/main">
                 <a:effectLst>
                   <a:outerShdw dist="35921" dir="2700000" algn="ctr" rotWithShape="0">
                     <a:schemeClr val="bg2"/>
@@ -2438,14 +2438,14 @@
         <p:spPr>
           <a:extLst>
             <a:ext uri="{909E8E84-426E-40DD-AFC4-6F175D3DCCD1}">
-              <a14:hiddenFill xmlns:a14="http://schemas.microsoft.com/office/drawing/2010/main" xmlns="">
+              <a14:hiddenFill xmlns="" xmlns:a14="http://schemas.microsoft.com/office/drawing/2010/main">
                 <a:solidFill>
                   <a:schemeClr val="accent1"/>
                 </a:solidFill>
               </a14:hiddenFill>
             </a:ext>
             <a:ext uri="{91240B29-F687-4F45-9708-019B960494DF}">
-              <a14:hiddenLine xmlns:a14="http://schemas.microsoft.com/office/drawing/2010/main" xmlns="" w="9525">
+              <a14:hiddenLine xmlns="" xmlns:a14="http://schemas.microsoft.com/office/drawing/2010/main" w="9525">
                 <a:solidFill>
                   <a:schemeClr val="tx1"/>
                 </a:solidFill>
@@ -2455,7 +2455,7 @@
               </a14:hiddenLine>
             </a:ext>
             <a:ext uri="{AF507438-7753-43E0-B8FC-AC1667EBCBE1}">
-              <a14:hiddenEffects xmlns:a14="http://schemas.microsoft.com/office/drawing/2010/main" xmlns="">
+              <a14:hiddenEffects xmlns="" xmlns:a14="http://schemas.microsoft.com/office/drawing/2010/main">
                 <a:effectLst>
                   <a:outerShdw dist="35921" dir="2700000" algn="ctr" rotWithShape="0">
                     <a:schemeClr val="bg2"/>
@@ -2556,14 +2556,14 @@
         <p:spPr>
           <a:extLst>
             <a:ext uri="{909E8E84-426E-40DD-AFC4-6F175D3DCCD1}">
-              <a14:hiddenFill xmlns:a14="http://schemas.microsoft.com/office/drawing/2010/main" xmlns="">
+              <a14:hiddenFill xmlns="" xmlns:a14="http://schemas.microsoft.com/office/drawing/2010/main">
                 <a:solidFill>
                   <a:schemeClr val="accent1"/>
                 </a:solidFill>
               </a14:hiddenFill>
             </a:ext>
             <a:ext uri="{91240B29-F687-4F45-9708-019B960494DF}">
-              <a14:hiddenLine xmlns:a14="http://schemas.microsoft.com/office/drawing/2010/main" xmlns="" w="9525">
+              <a14:hiddenLine xmlns="" xmlns:a14="http://schemas.microsoft.com/office/drawing/2010/main" w="9525">
                 <a:solidFill>
                   <a:schemeClr val="tx1"/>
                 </a:solidFill>
@@ -2573,7 +2573,7 @@
               </a14:hiddenLine>
             </a:ext>
             <a:ext uri="{AF507438-7753-43E0-B8FC-AC1667EBCBE1}">
-              <a14:hiddenEffects xmlns:a14="http://schemas.microsoft.com/office/drawing/2010/main" xmlns="">
+              <a14:hiddenEffects xmlns="" xmlns:a14="http://schemas.microsoft.com/office/drawing/2010/main">
                 <a:effectLst>
                   <a:outerShdw dist="35921" dir="2700000" algn="ctr" rotWithShape="0">
                     <a:schemeClr val="bg2"/>
@@ -6504,11 +6504,7 @@
             </a:r>
             <a:r>
               <a:rPr lang="en-US" smtClean="0"/>
-              <a:t>: </a:t>
-            </a:r>
-            <a:r>
-              <a:rPr lang="en-US" smtClean="0"/>
-              <a:t>SPRPxxx </a:t>
+              <a:t>: SPRPxxx </a:t>
             </a:r>
             <a:endParaRPr lang="en-US" dirty="0"/>
           </a:p>
@@ -7405,14 +7401,14 @@
         <p:spPr>
           <a:extLst>
             <a:ext uri="{909E8E84-426E-40DD-AFC4-6F175D3DCCD1}">
-              <a14:hiddenFill xmlns:a14="http://schemas.microsoft.com/office/drawing/2010/main" xmlns="">
+              <a14:hiddenFill xmlns="" xmlns:a14="http://schemas.microsoft.com/office/drawing/2010/main">
                 <a:solidFill>
                   <a:schemeClr val="accent1"/>
                 </a:solidFill>
               </a14:hiddenFill>
             </a:ext>
             <a:ext uri="{91240B29-F687-4F45-9708-019B960494DF}">
-              <a14:hiddenLine xmlns:a14="http://schemas.microsoft.com/office/drawing/2010/main" xmlns="" w="9525">
+              <a14:hiddenLine xmlns="" xmlns:a14="http://schemas.microsoft.com/office/drawing/2010/main" w="9525">
                 <a:solidFill>
                   <a:schemeClr val="tx1"/>
                 </a:solidFill>
@@ -7422,7 +7418,7 @@
               </a14:hiddenLine>
             </a:ext>
             <a:ext uri="{AF507438-7753-43E0-B8FC-AC1667EBCBE1}">
-              <a14:hiddenEffects xmlns:a14="http://schemas.microsoft.com/office/drawing/2010/main" xmlns="">
+              <a14:hiddenEffects xmlns="" xmlns:a14="http://schemas.microsoft.com/office/drawing/2010/main">
                 <a:effectLst>
                   <a:outerShdw dist="35921" dir="2700000" algn="ctr" rotWithShape="0">
                     <a:schemeClr val="bg2"/>
@@ -7972,14 +7968,14 @@
         <p:spPr>
           <a:extLst>
             <a:ext uri="{909E8E84-426E-40DD-AFC4-6F175D3DCCD1}">
-              <a14:hiddenFill xmlns:a14="http://schemas.microsoft.com/office/drawing/2010/main" xmlns="">
+              <a14:hiddenFill xmlns="" xmlns:a14="http://schemas.microsoft.com/office/drawing/2010/main">
                 <a:solidFill>
                   <a:schemeClr val="accent1"/>
                 </a:solidFill>
               </a14:hiddenFill>
             </a:ext>
             <a:ext uri="{91240B29-F687-4F45-9708-019B960494DF}">
-              <a14:hiddenLine xmlns:a14="http://schemas.microsoft.com/office/drawing/2010/main" xmlns="" w="9525">
+              <a14:hiddenLine xmlns="" xmlns:a14="http://schemas.microsoft.com/office/drawing/2010/main" w="9525">
                 <a:solidFill>
                   <a:schemeClr val="tx1"/>
                 </a:solidFill>
@@ -7989,7 +7985,7 @@
               </a14:hiddenLine>
             </a:ext>
             <a:ext uri="{AF507438-7753-43E0-B8FC-AC1667EBCBE1}">
-              <a14:hiddenEffects xmlns:a14="http://schemas.microsoft.com/office/drawing/2010/main" xmlns="">
+              <a14:hiddenEffects xmlns="" xmlns:a14="http://schemas.microsoft.com/office/drawing/2010/main">
                 <a:effectLst>
                   <a:outerShdw dist="35921" dir="2700000" algn="ctr" rotWithShape="0">
                     <a:schemeClr val="bg2"/>
@@ -8299,14 +8295,14 @@
         <p:spPr>
           <a:extLst>
             <a:ext uri="{909E8E84-426E-40DD-AFC4-6F175D3DCCD1}">
-              <a14:hiddenFill xmlns:a14="http://schemas.microsoft.com/office/drawing/2010/main" xmlns="">
+              <a14:hiddenFill xmlns="" xmlns:a14="http://schemas.microsoft.com/office/drawing/2010/main">
                 <a:solidFill>
                   <a:schemeClr val="accent1"/>
                 </a:solidFill>
               </a14:hiddenFill>
             </a:ext>
             <a:ext uri="{91240B29-F687-4F45-9708-019B960494DF}">
-              <a14:hiddenLine xmlns:a14="http://schemas.microsoft.com/office/drawing/2010/main" xmlns="" w="9525">
+              <a14:hiddenLine xmlns="" xmlns:a14="http://schemas.microsoft.com/office/drawing/2010/main" w="9525">
                 <a:solidFill>
                   <a:schemeClr val="tx1"/>
                 </a:solidFill>
@@ -8316,7 +8312,7 @@
               </a14:hiddenLine>
             </a:ext>
             <a:ext uri="{AF507438-7753-43E0-B8FC-AC1667EBCBE1}">
-              <a14:hiddenEffects xmlns:a14="http://schemas.microsoft.com/office/drawing/2010/main" xmlns="">
+              <a14:hiddenEffects xmlns="" xmlns:a14="http://schemas.microsoft.com/office/drawing/2010/main">
                 <a:effectLst>
                   <a:outerShdw dist="35921" dir="2700000" algn="ctr" rotWithShape="0">
                     <a:schemeClr val="bg2"/>
@@ -8564,14 +8560,14 @@
         <p:spPr>
           <a:extLst>
             <a:ext uri="{909E8E84-426E-40DD-AFC4-6F175D3DCCD1}">
-              <a14:hiddenFill xmlns:a14="http://schemas.microsoft.com/office/drawing/2010/main" xmlns="">
+              <a14:hiddenFill xmlns="" xmlns:a14="http://schemas.microsoft.com/office/drawing/2010/main">
                 <a:solidFill>
                   <a:schemeClr val="accent1"/>
                 </a:solidFill>
               </a14:hiddenFill>
             </a:ext>
             <a:ext uri="{91240B29-F687-4F45-9708-019B960494DF}">
-              <a14:hiddenLine xmlns:a14="http://schemas.microsoft.com/office/drawing/2010/main" xmlns="" w="9525">
+              <a14:hiddenLine xmlns="" xmlns:a14="http://schemas.microsoft.com/office/drawing/2010/main" w="9525">
                 <a:solidFill>
                   <a:schemeClr val="tx1"/>
                 </a:solidFill>
@@ -8581,7 +8577,7 @@
               </a14:hiddenLine>
             </a:ext>
             <a:ext uri="{AF507438-7753-43E0-B8FC-AC1667EBCBE1}">
-              <a14:hiddenEffects xmlns:a14="http://schemas.microsoft.com/office/drawing/2010/main" xmlns="">
+              <a14:hiddenEffects xmlns="" xmlns:a14="http://schemas.microsoft.com/office/drawing/2010/main">
                 <a:effectLst>
                   <a:outerShdw dist="35921" dir="2700000" algn="ctr" rotWithShape="0">
                     <a:schemeClr val="bg2"/>
@@ -9113,11 +9109,15 @@
             </a:pPr>
             <a:r>
               <a:rPr lang="en-US" sz="1600" dirty="0" smtClean="0"/>
-              <a:t>Each register defines either PRI or MAXWAIT or both. The PRI field will declare the priority for that requestor</a:t>
-            </a:r>
-            <a:r>
-              <a:rPr lang="en-US" sz="1600" dirty="0" smtClean="0"/>
-              <a:t>. UPRI is for urgent priority (see later) </a:t>
+              <a:t>Each register defines either PRI or MAXWAIT or both. The PRI field will declare the priority for </a:t>
+            </a:r>
+            <a:r>
+              <a:rPr lang="en-US" sz="1600" smtClean="0"/>
+              <a:t>that </a:t>
+            </a:r>
+            <a:r>
+              <a:rPr lang="en-US" sz="1600" smtClean="0"/>
+              <a:t>requestor. </a:t>
             </a:r>
             <a:r>
               <a:rPr lang="en-US" sz="1600" dirty="0" smtClean="0"/>
@@ -9252,14 +9252,14 @@
         <p:spPr>
           <a:extLst>
             <a:ext uri="{909E8E84-426E-40DD-AFC4-6F175D3DCCD1}">
-              <a14:hiddenFill xmlns:a14="http://schemas.microsoft.com/office/drawing/2010/main" xmlns="">
+              <a14:hiddenFill xmlns="" xmlns:a14="http://schemas.microsoft.com/office/drawing/2010/main">
                 <a:solidFill>
                   <a:schemeClr val="accent1"/>
                 </a:solidFill>
               </a14:hiddenFill>
             </a:ext>
             <a:ext uri="{91240B29-F687-4F45-9708-019B960494DF}">
-              <a14:hiddenLine xmlns:a14="http://schemas.microsoft.com/office/drawing/2010/main" xmlns="" w="9525">
+              <a14:hiddenLine xmlns="" xmlns:a14="http://schemas.microsoft.com/office/drawing/2010/main" w="9525">
                 <a:solidFill>
                   <a:schemeClr val="tx1"/>
                 </a:solidFill>
@@ -9269,7 +9269,7 @@
               </a14:hiddenLine>
             </a:ext>
             <a:ext uri="{AF507438-7753-43E0-B8FC-AC1667EBCBE1}">
-              <a14:hiddenEffects xmlns:a14="http://schemas.microsoft.com/office/drawing/2010/main" xmlns="">
+              <a14:hiddenEffects xmlns="" xmlns:a14="http://schemas.microsoft.com/office/drawing/2010/main">
                 <a:effectLst>
                   <a:outerShdw dist="35921" dir="2700000" algn="ctr" rotWithShape="0">
                     <a:schemeClr val="bg2"/>
@@ -9499,14 +9499,14 @@
         <p:spPr>
           <a:extLst>
             <a:ext uri="{909E8E84-426E-40DD-AFC4-6F175D3DCCD1}">
-              <a14:hiddenFill xmlns:a14="http://schemas.microsoft.com/office/drawing/2010/main" xmlns="">
+              <a14:hiddenFill xmlns="" xmlns:a14="http://schemas.microsoft.com/office/drawing/2010/main">
                 <a:solidFill>
                   <a:schemeClr val="accent1"/>
                 </a:solidFill>
               </a14:hiddenFill>
             </a:ext>
             <a:ext uri="{91240B29-F687-4F45-9708-019B960494DF}">
-              <a14:hiddenLine xmlns:a14="http://schemas.microsoft.com/office/drawing/2010/main" xmlns="" w="9525">
+              <a14:hiddenLine xmlns="" xmlns:a14="http://schemas.microsoft.com/office/drawing/2010/main" w="9525">
                 <a:solidFill>
                   <a:schemeClr val="tx1"/>
                 </a:solidFill>
@@ -9516,7 +9516,7 @@
               </a14:hiddenLine>
             </a:ext>
             <a:ext uri="{AF507438-7753-43E0-B8FC-AC1667EBCBE1}">
-              <a14:hiddenEffects xmlns:a14="http://schemas.microsoft.com/office/drawing/2010/main" xmlns="">
+              <a14:hiddenEffects xmlns="" xmlns:a14="http://schemas.microsoft.com/office/drawing/2010/main">
                 <a:effectLst>
                   <a:outerShdw dist="35921" dir="2700000" algn="ctr" rotWithShape="0">
                     <a:schemeClr val="bg2"/>
@@ -9766,11 +9766,7 @@
             </a:pPr>
             <a:r>
               <a:rPr lang="en-US" sz="2200" dirty="0" smtClean="0"/>
-              <a:t>MAXWAIT </a:t>
-            </a:r>
-            <a:r>
-              <a:rPr lang="en-US" sz="2200" dirty="0" smtClean="0"/>
-              <a:t>is only for block transfers</a:t>
+              <a:t>MAXWAIT is only for block transfers</a:t>
             </a:r>
           </a:p>
           <a:p>
@@ -9795,14 +9791,14 @@
         <p:spPr>
           <a:extLst>
             <a:ext uri="{909E8E84-426E-40DD-AFC4-6F175D3DCCD1}">
-              <a14:hiddenFill xmlns:a14="http://schemas.microsoft.com/office/drawing/2010/main" xmlns="">
+              <a14:hiddenFill xmlns="" xmlns:a14="http://schemas.microsoft.com/office/drawing/2010/main">
                 <a:solidFill>
                   <a:schemeClr val="accent1"/>
                 </a:solidFill>
               </a14:hiddenFill>
             </a:ext>
             <a:ext uri="{91240B29-F687-4F45-9708-019B960494DF}">
-              <a14:hiddenLine xmlns:a14="http://schemas.microsoft.com/office/drawing/2010/main" xmlns="" w="9525">
+              <a14:hiddenLine xmlns="" xmlns:a14="http://schemas.microsoft.com/office/drawing/2010/main" w="9525">
                 <a:solidFill>
                   <a:schemeClr val="tx1"/>
                 </a:solidFill>
@@ -9812,7 +9808,7 @@
               </a14:hiddenLine>
             </a:ext>
             <a:ext uri="{AF507438-7753-43E0-B8FC-AC1667EBCBE1}">
-              <a14:hiddenEffects xmlns:a14="http://schemas.microsoft.com/office/drawing/2010/main" xmlns="">
+              <a14:hiddenEffects xmlns="" xmlns:a14="http://schemas.microsoft.com/office/drawing/2010/main">
                 <a:effectLst>
                   <a:outerShdw dist="35921" dir="2700000" algn="ctr" rotWithShape="0">
                     <a:schemeClr val="bg2"/>
@@ -9989,14 +9985,14 @@
         <p:spPr>
           <a:extLst>
             <a:ext uri="{909E8E84-426E-40DD-AFC4-6F175D3DCCD1}">
-              <a14:hiddenFill xmlns:a14="http://schemas.microsoft.com/office/drawing/2010/main" xmlns="">
+              <a14:hiddenFill xmlns="" xmlns:a14="http://schemas.microsoft.com/office/drawing/2010/main">
                 <a:solidFill>
                   <a:schemeClr val="accent1"/>
                 </a:solidFill>
               </a14:hiddenFill>
             </a:ext>
             <a:ext uri="{91240B29-F687-4F45-9708-019B960494DF}">
-              <a14:hiddenLine xmlns:a14="http://schemas.microsoft.com/office/drawing/2010/main" xmlns="" w="9525">
+              <a14:hiddenLine xmlns="" xmlns:a14="http://schemas.microsoft.com/office/drawing/2010/main" w="9525">
                 <a:solidFill>
                   <a:schemeClr val="tx1"/>
                 </a:solidFill>
@@ -10006,7 +10002,7 @@
               </a14:hiddenLine>
             </a:ext>
             <a:ext uri="{AF507438-7753-43E0-B8FC-AC1667EBCBE1}">
-              <a14:hiddenEffects xmlns:a14="http://schemas.microsoft.com/office/drawing/2010/main" xmlns="">
+              <a14:hiddenEffects xmlns="" xmlns:a14="http://schemas.microsoft.com/office/drawing/2010/main">
                 <a:effectLst>
                   <a:outerShdw dist="35921" dir="2700000" algn="ctr" rotWithShape="0">
                     <a:schemeClr val="bg2"/>
@@ -10150,14 +10146,14 @@
         <p:spPr>
           <a:extLst>
             <a:ext uri="{909E8E84-426E-40DD-AFC4-6F175D3DCCD1}">
-              <a14:hiddenFill xmlns:a14="http://schemas.microsoft.com/office/drawing/2010/main" xmlns="">
+              <a14:hiddenFill xmlns="" xmlns:a14="http://schemas.microsoft.com/office/drawing/2010/main">
                 <a:solidFill>
                   <a:schemeClr val="accent1"/>
                 </a:solidFill>
               </a14:hiddenFill>
             </a:ext>
             <a:ext uri="{91240B29-F687-4F45-9708-019B960494DF}">
-              <a14:hiddenLine xmlns:a14="http://schemas.microsoft.com/office/drawing/2010/main" xmlns="" w="9525">
+              <a14:hiddenLine xmlns="" xmlns:a14="http://schemas.microsoft.com/office/drawing/2010/main" w="9525">
                 <a:solidFill>
                   <a:schemeClr val="tx1"/>
                 </a:solidFill>
@@ -10167,7 +10163,7 @@
               </a14:hiddenLine>
             </a:ext>
             <a:ext uri="{AF507438-7753-43E0-B8FC-AC1667EBCBE1}">
-              <a14:hiddenEffects xmlns:a14="http://schemas.microsoft.com/office/drawing/2010/main" xmlns="">
+              <a14:hiddenEffects xmlns="" xmlns:a14="http://schemas.microsoft.com/office/drawing/2010/main">
                 <a:effectLst>
                   <a:outerShdw dist="35921" dir="2700000" algn="ctr" rotWithShape="0">
                     <a:schemeClr val="bg2"/>
@@ -10849,14 +10845,14 @@
         <p:spPr>
           <a:extLst>
             <a:ext uri="{909E8E84-426E-40DD-AFC4-6F175D3DCCD1}">
-              <a14:hiddenFill xmlns:a14="http://schemas.microsoft.com/office/drawing/2010/main" xmlns="">
+              <a14:hiddenFill xmlns="" xmlns:a14="http://schemas.microsoft.com/office/drawing/2010/main">
                 <a:solidFill>
                   <a:schemeClr val="accent1"/>
                 </a:solidFill>
               </a14:hiddenFill>
             </a:ext>
             <a:ext uri="{91240B29-F687-4F45-9708-019B960494DF}">
-              <a14:hiddenLine xmlns:a14="http://schemas.microsoft.com/office/drawing/2010/main" xmlns="" w="9525">
+              <a14:hiddenLine xmlns="" xmlns:a14="http://schemas.microsoft.com/office/drawing/2010/main" w="9525">
                 <a:solidFill>
                   <a:schemeClr val="tx1"/>
                 </a:solidFill>
@@ -10866,7 +10862,7 @@
               </a14:hiddenLine>
             </a:ext>
             <a:ext uri="{AF507438-7753-43E0-B8FC-AC1667EBCBE1}">
-              <a14:hiddenEffects xmlns:a14="http://schemas.microsoft.com/office/drawing/2010/main" xmlns="">
+              <a14:hiddenEffects xmlns="" xmlns:a14="http://schemas.microsoft.com/office/drawing/2010/main">
                 <a:effectLst>
                   <a:outerShdw dist="35921" dir="2700000" algn="ctr" rotWithShape="0">
                     <a:schemeClr val="bg2"/>
@@ -11079,14 +11075,14 @@
         <p:spPr>
           <a:extLst>
             <a:ext uri="{909E8E84-426E-40DD-AFC4-6F175D3DCCD1}">
-              <a14:hiddenFill xmlns:a14="http://schemas.microsoft.com/office/drawing/2010/main" xmlns="">
+              <a14:hiddenFill xmlns="" xmlns:a14="http://schemas.microsoft.com/office/drawing/2010/main">
                 <a:solidFill>
                   <a:schemeClr val="accent1"/>
                 </a:solidFill>
               </a14:hiddenFill>
             </a:ext>
             <a:ext uri="{91240B29-F687-4F45-9708-019B960494DF}">
-              <a14:hiddenLine xmlns:a14="http://schemas.microsoft.com/office/drawing/2010/main" xmlns="" w="9525">
+              <a14:hiddenLine xmlns="" xmlns:a14="http://schemas.microsoft.com/office/drawing/2010/main" w="9525">
                 <a:solidFill>
                   <a:schemeClr val="tx1"/>
                 </a:solidFill>
@@ -11096,7 +11092,7 @@
               </a14:hiddenLine>
             </a:ext>
             <a:ext uri="{AF507438-7753-43E0-B8FC-AC1667EBCBE1}">
-              <a14:hiddenEffects xmlns:a14="http://schemas.microsoft.com/office/drawing/2010/main" xmlns="">
+              <a14:hiddenEffects xmlns="" xmlns:a14="http://schemas.microsoft.com/office/drawing/2010/main">
                 <a:effectLst>
                   <a:outerShdw dist="35921" dir="2700000" algn="ctr" rotWithShape="0">
                     <a:schemeClr val="bg2"/>
@@ -11259,14 +11255,14 @@
         <p:spPr>
           <a:extLst>
             <a:ext uri="{909E8E84-426E-40DD-AFC4-6F175D3DCCD1}">
-              <a14:hiddenFill xmlns:a14="http://schemas.microsoft.com/office/drawing/2010/main" xmlns="">
+              <a14:hiddenFill xmlns="" xmlns:a14="http://schemas.microsoft.com/office/drawing/2010/main">
                 <a:solidFill>
                   <a:schemeClr val="accent1"/>
                 </a:solidFill>
               </a14:hiddenFill>
             </a:ext>
             <a:ext uri="{91240B29-F687-4F45-9708-019B960494DF}">
-              <a14:hiddenLine xmlns:a14="http://schemas.microsoft.com/office/drawing/2010/main" xmlns="" w="9525">
+              <a14:hiddenLine xmlns="" xmlns:a14="http://schemas.microsoft.com/office/drawing/2010/main" w="9525">
                 <a:solidFill>
                   <a:schemeClr val="tx1"/>
                 </a:solidFill>
@@ -11276,7 +11272,7 @@
               </a14:hiddenLine>
             </a:ext>
             <a:ext uri="{AF507438-7753-43E0-B8FC-AC1667EBCBE1}">
-              <a14:hiddenEffects xmlns:a14="http://schemas.microsoft.com/office/drawing/2010/main" xmlns="">
+              <a14:hiddenEffects xmlns="" xmlns:a14="http://schemas.microsoft.com/office/drawing/2010/main">
                 <a:effectLst>
                   <a:outerShdw dist="35921" dir="2700000" algn="ctr" rotWithShape="0">
                     <a:schemeClr val="bg2"/>
@@ -11497,14 +11493,14 @@
         <p:spPr>
           <a:extLst>
             <a:ext uri="{909E8E84-426E-40DD-AFC4-6F175D3DCCD1}">
-              <a14:hiddenFill xmlns:a14="http://schemas.microsoft.com/office/drawing/2010/main" xmlns="">
+              <a14:hiddenFill xmlns="" xmlns:a14="http://schemas.microsoft.com/office/drawing/2010/main">
                 <a:solidFill>
                   <a:schemeClr val="accent1"/>
                 </a:solidFill>
               </a14:hiddenFill>
             </a:ext>
             <a:ext uri="{91240B29-F687-4F45-9708-019B960494DF}">
-              <a14:hiddenLine xmlns:a14="http://schemas.microsoft.com/office/drawing/2010/main" xmlns="" w="9525">
+              <a14:hiddenLine xmlns="" xmlns:a14="http://schemas.microsoft.com/office/drawing/2010/main" w="9525">
                 <a:solidFill>
                   <a:schemeClr val="tx1"/>
                 </a:solidFill>
@@ -11514,7 +11510,7 @@
               </a14:hiddenLine>
             </a:ext>
             <a:ext uri="{AF507438-7753-43E0-B8FC-AC1667EBCBE1}">
-              <a14:hiddenEffects xmlns:a14="http://schemas.microsoft.com/office/drawing/2010/main" xmlns="">
+              <a14:hiddenEffects xmlns="" xmlns:a14="http://schemas.microsoft.com/office/drawing/2010/main">
                 <a:effectLst>
                   <a:outerShdw dist="35921" dir="2700000" algn="ctr" rotWithShape="0">
                     <a:schemeClr val="bg2"/>
@@ -11759,14 +11755,14 @@
         <p:spPr>
           <a:extLst>
             <a:ext uri="{909E8E84-426E-40DD-AFC4-6F175D3DCCD1}">
-              <a14:hiddenFill xmlns:a14="http://schemas.microsoft.com/office/drawing/2010/main" xmlns="">
+              <a14:hiddenFill xmlns="" xmlns:a14="http://schemas.microsoft.com/office/drawing/2010/main">
                 <a:solidFill>
                   <a:schemeClr val="accent1"/>
                 </a:solidFill>
               </a14:hiddenFill>
             </a:ext>
             <a:ext uri="{91240B29-F687-4F45-9708-019B960494DF}">
-              <a14:hiddenLine xmlns:a14="http://schemas.microsoft.com/office/drawing/2010/main" xmlns="" w="9525">
+              <a14:hiddenLine xmlns="" xmlns:a14="http://schemas.microsoft.com/office/drawing/2010/main" w="9525">
                 <a:solidFill>
                   <a:schemeClr val="tx1"/>
                 </a:solidFill>
@@ -11776,7 +11772,7 @@
               </a14:hiddenLine>
             </a:ext>
             <a:ext uri="{AF507438-7753-43E0-B8FC-AC1667EBCBE1}">
-              <a14:hiddenEffects xmlns:a14="http://schemas.microsoft.com/office/drawing/2010/main" xmlns="">
+              <a14:hiddenEffects xmlns="" xmlns:a14="http://schemas.microsoft.com/office/drawing/2010/main">
                 <a:effectLst>
                   <a:outerShdw dist="35921" dir="2700000" algn="ctr" rotWithShape="0">
                     <a:schemeClr val="bg2"/>
@@ -12266,14 +12262,14 @@
         <p:spPr>
           <a:extLst>
             <a:ext uri="{909E8E84-426E-40DD-AFC4-6F175D3DCCD1}">
-              <a14:hiddenFill xmlns:a14="http://schemas.microsoft.com/office/drawing/2010/main" xmlns="">
+              <a14:hiddenFill xmlns="" xmlns:a14="http://schemas.microsoft.com/office/drawing/2010/main">
                 <a:solidFill>
                   <a:schemeClr val="accent1"/>
                 </a:solidFill>
               </a14:hiddenFill>
             </a:ext>
             <a:ext uri="{91240B29-F687-4F45-9708-019B960494DF}">
-              <a14:hiddenLine xmlns:a14="http://schemas.microsoft.com/office/drawing/2010/main" xmlns="" w="9525">
+              <a14:hiddenLine xmlns="" xmlns:a14="http://schemas.microsoft.com/office/drawing/2010/main" w="9525">
                 <a:solidFill>
                   <a:schemeClr val="tx1"/>
                 </a:solidFill>
@@ -12283,7 +12279,7 @@
               </a14:hiddenLine>
             </a:ext>
             <a:ext uri="{AF507438-7753-43E0-B8FC-AC1667EBCBE1}">
-              <a14:hiddenEffects xmlns:a14="http://schemas.microsoft.com/office/drawing/2010/main" xmlns="">
+              <a14:hiddenEffects xmlns="" xmlns:a14="http://schemas.microsoft.com/office/drawing/2010/main">
                 <a:effectLst>
                   <a:outerShdw dist="35921" dir="2700000" algn="ctr" rotWithShape="0">
                     <a:schemeClr val="bg2"/>
@@ -12369,7 +12365,6 @@
               <a:rPr lang="en-US" sz="3600" dirty="0" smtClean="0"/>
               <a:t>Level 2 - DDR Arbitration Algorithm (1)</a:t>
             </a:r>
-            <a:endParaRPr lang="en-US" sz="3600" dirty="0" smtClean="0"/>
           </a:p>
         </p:txBody>
       </p:sp>
@@ -12386,14 +12381,14 @@
         <p:spPr>
           <a:extLst>
             <a:ext uri="{909E8E84-426E-40DD-AFC4-6F175D3DCCD1}">
-              <a14:hiddenFill xmlns="" xmlns:a14="http://schemas.microsoft.com/office/drawing/2010/main">
+              <a14:hiddenFill xmlns:a14="http://schemas.microsoft.com/office/drawing/2010/main" xmlns="">
                 <a:solidFill>
                   <a:schemeClr val="accent1"/>
                 </a:solidFill>
               </a14:hiddenFill>
             </a:ext>
             <a:ext uri="{91240B29-F687-4F45-9708-019B960494DF}">
-              <a14:hiddenLine xmlns="" xmlns:a14="http://schemas.microsoft.com/office/drawing/2010/main" w="9525">
+              <a14:hiddenLine xmlns:a14="http://schemas.microsoft.com/office/drawing/2010/main" xmlns="" w="9525">
                 <a:solidFill>
                   <a:schemeClr val="tx1"/>
                 </a:solidFill>
@@ -12403,7 +12398,7 @@
               </a14:hiddenLine>
             </a:ext>
             <a:ext uri="{AF507438-7753-43E0-B8FC-AC1667EBCBE1}">
-              <a14:hiddenEffects xmlns="" xmlns:a14="http://schemas.microsoft.com/office/drawing/2010/main">
+              <a14:hiddenEffects xmlns:a14="http://schemas.microsoft.com/office/drawing/2010/main" xmlns="">
                 <a:effectLst>
                   <a:outerShdw dist="35921" dir="2700000" algn="ctr" rotWithShape="0">
                     <a:schemeClr val="bg2"/>
@@ -12521,7 +12516,6 @@
               <a:rPr lang="en-US" sz="3600" dirty="0" smtClean="0"/>
               <a:t>DDR Arbitration Algorithm (2)</a:t>
             </a:r>
-            <a:endParaRPr lang="en-US" sz="3600" dirty="0" smtClean="0"/>
           </a:p>
         </p:txBody>
       </p:sp>
@@ -12612,14 +12606,14 @@
         <p:spPr>
           <a:extLst>
             <a:ext uri="{909E8E84-426E-40DD-AFC4-6F175D3DCCD1}">
-              <a14:hiddenFill xmlns="" xmlns:a14="http://schemas.microsoft.com/office/drawing/2010/main">
+              <a14:hiddenFill xmlns:a14="http://schemas.microsoft.com/office/drawing/2010/main" xmlns="">
                 <a:solidFill>
                   <a:schemeClr val="accent1"/>
                 </a:solidFill>
               </a14:hiddenFill>
             </a:ext>
             <a:ext uri="{91240B29-F687-4F45-9708-019B960494DF}">
-              <a14:hiddenLine xmlns="" xmlns:a14="http://schemas.microsoft.com/office/drawing/2010/main" w="9525">
+              <a14:hiddenLine xmlns:a14="http://schemas.microsoft.com/office/drawing/2010/main" xmlns="" w="9525">
                 <a:solidFill>
                   <a:schemeClr val="tx1"/>
                 </a:solidFill>
@@ -12629,7 +12623,7 @@
               </a14:hiddenLine>
             </a:ext>
             <a:ext uri="{AF507438-7753-43E0-B8FC-AC1667EBCBE1}">
-              <a14:hiddenEffects xmlns="" xmlns:a14="http://schemas.microsoft.com/office/drawing/2010/main">
+              <a14:hiddenEffects xmlns:a14="http://schemas.microsoft.com/office/drawing/2010/main" xmlns="">
                 <a:effectLst>
                   <a:outerShdw dist="35921" dir="2700000" algn="ctr" rotWithShape="0">
                     <a:schemeClr val="bg2"/>
@@ -12715,7 +12709,6 @@
               <a:rPr lang="en-US" sz="3600" dirty="0" smtClean="0"/>
               <a:t>DDR Arbitration Algorithm (3)</a:t>
             </a:r>
-            <a:endParaRPr lang="en-US" sz="3600" dirty="0" smtClean="0"/>
           </a:p>
         </p:txBody>
       </p:sp>
@@ -12824,14 +12817,14 @@
         <p:spPr>
           <a:extLst>
             <a:ext uri="{909E8E84-426E-40DD-AFC4-6F175D3DCCD1}">
-              <a14:hiddenFill xmlns="" xmlns:a14="http://schemas.microsoft.com/office/drawing/2010/main">
+              <a14:hiddenFill xmlns:a14="http://schemas.microsoft.com/office/drawing/2010/main" xmlns="">
                 <a:solidFill>
                   <a:schemeClr val="accent1"/>
                 </a:solidFill>
               </a14:hiddenFill>
             </a:ext>
             <a:ext uri="{91240B29-F687-4F45-9708-019B960494DF}">
-              <a14:hiddenLine xmlns="" xmlns:a14="http://schemas.microsoft.com/office/drawing/2010/main" w="9525">
+              <a14:hiddenLine xmlns:a14="http://schemas.microsoft.com/office/drawing/2010/main" xmlns="" w="9525">
                 <a:solidFill>
                   <a:schemeClr val="tx1"/>
                 </a:solidFill>
@@ -12841,7 +12834,7 @@
               </a14:hiddenLine>
             </a:ext>
             <a:ext uri="{AF507438-7753-43E0-B8FC-AC1667EBCBE1}">
-              <a14:hiddenEffects xmlns="" xmlns:a14="http://schemas.microsoft.com/office/drawing/2010/main">
+              <a14:hiddenEffects xmlns:a14="http://schemas.microsoft.com/office/drawing/2010/main" xmlns="">
                 <a:effectLst>
                   <a:outerShdw dist="35921" dir="2700000" algn="ctr" rotWithShape="0">
                     <a:schemeClr val="bg2"/>
@@ -13106,7 +13099,6 @@
               <a:rPr lang="en-US" sz="3600" dirty="0" smtClean="0"/>
               <a:t>DDR Arbitration Algorithm (4)</a:t>
             </a:r>
-            <a:endParaRPr lang="en-US" sz="3600" dirty="0" smtClean="0"/>
           </a:p>
         </p:txBody>
       </p:sp>
@@ -13202,14 +13194,14 @@
         <p:spPr>
           <a:extLst>
             <a:ext uri="{909E8E84-426E-40DD-AFC4-6F175D3DCCD1}">
-              <a14:hiddenFill xmlns="" xmlns:a14="http://schemas.microsoft.com/office/drawing/2010/main">
+              <a14:hiddenFill xmlns:a14="http://schemas.microsoft.com/office/drawing/2010/main" xmlns="">
                 <a:solidFill>
                   <a:schemeClr val="accent1"/>
                 </a:solidFill>
               </a14:hiddenFill>
             </a:ext>
             <a:ext uri="{91240B29-F687-4F45-9708-019B960494DF}">
-              <a14:hiddenLine xmlns="" xmlns:a14="http://schemas.microsoft.com/office/drawing/2010/main" w="9525">
+              <a14:hiddenLine xmlns:a14="http://schemas.microsoft.com/office/drawing/2010/main" xmlns="" w="9525">
                 <a:solidFill>
                   <a:schemeClr val="tx1"/>
                 </a:solidFill>
@@ -13219,7 +13211,7 @@
               </a14:hiddenLine>
             </a:ext>
             <a:ext uri="{AF507438-7753-43E0-B8FC-AC1667EBCBE1}">
-              <a14:hiddenEffects xmlns="" xmlns:a14="http://schemas.microsoft.com/office/drawing/2010/main">
+              <a14:hiddenEffects xmlns:a14="http://schemas.microsoft.com/office/drawing/2010/main" xmlns="">
                 <a:effectLst>
                   <a:outerShdw dist="35921" dir="2700000" algn="ctr" rotWithShape="0">
                     <a:schemeClr val="bg2"/>
@@ -13312,7 +13304,6 @@
               <a:rPr lang="en-US" sz="3600" dirty="0" smtClean="0"/>
               <a:t>Class of Service</a:t>
             </a:r>
-            <a:endParaRPr lang="en-US" sz="3600" dirty="0" smtClean="0"/>
           </a:p>
         </p:txBody>
       </p:sp>
@@ -13426,14 +13417,14 @@
         <p:spPr>
           <a:extLst>
             <a:ext uri="{909E8E84-426E-40DD-AFC4-6F175D3DCCD1}">
-              <a14:hiddenFill xmlns="" xmlns:a14="http://schemas.microsoft.com/office/drawing/2010/main">
+              <a14:hiddenFill xmlns:a14="http://schemas.microsoft.com/office/drawing/2010/main" xmlns="">
                 <a:solidFill>
                   <a:schemeClr val="accent1"/>
                 </a:solidFill>
               </a14:hiddenFill>
             </a:ext>
             <a:ext uri="{91240B29-F687-4F45-9708-019B960494DF}">
-              <a14:hiddenLine xmlns="" xmlns:a14="http://schemas.microsoft.com/office/drawing/2010/main" w="9525">
+              <a14:hiddenLine xmlns:a14="http://schemas.microsoft.com/office/drawing/2010/main" xmlns="" w="9525">
                 <a:solidFill>
                   <a:schemeClr val="tx1"/>
                 </a:solidFill>
@@ -13443,7 +13434,7 @@
               </a14:hiddenLine>
             </a:ext>
             <a:ext uri="{AF507438-7753-43E0-B8FC-AC1667EBCBE1}">
-              <a14:hiddenEffects xmlns="" xmlns:a14="http://schemas.microsoft.com/office/drawing/2010/main">
+              <a14:hiddenEffects xmlns:a14="http://schemas.microsoft.com/office/drawing/2010/main" xmlns="">
                 <a:effectLst>
                   <a:outerShdw dist="35921" dir="2700000" algn="ctr" rotWithShape="0">
                     <a:schemeClr val="bg2"/>
@@ -13624,14 +13615,14 @@
         <p:spPr>
           <a:extLst>
             <a:ext uri="{909E8E84-426E-40DD-AFC4-6F175D3DCCD1}">
-              <a14:hiddenFill xmlns="" xmlns:a14="http://schemas.microsoft.com/office/drawing/2010/main">
+              <a14:hiddenFill xmlns:a14="http://schemas.microsoft.com/office/drawing/2010/main" xmlns="">
                 <a:solidFill>
                   <a:schemeClr val="accent1"/>
                 </a:solidFill>
               </a14:hiddenFill>
             </a:ext>
             <a:ext uri="{91240B29-F687-4F45-9708-019B960494DF}">
-              <a14:hiddenLine xmlns="" xmlns:a14="http://schemas.microsoft.com/office/drawing/2010/main" w="9525">
+              <a14:hiddenLine xmlns:a14="http://schemas.microsoft.com/office/drawing/2010/main" xmlns="" w="9525">
                 <a:solidFill>
                   <a:schemeClr val="tx1"/>
                 </a:solidFill>
@@ -13641,7 +13632,7 @@
               </a14:hiddenLine>
             </a:ext>
             <a:ext uri="{AF507438-7753-43E0-B8FC-AC1667EBCBE1}">
-              <a14:hiddenEffects xmlns="" xmlns:a14="http://schemas.microsoft.com/office/drawing/2010/main">
+              <a14:hiddenEffects xmlns:a14="http://schemas.microsoft.com/office/drawing/2010/main" xmlns="">
                 <a:effectLst>
                   <a:outerShdw dist="35921" dir="2700000" algn="ctr" rotWithShape="0">
                     <a:schemeClr val="bg2"/>
@@ -13831,14 +13822,14 @@
         <p:spPr>
           <a:extLst>
             <a:ext uri="{909E8E84-426E-40DD-AFC4-6F175D3DCCD1}">
-              <a14:hiddenFill xmlns="" xmlns:a14="http://schemas.microsoft.com/office/drawing/2010/main">
+              <a14:hiddenFill xmlns:a14="http://schemas.microsoft.com/office/drawing/2010/main" xmlns="">
                 <a:solidFill>
                   <a:schemeClr val="accent1"/>
                 </a:solidFill>
               </a14:hiddenFill>
             </a:ext>
             <a:ext uri="{91240B29-F687-4F45-9708-019B960494DF}">
-              <a14:hiddenLine xmlns="" xmlns:a14="http://schemas.microsoft.com/office/drawing/2010/main" w="9525">
+              <a14:hiddenLine xmlns:a14="http://schemas.microsoft.com/office/drawing/2010/main" xmlns="" w="9525">
                 <a:solidFill>
                   <a:schemeClr val="tx1"/>
                 </a:solidFill>
@@ -13848,7 +13839,7 @@
               </a14:hiddenLine>
             </a:ext>
             <a:ext uri="{AF507438-7753-43E0-B8FC-AC1667EBCBE1}">
-              <a14:hiddenEffects xmlns="" xmlns:a14="http://schemas.microsoft.com/office/drawing/2010/main">
+              <a14:hiddenEffects xmlns:a14="http://schemas.microsoft.com/office/drawing/2010/main" xmlns="">
                 <a:effectLst>
                   <a:outerShdw dist="35921" dir="2700000" algn="ctr" rotWithShape="0">
                     <a:schemeClr val="bg2"/>
@@ -14134,14 +14125,14 @@
         <p:spPr>
           <a:extLst>
             <a:ext uri="{909E8E84-426E-40DD-AFC4-6F175D3DCCD1}">
-              <a14:hiddenFill xmlns="" xmlns:a14="http://schemas.microsoft.com/office/drawing/2010/main">
+              <a14:hiddenFill xmlns:a14="http://schemas.microsoft.com/office/drawing/2010/main" xmlns="">
                 <a:solidFill>
                   <a:schemeClr val="accent1"/>
                 </a:solidFill>
               </a14:hiddenFill>
             </a:ext>
             <a:ext uri="{91240B29-F687-4F45-9708-019B960494DF}">
-              <a14:hiddenLine xmlns="" xmlns:a14="http://schemas.microsoft.com/office/drawing/2010/main" w="9525">
+              <a14:hiddenLine xmlns:a14="http://schemas.microsoft.com/office/drawing/2010/main" xmlns="" w="9525">
                 <a:solidFill>
                   <a:schemeClr val="tx1"/>
                 </a:solidFill>
@@ -14151,7 +14142,7 @@
               </a14:hiddenLine>
             </a:ext>
             <a:ext uri="{AF507438-7753-43E0-B8FC-AC1667EBCBE1}">
-              <a14:hiddenEffects xmlns="" xmlns:a14="http://schemas.microsoft.com/office/drawing/2010/main">
+              <a14:hiddenEffects xmlns:a14="http://schemas.microsoft.com/office/drawing/2010/main" xmlns="">
                 <a:effectLst>
                   <a:outerShdw dist="35921" dir="2700000" algn="ctr" rotWithShape="0">
                     <a:schemeClr val="bg2"/>
@@ -14253,14 +14244,14 @@
         <p:spPr>
           <a:extLst>
             <a:ext uri="{909E8E84-426E-40DD-AFC4-6F175D3DCCD1}">
-              <a14:hiddenFill xmlns="" xmlns:a14="http://schemas.microsoft.com/office/drawing/2010/main">
+              <a14:hiddenFill xmlns:a14="http://schemas.microsoft.com/office/drawing/2010/main" xmlns="">
                 <a:solidFill>
                   <a:schemeClr val="accent1"/>
                 </a:solidFill>
               </a14:hiddenFill>
             </a:ext>
             <a:ext uri="{91240B29-F687-4F45-9708-019B960494DF}">
-              <a14:hiddenLine xmlns="" xmlns:a14="http://schemas.microsoft.com/office/drawing/2010/main" w="9525">
+              <a14:hiddenLine xmlns:a14="http://schemas.microsoft.com/office/drawing/2010/main" xmlns="" w="9525">
                 <a:solidFill>
                   <a:schemeClr val="tx1"/>
                 </a:solidFill>
@@ -14270,7 +14261,7 @@
               </a14:hiddenLine>
             </a:ext>
             <a:ext uri="{AF507438-7753-43E0-B8FC-AC1667EBCBE1}">
-              <a14:hiddenEffects xmlns="" xmlns:a14="http://schemas.microsoft.com/office/drawing/2010/main">
+              <a14:hiddenEffects xmlns:a14="http://schemas.microsoft.com/office/drawing/2010/main" xmlns="">
                 <a:effectLst>
                   <a:outerShdw dist="35921" dir="2700000" algn="ctr" rotWithShape="0">
                     <a:schemeClr val="bg2"/>
@@ -14590,14 +14581,14 @@
         <p:spPr>
           <a:extLst>
             <a:ext uri="{909E8E84-426E-40DD-AFC4-6F175D3DCCD1}">
-              <a14:hiddenFill xmlns="" xmlns:a14="http://schemas.microsoft.com/office/drawing/2010/main">
+              <a14:hiddenFill xmlns:a14="http://schemas.microsoft.com/office/drawing/2010/main" xmlns="">
                 <a:solidFill>
                   <a:schemeClr val="accent1"/>
                 </a:solidFill>
               </a14:hiddenFill>
             </a:ext>
             <a:ext uri="{91240B29-F687-4F45-9708-019B960494DF}">
-              <a14:hiddenLine xmlns="" xmlns:a14="http://schemas.microsoft.com/office/drawing/2010/main" w="9525">
+              <a14:hiddenLine xmlns:a14="http://schemas.microsoft.com/office/drawing/2010/main" xmlns="" w="9525">
                 <a:solidFill>
                   <a:schemeClr val="tx1"/>
                 </a:solidFill>
@@ -14607,7 +14598,7 @@
               </a14:hiddenLine>
             </a:ext>
             <a:ext uri="{AF507438-7753-43E0-B8FC-AC1667EBCBE1}">
-              <a14:hiddenEffects xmlns="" xmlns:a14="http://schemas.microsoft.com/office/drawing/2010/main">
+              <a14:hiddenEffects xmlns:a14="http://schemas.microsoft.com/office/drawing/2010/main" xmlns="">
                 <a:effectLst>
                   <a:outerShdw dist="35921" dir="2700000" algn="ctr" rotWithShape="0">
                     <a:schemeClr val="bg2"/>
@@ -14709,14 +14700,14 @@
         <p:spPr>
           <a:extLst>
             <a:ext uri="{909E8E84-426E-40DD-AFC4-6F175D3DCCD1}">
-              <a14:hiddenFill xmlns="" xmlns:a14="http://schemas.microsoft.com/office/drawing/2010/main">
+              <a14:hiddenFill xmlns:a14="http://schemas.microsoft.com/office/drawing/2010/main" xmlns="">
                 <a:solidFill>
                   <a:schemeClr val="accent1"/>
                 </a:solidFill>
               </a14:hiddenFill>
             </a:ext>
             <a:ext uri="{91240B29-F687-4F45-9708-019B960494DF}">
-              <a14:hiddenLine xmlns="" xmlns:a14="http://schemas.microsoft.com/office/drawing/2010/main" w="9525">
+              <a14:hiddenLine xmlns:a14="http://schemas.microsoft.com/office/drawing/2010/main" xmlns="" w="9525">
                 <a:solidFill>
                   <a:schemeClr val="tx1"/>
                 </a:solidFill>
@@ -14726,7 +14717,7 @@
               </a14:hiddenLine>
             </a:ext>
             <a:ext uri="{AF507438-7753-43E0-B8FC-AC1667EBCBE1}">
-              <a14:hiddenEffects xmlns="" xmlns:a14="http://schemas.microsoft.com/office/drawing/2010/main">
+              <a14:hiddenEffects xmlns:a14="http://schemas.microsoft.com/office/drawing/2010/main" xmlns="">
                 <a:effectLst>
                   <a:outerShdw dist="35921" dir="2700000" algn="ctr" rotWithShape="0">
                     <a:schemeClr val="bg2"/>
@@ -14830,17 +14821,8 @@
           <a:p>
             <a:r>
               <a:rPr lang="en-US" sz="3600" dirty="0" smtClean="0"/>
-              <a:t>Bus Priority </a:t>
-            </a:r>
-            <a:r>
-              <a:rPr lang="en-US" sz="3600" dirty="0" smtClean="0"/>
-              <a:t>of Other </a:t>
-            </a:r>
-            <a:r>
-              <a:rPr lang="en-US" sz="3600" dirty="0" smtClean="0"/>
-              <a:t>Masters </a:t>
-            </a:r>
-            <a:endParaRPr lang="en-US" sz="3600" dirty="0" smtClean="0"/>
+              <a:t>Bus Priority of Other Masters </a:t>
+            </a:r>
           </a:p>
         </p:txBody>
       </p:sp>
@@ -14945,14 +14927,14 @@
         <p:spPr>
           <a:extLst>
             <a:ext uri="{909E8E84-426E-40DD-AFC4-6F175D3DCCD1}">
-              <a14:hiddenFill xmlns="" xmlns:a14="http://schemas.microsoft.com/office/drawing/2010/main">
+              <a14:hiddenFill xmlns:a14="http://schemas.microsoft.com/office/drawing/2010/main" xmlns="">
                 <a:solidFill>
                   <a:schemeClr val="accent1"/>
                 </a:solidFill>
               </a14:hiddenFill>
             </a:ext>
             <a:ext uri="{91240B29-F687-4F45-9708-019B960494DF}">
-              <a14:hiddenLine xmlns="" xmlns:a14="http://schemas.microsoft.com/office/drawing/2010/main" w="9525">
+              <a14:hiddenLine xmlns:a14="http://schemas.microsoft.com/office/drawing/2010/main" xmlns="" w="9525">
                 <a:solidFill>
                   <a:schemeClr val="tx1"/>
                 </a:solidFill>
@@ -14962,7 +14944,7 @@
               </a14:hiddenLine>
             </a:ext>
             <a:ext uri="{AF507438-7753-43E0-B8FC-AC1667EBCBE1}">
-              <a14:hiddenEffects xmlns="" xmlns:a14="http://schemas.microsoft.com/office/drawing/2010/main">
+              <a14:hiddenEffects xmlns:a14="http://schemas.microsoft.com/office/drawing/2010/main" xmlns="">
                 <a:effectLst>
                   <a:outerShdw dist="35921" dir="2700000" algn="ctr" rotWithShape="0">
                     <a:schemeClr val="bg2"/>
